--- a/FitTrackPresentationFinal.pptx
+++ b/FitTrackPresentationFinal.pptx
@@ -5,19 +5,20 @@
     <p:sldMasterId id="2147483725" r:id="rId1"/>
   </p:sldMasterIdLst>
   <p:notesMasterIdLst>
-    <p:notesMasterId r:id="rId12"/>
+    <p:notesMasterId r:id="rId13"/>
   </p:notesMasterIdLst>
   <p:sldIdLst>
     <p:sldId id="256" r:id="rId2"/>
     <p:sldId id="262" r:id="rId3"/>
-    <p:sldId id="260" r:id="rId4"/>
-    <p:sldId id="257" r:id="rId5"/>
-    <p:sldId id="258" r:id="rId6"/>
-    <p:sldId id="259" r:id="rId7"/>
-    <p:sldId id="265" r:id="rId8"/>
-    <p:sldId id="261" r:id="rId9"/>
-    <p:sldId id="263" r:id="rId10"/>
-    <p:sldId id="264" r:id="rId11"/>
+    <p:sldId id="266" r:id="rId4"/>
+    <p:sldId id="260" r:id="rId5"/>
+    <p:sldId id="257" r:id="rId6"/>
+    <p:sldId id="258" r:id="rId7"/>
+    <p:sldId id="259" r:id="rId8"/>
+    <p:sldId id="265" r:id="rId9"/>
+    <p:sldId id="261" r:id="rId10"/>
+    <p:sldId id="263" r:id="rId11"/>
+    <p:sldId id="264" r:id="rId12"/>
   </p:sldIdLst>
   <p:sldSz cx="12192000" cy="6858000"/>
   <p:notesSz cx="6858000" cy="9144000"/>
@@ -538,7 +539,7 @@
           <a:p>
             <a:fld id="{7CC3FEEE-344C-3643-B9E4-5011CB4F49BB}" type="slidenum">
               <a:rPr lang="en-US" smtClean="0"/>
-              <a:t>9</a:t>
+              <a:t>10</a:t>
             </a:fld>
             <a:endParaRPr lang="en-US"/>
           </a:p>
@@ -622,7 +623,7 @@
           <a:p>
             <a:fld id="{7CC3FEEE-344C-3643-B9E4-5011CB4F49BB}" type="slidenum">
               <a:rPr lang="en-US" smtClean="0"/>
-              <a:t>10</a:t>
+              <a:t>11</a:t>
             </a:fld>
             <a:endParaRPr lang="en-US"/>
           </a:p>
@@ -16526,4387 +16527,6 @@
       </p:grpSpPr>
       <p:sp useBgFill="1">
         <p:nvSpPr>
-          <p:cNvPr id="46" name="Rectangle 45">
-            <a:extLst>
-              <a:ext uri="{FF2B5EF4-FFF2-40B4-BE49-F238E27FC236}">
-                <a16:creationId xmlns:a16="http://schemas.microsoft.com/office/drawing/2014/main" id="{C7F2E4D6-EF46-1C43-8F3E-3620C3C83F36}"/>
-              </a:ext>
-              <a:ext uri="{C183D7F6-B498-43B3-948B-1728B52AA6E4}">
-                <adec:decorative xmlns:adec="http://schemas.microsoft.com/office/drawing/2017/decorative" val="1"/>
-              </a:ext>
-            </a:extLst>
-          </p:cNvPr>
-          <p:cNvSpPr>
-            <a:spLocks noGrp="1" noRot="1" noChangeAspect="1" noMove="1" noResize="1" noEditPoints="1" noAdjustHandles="1" noChangeArrowheads="1" noChangeShapeType="1" noTextEdit="1"/>
-          </p:cNvSpPr>
-          <p:nvPr>
-            <p:extLst>
-              <p:ext uri="{386F3935-93C4-4BCD-93E2-E3B085C9AB24}">
-                <p16:designElem xmlns:p16="http://schemas.microsoft.com/office/powerpoint/2015/main" val="1"/>
-              </p:ext>
-            </p:extLst>
-          </p:nvPr>
-        </p:nvSpPr>
-        <p:spPr>
-          <a:xfrm>
-            <a:off x="0" y="0"/>
-            <a:ext cx="12192000" cy="6858000"/>
-          </a:xfrm>
-          <a:prstGeom prst="rect">
-            <a:avLst/>
-          </a:prstGeom>
-          <a:ln>
-            <a:noFill/>
-          </a:ln>
-        </p:spPr>
-        <p:style>
-          <a:lnRef idx="2">
-            <a:schemeClr val="accent1">
-              <a:shade val="50000"/>
-            </a:schemeClr>
-          </a:lnRef>
-          <a:fillRef idx="1">
-            <a:schemeClr val="accent1"/>
-          </a:fillRef>
-          <a:effectRef idx="0">
-            <a:schemeClr val="accent1"/>
-          </a:effectRef>
-          <a:fontRef idx="minor">
-            <a:schemeClr val="lt1"/>
-          </a:fontRef>
-        </p:style>
-        <p:txBody>
-          <a:bodyPr rtlCol="0" anchor="ctr"/>
-          <a:lstStyle/>
-          <a:p>
-            <a:pPr algn="ctr"/>
-            <a:endParaRPr lang="en-US"/>
-          </a:p>
-        </p:txBody>
-      </p:sp>
-      <p:sp>
-        <p:nvSpPr>
-          <p:cNvPr id="2" name="Title 1">
-            <a:extLst>
-              <a:ext uri="{FF2B5EF4-FFF2-40B4-BE49-F238E27FC236}">
-                <a16:creationId xmlns:a16="http://schemas.microsoft.com/office/drawing/2014/main" id="{A6556D41-894E-6D27-E385-4C32E4F2088A}"/>
-              </a:ext>
-            </a:extLst>
-          </p:cNvPr>
-          <p:cNvSpPr>
-            <a:spLocks noGrp="1"/>
-          </p:cNvSpPr>
-          <p:nvPr>
-            <p:ph type="title"/>
-          </p:nvPr>
-        </p:nvSpPr>
-        <p:spPr>
-          <a:xfrm>
-            <a:off x="565150" y="770890"/>
-            <a:ext cx="7668997" cy="1268984"/>
-          </a:xfrm>
-        </p:spPr>
-        <p:txBody>
-          <a:bodyPr>
-            <a:normAutofit/>
-          </a:bodyPr>
-          <a:lstStyle/>
-          <a:p>
-            <a:r>
-              <a:rPr lang="en-US"/>
-              <a:t>PWA</a:t>
-            </a:r>
-          </a:p>
-        </p:txBody>
-      </p:sp>
-      <p:sp>
-        <p:nvSpPr>
-          <p:cNvPr id="3" name="Content Placeholder 2">
-            <a:extLst>
-              <a:ext uri="{FF2B5EF4-FFF2-40B4-BE49-F238E27FC236}">
-                <a16:creationId xmlns:a16="http://schemas.microsoft.com/office/drawing/2014/main" id="{F879E74F-EEC9-58C3-17FA-5A3E59BB2ADD}"/>
-              </a:ext>
-            </a:extLst>
-          </p:cNvPr>
-          <p:cNvSpPr>
-            <a:spLocks noGrp="1"/>
-          </p:cNvSpPr>
-          <p:nvPr>
-            <p:ph idx="1"/>
-          </p:nvPr>
-        </p:nvSpPr>
-        <p:spPr>
-          <a:xfrm>
-            <a:off x="565150" y="2160016"/>
-            <a:ext cx="7668997" cy="3601212"/>
-          </a:xfrm>
-        </p:spPr>
-        <p:txBody>
-          <a:bodyPr>
-            <a:normAutofit/>
-          </a:bodyPr>
-          <a:lstStyle/>
-          <a:p>
-            <a:pPr>
-              <a:lnSpc>
-                <a:spcPct val="90000"/>
-              </a:lnSpc>
-              <a:buFont typeface="+mj-lt"/>
-              <a:buAutoNum type="arabicPeriod"/>
-            </a:pPr>
-            <a:r>
-              <a:rPr lang="en-US" sz="2200" b="1" i="0">
-                <a:effectLst/>
-                <a:latin typeface="Söhne"/>
-              </a:rPr>
-              <a:t>Offline Access:</a:t>
-            </a:r>
-            <a:r>
-              <a:rPr lang="en-US" sz="2200" b="0" i="0">
-                <a:effectLst/>
-                <a:latin typeface="Söhne"/>
-              </a:rPr>
-              <a:t> PWAs can work offline or with low-quality networks, thanks to service workers that cache key resources.</a:t>
-            </a:r>
-          </a:p>
-          <a:p>
-            <a:pPr>
-              <a:lnSpc>
-                <a:spcPct val="90000"/>
-              </a:lnSpc>
-              <a:buFont typeface="+mj-lt"/>
-              <a:buAutoNum type="arabicPeriod"/>
-            </a:pPr>
-            <a:r>
-              <a:rPr lang="en-US" sz="2200" b="1" i="0">
-                <a:effectLst/>
-                <a:latin typeface="Söhne"/>
-              </a:rPr>
-              <a:t>Responsive Design:</a:t>
-            </a:r>
-            <a:r>
-              <a:rPr lang="en-US" sz="2200" b="0" i="0">
-                <a:effectLst/>
-                <a:latin typeface="Söhne"/>
-              </a:rPr>
-              <a:t> They adapt to any device, screen size, or orientation, ensuring a consistent user experience across platforms.</a:t>
-            </a:r>
-          </a:p>
-          <a:p>
-            <a:pPr>
-              <a:lnSpc>
-                <a:spcPct val="90000"/>
-              </a:lnSpc>
-              <a:buFont typeface="+mj-lt"/>
-              <a:buAutoNum type="arabicPeriod"/>
-            </a:pPr>
-            <a:r>
-              <a:rPr lang="en-US" sz="2200" b="1" i="0">
-                <a:effectLst/>
-                <a:latin typeface="Söhne"/>
-              </a:rPr>
-              <a:t>Performance:</a:t>
-            </a:r>
-            <a:r>
-              <a:rPr lang="en-US" sz="2200" b="0" i="0">
-                <a:effectLst/>
-                <a:latin typeface="Söhne"/>
-              </a:rPr>
-              <a:t> PWAs are optimized for speed and reliability, often leading to faster load times and smoother interactions compared to traditional web apps.</a:t>
-            </a:r>
-          </a:p>
-          <a:p>
-            <a:pPr marL="0" indent="0">
-              <a:lnSpc>
-                <a:spcPct val="90000"/>
-              </a:lnSpc>
-              <a:buNone/>
-            </a:pPr>
-            <a:br>
-              <a:rPr lang="en-US" sz="2200"/>
-            </a:br>
-            <a:endParaRPr lang="en-US" sz="2200"/>
-          </a:p>
-        </p:txBody>
-      </p:sp>
-      <p:grpSp>
-        <p:nvGrpSpPr>
-          <p:cNvPr id="48" name="Group 47">
-            <a:extLst>
-              <a:ext uri="{FF2B5EF4-FFF2-40B4-BE49-F238E27FC236}">
-                <a16:creationId xmlns:a16="http://schemas.microsoft.com/office/drawing/2014/main" id="{2ACBB827-9A2D-D449-9686-F47D2A20EFE1}"/>
-              </a:ext>
-              <a:ext uri="{C183D7F6-B498-43B3-948B-1728B52AA6E4}">
-                <adec:decorative xmlns:adec="http://schemas.microsoft.com/office/drawing/2017/decorative" val="1"/>
-              </a:ext>
-            </a:extLst>
-          </p:cNvPr>
-          <p:cNvGrpSpPr>
-            <a:grpSpLocks noGrp="1" noUngrp="1" noRot="1" noChangeAspect="1" noMove="1" noResize="1"/>
-          </p:cNvGrpSpPr>
-          <p:nvPr>
-            <p:extLst>
-              <p:ext uri="{386F3935-93C4-4BCD-93E2-E3B085C9AB24}">
-                <p16:designElem xmlns:p16="http://schemas.microsoft.com/office/powerpoint/2015/main" val="1"/>
-              </p:ext>
-            </p:extLst>
-          </p:nvPr>
-        </p:nvGrpSpPr>
-        <p:grpSpPr>
-          <a:xfrm>
-            <a:off x="10290315" y="0"/>
-            <a:ext cx="1901686" cy="4677439"/>
-            <a:chOff x="10290315" y="0"/>
-            <a:chExt cx="1901686" cy="4677439"/>
-          </a:xfrm>
-        </p:grpSpPr>
-        <p:sp>
-          <p:nvSpPr>
-            <p:cNvPr id="49" name="Freeform 21">
-              <a:extLst>
-                <a:ext uri="{FF2B5EF4-FFF2-40B4-BE49-F238E27FC236}">
-                  <a16:creationId xmlns:a16="http://schemas.microsoft.com/office/drawing/2014/main" id="{9B921EC8-AD62-E940-80A2-682AC7104E09}"/>
-                </a:ext>
-                <a:ext uri="{C183D7F6-B498-43B3-948B-1728B52AA6E4}">
-                  <adec:decorative xmlns:adec="http://schemas.microsoft.com/office/drawing/2017/decorative" val="1"/>
-                </a:ext>
-              </a:extLst>
-            </p:cNvPr>
-            <p:cNvSpPr/>
-            <p:nvPr>
-              <p:extLst>
-                <p:ext uri="{386F3935-93C4-4BCD-93E2-E3B085C9AB24}">
-                  <p16:designElem xmlns:p16="http://schemas.microsoft.com/office/powerpoint/2015/main" val="1"/>
-                </p:ext>
-              </p:extLst>
-            </p:nvPr>
-          </p:nvSpPr>
-          <p:spPr>
-            <a:xfrm>
-              <a:off x="10290315" y="0"/>
-              <a:ext cx="1130724" cy="565573"/>
-            </a:xfrm>
-            <a:custGeom>
-              <a:avLst/>
-              <a:gdLst>
-                <a:gd name="connsiteX0" fmla="*/ 21 w 1130724"/>
-                <a:gd name="connsiteY0" fmla="*/ 0 h 565573"/>
-                <a:gd name="connsiteX1" fmla="*/ 1130703 w 1130724"/>
-                <a:gd name="connsiteY1" fmla="*/ 0 h 565573"/>
-                <a:gd name="connsiteX2" fmla="*/ 1130724 w 1130724"/>
-                <a:gd name="connsiteY2" fmla="*/ 211 h 565573"/>
-                <a:gd name="connsiteX3" fmla="*/ 565362 w 1130724"/>
-                <a:gd name="connsiteY3" fmla="*/ 565573 h 565573"/>
-                <a:gd name="connsiteX4" fmla="*/ 0 w 1130724"/>
-                <a:gd name="connsiteY4" fmla="*/ 211 h 565573"/>
-              </a:gdLst>
-              <a:ahLst/>
-              <a:cxnLst>
-                <a:cxn ang="0">
-                  <a:pos x="connsiteX0" y="connsiteY0"/>
-                </a:cxn>
-                <a:cxn ang="0">
-                  <a:pos x="connsiteX1" y="connsiteY1"/>
-                </a:cxn>
-                <a:cxn ang="0">
-                  <a:pos x="connsiteX2" y="connsiteY2"/>
-                </a:cxn>
-                <a:cxn ang="0">
-                  <a:pos x="connsiteX3" y="connsiteY3"/>
-                </a:cxn>
-                <a:cxn ang="0">
-                  <a:pos x="connsiteX4" y="connsiteY4"/>
-                </a:cxn>
-              </a:cxnLst>
-              <a:rect l="l" t="t" r="r" b="b"/>
-              <a:pathLst>
-                <a:path w="1130724" h="565573">
-                  <a:moveTo>
-                    <a:pt x="21" y="0"/>
-                  </a:moveTo>
-                  <a:lnTo>
-                    <a:pt x="1130703" y="0"/>
-                  </a:lnTo>
-                  <a:lnTo>
-                    <a:pt x="1130724" y="211"/>
-                  </a:lnTo>
-                  <a:cubicBezTo>
-                    <a:pt x="1130724" y="312452"/>
-                    <a:pt x="877603" y="565573"/>
-                    <a:pt x="565362" y="565573"/>
-                  </a:cubicBezTo>
-                  <a:cubicBezTo>
-                    <a:pt x="253121" y="565573"/>
-                    <a:pt x="0" y="312452"/>
-                    <a:pt x="0" y="211"/>
-                  </a:cubicBezTo>
-                  <a:close/>
-                </a:path>
-              </a:pathLst>
-            </a:custGeom>
-            <a:solidFill>
-              <a:schemeClr val="bg2"/>
-            </a:solidFill>
-            <a:ln>
-              <a:noFill/>
-            </a:ln>
-          </p:spPr>
-          <p:style>
-            <a:lnRef idx="2">
-              <a:schemeClr val="accent1">
-                <a:shade val="50000"/>
-              </a:schemeClr>
-            </a:lnRef>
-            <a:fillRef idx="1">
-              <a:schemeClr val="accent1"/>
-            </a:fillRef>
-            <a:effectRef idx="0">
-              <a:schemeClr val="accent1"/>
-            </a:effectRef>
-            <a:fontRef idx="minor">
-              <a:schemeClr val="lt1"/>
-            </a:fontRef>
-          </p:style>
-          <p:txBody>
-            <a:bodyPr wrap="square" rtlCol="0" anchor="ctr">
-              <a:noAutofit/>
-            </a:bodyPr>
-            <a:lstStyle/>
-            <a:p>
-              <a:pPr algn="ctr"/>
-              <a:endParaRPr lang="en-US"/>
-            </a:p>
-          </p:txBody>
-        </p:sp>
-        <p:sp>
-          <p:nvSpPr>
-            <p:cNvPr id="50" name="Freeform 23">
-              <a:extLst>
-                <a:ext uri="{FF2B5EF4-FFF2-40B4-BE49-F238E27FC236}">
-                  <a16:creationId xmlns:a16="http://schemas.microsoft.com/office/drawing/2014/main" id="{6DBDC735-9A9C-6340-B1E4-3576B27EDDC1}"/>
-                </a:ext>
-                <a:ext uri="{C183D7F6-B498-43B3-948B-1728B52AA6E4}">
-                  <adec:decorative xmlns:adec="http://schemas.microsoft.com/office/drawing/2017/decorative" val="1"/>
-                </a:ext>
-              </a:extLst>
-            </p:cNvPr>
-            <p:cNvSpPr/>
-            <p:nvPr>
-              <p:extLst>
-                <p:ext uri="{386F3935-93C4-4BCD-93E2-E3B085C9AB24}">
-                  <p16:designElem xmlns:p16="http://schemas.microsoft.com/office/powerpoint/2015/main" val="1"/>
-                </p:ext>
-              </p:extLst>
-            </p:nvPr>
-          </p:nvSpPr>
-          <p:spPr>
-            <a:xfrm>
-              <a:off x="11653180" y="3552066"/>
-              <a:ext cx="538821" cy="1125373"/>
-            </a:xfrm>
-            <a:custGeom>
-              <a:avLst/>
-              <a:gdLst>
-                <a:gd name="connsiteX0" fmla="*/ 538821 w 538821"/>
-                <a:gd name="connsiteY0" fmla="*/ 0 h 1125373"/>
-                <a:gd name="connsiteX1" fmla="*/ 538821 w 538821"/>
-                <a:gd name="connsiteY1" fmla="*/ 1125373 h 1125373"/>
-                <a:gd name="connsiteX2" fmla="*/ 451422 w 538821"/>
-                <a:gd name="connsiteY2" fmla="*/ 1116562 h 1125373"/>
-                <a:gd name="connsiteX3" fmla="*/ 0 w 538821"/>
-                <a:gd name="connsiteY3" fmla="*/ 562686 h 1125373"/>
-                <a:gd name="connsiteX4" fmla="*/ 451422 w 538821"/>
-                <a:gd name="connsiteY4" fmla="*/ 8810 h 1125373"/>
-              </a:gdLst>
-              <a:ahLst/>
-              <a:cxnLst>
-                <a:cxn ang="0">
-                  <a:pos x="connsiteX0" y="connsiteY0"/>
-                </a:cxn>
-                <a:cxn ang="0">
-                  <a:pos x="connsiteX1" y="connsiteY1"/>
-                </a:cxn>
-                <a:cxn ang="0">
-                  <a:pos x="connsiteX2" y="connsiteY2"/>
-                </a:cxn>
-                <a:cxn ang="0">
-                  <a:pos x="connsiteX3" y="connsiteY3"/>
-                </a:cxn>
-                <a:cxn ang="0">
-                  <a:pos x="connsiteX4" y="connsiteY4"/>
-                </a:cxn>
-              </a:cxnLst>
-              <a:rect l="l" t="t" r="r" b="b"/>
-              <a:pathLst>
-                <a:path w="538821" h="1125373">
-                  <a:moveTo>
-                    <a:pt x="538821" y="0"/>
-                  </a:moveTo>
-                  <a:lnTo>
-                    <a:pt x="538821" y="1125373"/>
-                  </a:lnTo>
-                  <a:lnTo>
-                    <a:pt x="451422" y="1116562"/>
-                  </a:lnTo>
-                  <a:cubicBezTo>
-                    <a:pt x="193796" y="1063844"/>
-                    <a:pt x="0" y="835897"/>
-                    <a:pt x="0" y="562686"/>
-                  </a:cubicBezTo>
-                  <a:cubicBezTo>
-                    <a:pt x="0" y="289475"/>
-                    <a:pt x="193796" y="61528"/>
-                    <a:pt x="451422" y="8810"/>
-                  </a:cubicBezTo>
-                  <a:close/>
-                </a:path>
-              </a:pathLst>
-            </a:custGeom>
-            <a:solidFill>
-              <a:schemeClr val="bg2"/>
-            </a:solidFill>
-            <a:ln>
-              <a:noFill/>
-            </a:ln>
-          </p:spPr>
-          <p:style>
-            <a:lnRef idx="2">
-              <a:schemeClr val="accent1">
-                <a:shade val="50000"/>
-              </a:schemeClr>
-            </a:lnRef>
-            <a:fillRef idx="1">
-              <a:schemeClr val="accent1"/>
-            </a:fillRef>
-            <a:effectRef idx="0">
-              <a:schemeClr val="accent1"/>
-            </a:effectRef>
-            <a:fontRef idx="minor">
-              <a:schemeClr val="lt1"/>
-            </a:fontRef>
-          </p:style>
-          <p:txBody>
-            <a:bodyPr wrap="square" rtlCol="0" anchor="ctr">
-              <a:noAutofit/>
-            </a:bodyPr>
-            <a:lstStyle/>
-            <a:p>
-              <a:pPr algn="ctr"/>
-              <a:endParaRPr lang="en-US"/>
-            </a:p>
-          </p:txBody>
-        </p:sp>
-        <p:sp>
-          <p:nvSpPr>
-            <p:cNvPr id="51" name="Freeform 25">
-              <a:extLst>
-                <a:ext uri="{FF2B5EF4-FFF2-40B4-BE49-F238E27FC236}">
-                  <a16:creationId xmlns:a16="http://schemas.microsoft.com/office/drawing/2014/main" id="{E3F399C2-198A-1347-8B48-1B1D50805EFB}"/>
-                </a:ext>
-                <a:ext uri="{C183D7F6-B498-43B3-948B-1728B52AA6E4}">
-                  <adec:decorative xmlns:adec="http://schemas.microsoft.com/office/drawing/2017/decorative" val="1"/>
-                </a:ext>
-              </a:extLst>
-            </p:cNvPr>
-            <p:cNvSpPr/>
-            <p:nvPr>
-              <p:extLst>
-                <p:ext uri="{386F3935-93C4-4BCD-93E2-E3B085C9AB24}">
-                  <p16:designElem xmlns:p16="http://schemas.microsoft.com/office/powerpoint/2015/main" val="1"/>
-                </p:ext>
-              </p:extLst>
-            </p:nvPr>
-          </p:nvSpPr>
-          <p:spPr>
-            <a:xfrm>
-              <a:off x="11653180" y="809039"/>
-              <a:ext cx="538821" cy="1125373"/>
-            </a:xfrm>
-            <a:custGeom>
-              <a:avLst/>
-              <a:gdLst>
-                <a:gd name="connsiteX0" fmla="*/ 538821 w 538821"/>
-                <a:gd name="connsiteY0" fmla="*/ 0 h 1125373"/>
-                <a:gd name="connsiteX1" fmla="*/ 538821 w 538821"/>
-                <a:gd name="connsiteY1" fmla="*/ 1125373 h 1125373"/>
-                <a:gd name="connsiteX2" fmla="*/ 451422 w 538821"/>
-                <a:gd name="connsiteY2" fmla="*/ 1116562 h 1125373"/>
-                <a:gd name="connsiteX3" fmla="*/ 0 w 538821"/>
-                <a:gd name="connsiteY3" fmla="*/ 562686 h 1125373"/>
-                <a:gd name="connsiteX4" fmla="*/ 451422 w 538821"/>
-                <a:gd name="connsiteY4" fmla="*/ 8810 h 1125373"/>
-              </a:gdLst>
-              <a:ahLst/>
-              <a:cxnLst>
-                <a:cxn ang="0">
-                  <a:pos x="connsiteX0" y="connsiteY0"/>
-                </a:cxn>
-                <a:cxn ang="0">
-                  <a:pos x="connsiteX1" y="connsiteY1"/>
-                </a:cxn>
-                <a:cxn ang="0">
-                  <a:pos x="connsiteX2" y="connsiteY2"/>
-                </a:cxn>
-                <a:cxn ang="0">
-                  <a:pos x="connsiteX3" y="connsiteY3"/>
-                </a:cxn>
-                <a:cxn ang="0">
-                  <a:pos x="connsiteX4" y="connsiteY4"/>
-                </a:cxn>
-              </a:cxnLst>
-              <a:rect l="l" t="t" r="r" b="b"/>
-              <a:pathLst>
-                <a:path w="538821" h="1125373">
-                  <a:moveTo>
-                    <a:pt x="538821" y="0"/>
-                  </a:moveTo>
-                  <a:lnTo>
-                    <a:pt x="538821" y="1125373"/>
-                  </a:lnTo>
-                  <a:lnTo>
-                    <a:pt x="451422" y="1116562"/>
-                  </a:lnTo>
-                  <a:cubicBezTo>
-                    <a:pt x="193796" y="1063844"/>
-                    <a:pt x="0" y="835897"/>
-                    <a:pt x="0" y="562686"/>
-                  </a:cubicBezTo>
-                  <a:cubicBezTo>
-                    <a:pt x="0" y="289475"/>
-                    <a:pt x="193796" y="61528"/>
-                    <a:pt x="451422" y="8810"/>
-                  </a:cubicBezTo>
-                  <a:close/>
-                </a:path>
-              </a:pathLst>
-            </a:custGeom>
-            <a:solidFill>
-              <a:schemeClr val="accent1"/>
-            </a:solidFill>
-            <a:ln>
-              <a:noFill/>
-            </a:ln>
-          </p:spPr>
-          <p:style>
-            <a:lnRef idx="2">
-              <a:schemeClr val="accent1">
-                <a:shade val="50000"/>
-              </a:schemeClr>
-            </a:lnRef>
-            <a:fillRef idx="1">
-              <a:schemeClr val="accent1"/>
-            </a:fillRef>
-            <a:effectRef idx="0">
-              <a:schemeClr val="accent1"/>
-            </a:effectRef>
-            <a:fontRef idx="minor">
-              <a:schemeClr val="lt1"/>
-            </a:fontRef>
-          </p:style>
-          <p:txBody>
-            <a:bodyPr wrap="square" rtlCol="0" anchor="ctr">
-              <a:noAutofit/>
-            </a:bodyPr>
-            <a:lstStyle/>
-            <a:p>
-              <a:pPr algn="ctr"/>
-              <a:endParaRPr lang="en-US"/>
-            </a:p>
-          </p:txBody>
-        </p:sp>
-        <p:sp>
-          <p:nvSpPr>
-            <p:cNvPr id="52" name="Freeform 26">
-              <a:extLst>
-                <a:ext uri="{FF2B5EF4-FFF2-40B4-BE49-F238E27FC236}">
-                  <a16:creationId xmlns:a16="http://schemas.microsoft.com/office/drawing/2014/main" id="{4AB3593B-CA05-1845-839E-90B9B70ECE96}"/>
-                </a:ext>
-                <a:ext uri="{C183D7F6-B498-43B3-948B-1728B52AA6E4}">
-                  <adec:decorative xmlns:adec="http://schemas.microsoft.com/office/drawing/2017/decorative" val="1"/>
-                </a:ext>
-              </a:extLst>
-            </p:cNvPr>
-            <p:cNvSpPr/>
-            <p:nvPr>
-              <p:extLst>
-                <p:ext uri="{386F3935-93C4-4BCD-93E2-E3B085C9AB24}">
-                  <p16:designElem xmlns:p16="http://schemas.microsoft.com/office/powerpoint/2015/main" val="1"/>
-                </p:ext>
-              </p:extLst>
-            </p:nvPr>
-          </p:nvSpPr>
-          <p:spPr>
-            <a:xfrm>
-              <a:off x="11653180" y="0"/>
-              <a:ext cx="538821" cy="562898"/>
-            </a:xfrm>
-            <a:custGeom>
-              <a:avLst/>
-              <a:gdLst>
-                <a:gd name="connsiteX0" fmla="*/ 21 w 538821"/>
-                <a:gd name="connsiteY0" fmla="*/ 0 h 562898"/>
-                <a:gd name="connsiteX1" fmla="*/ 538821 w 538821"/>
-                <a:gd name="connsiteY1" fmla="*/ 0 h 562898"/>
-                <a:gd name="connsiteX2" fmla="*/ 538821 w 538821"/>
-                <a:gd name="connsiteY2" fmla="*/ 562898 h 562898"/>
-                <a:gd name="connsiteX3" fmla="*/ 451422 w 538821"/>
-                <a:gd name="connsiteY3" fmla="*/ 554087 h 562898"/>
-                <a:gd name="connsiteX4" fmla="*/ 0 w 538821"/>
-                <a:gd name="connsiteY4" fmla="*/ 211 h 562898"/>
-              </a:gdLst>
-              <a:ahLst/>
-              <a:cxnLst>
-                <a:cxn ang="0">
-                  <a:pos x="connsiteX0" y="connsiteY0"/>
-                </a:cxn>
-                <a:cxn ang="0">
-                  <a:pos x="connsiteX1" y="connsiteY1"/>
-                </a:cxn>
-                <a:cxn ang="0">
-                  <a:pos x="connsiteX2" y="connsiteY2"/>
-                </a:cxn>
-                <a:cxn ang="0">
-                  <a:pos x="connsiteX3" y="connsiteY3"/>
-                </a:cxn>
-                <a:cxn ang="0">
-                  <a:pos x="connsiteX4" y="connsiteY4"/>
-                </a:cxn>
-              </a:cxnLst>
-              <a:rect l="l" t="t" r="r" b="b"/>
-              <a:pathLst>
-                <a:path w="538821" h="562898">
-                  <a:moveTo>
-                    <a:pt x="21" y="0"/>
-                  </a:moveTo>
-                  <a:lnTo>
-                    <a:pt x="538821" y="0"/>
-                  </a:lnTo>
-                  <a:lnTo>
-                    <a:pt x="538821" y="562898"/>
-                  </a:lnTo>
-                  <a:lnTo>
-                    <a:pt x="451422" y="554087"/>
-                  </a:lnTo>
-                  <a:cubicBezTo>
-                    <a:pt x="193796" y="501369"/>
-                    <a:pt x="0" y="273422"/>
-                    <a:pt x="0" y="211"/>
-                  </a:cubicBezTo>
-                  <a:close/>
-                </a:path>
-              </a:pathLst>
-            </a:custGeom>
-            <a:solidFill>
-              <a:schemeClr val="bg2"/>
-            </a:solidFill>
-            <a:ln>
-              <a:noFill/>
-            </a:ln>
-          </p:spPr>
-          <p:style>
-            <a:lnRef idx="2">
-              <a:schemeClr val="accent1">
-                <a:shade val="50000"/>
-              </a:schemeClr>
-            </a:lnRef>
-            <a:fillRef idx="1">
-              <a:schemeClr val="accent1"/>
-            </a:fillRef>
-            <a:effectRef idx="0">
-              <a:schemeClr val="accent1"/>
-            </a:effectRef>
-            <a:fontRef idx="minor">
-              <a:schemeClr val="lt1"/>
-            </a:fontRef>
-          </p:style>
-          <p:txBody>
-            <a:bodyPr wrap="square" rtlCol="0" anchor="ctr">
-              <a:noAutofit/>
-            </a:bodyPr>
-            <a:lstStyle/>
-            <a:p>
-              <a:pPr algn="ctr"/>
-              <a:endParaRPr lang="en-US"/>
-            </a:p>
-          </p:txBody>
-        </p:sp>
-      </p:grpSp>
-      <p:pic>
-        <p:nvPicPr>
-          <p:cNvPr id="8" name="Picture 7" descr="A computer screen shot of text&#10;&#10;Description automatically generated">
-            <a:extLst>
-              <a:ext uri="{FF2B5EF4-FFF2-40B4-BE49-F238E27FC236}">
-                <a16:creationId xmlns:a16="http://schemas.microsoft.com/office/drawing/2014/main" id="{EC9C75CA-C9A7-BBAF-42A5-CCDF458DB54A}"/>
-              </a:ext>
-            </a:extLst>
-          </p:cNvPr>
-          <p:cNvPicPr>
-            <a:picLocks noChangeAspect="1"/>
-          </p:cNvPicPr>
-          <p:nvPr/>
-        </p:nvPicPr>
-        <p:blipFill>
-          <a:blip r:embed="rId3"/>
-          <a:stretch>
-            <a:fillRect/>
-          </a:stretch>
-        </p:blipFill>
-        <p:spPr>
-          <a:xfrm>
-            <a:off x="8799882" y="1042063"/>
-            <a:ext cx="2738997" cy="1910450"/>
-          </a:xfrm>
-          <a:prstGeom prst="rect">
-            <a:avLst/>
-          </a:prstGeom>
-        </p:spPr>
-      </p:pic>
-      <p:cxnSp>
-        <p:nvCxnSpPr>
-          <p:cNvPr id="54" name="Straight Connector 53">
-            <a:extLst>
-              <a:ext uri="{FF2B5EF4-FFF2-40B4-BE49-F238E27FC236}">
-                <a16:creationId xmlns:a16="http://schemas.microsoft.com/office/drawing/2014/main" id="{BF3CF3DF-4809-5B42-9F22-981391379297}"/>
-              </a:ext>
-              <a:ext uri="{C183D7F6-B498-43B3-948B-1728B52AA6E4}">
-                <adec:decorative xmlns:adec="http://schemas.microsoft.com/office/drawing/2017/decorative" val="1"/>
-              </a:ext>
-            </a:extLst>
-          </p:cNvPr>
-          <p:cNvCxnSpPr>
-            <a:cxnSpLocks noGrp="1" noRot="1" noChangeAspect="1" noMove="1" noResize="1" noEditPoints="1" noAdjustHandles="1" noChangeArrowheads="1" noChangeShapeType="1"/>
-          </p:cNvCxnSpPr>
-          <p:nvPr>
-            <p:extLst>
-              <p:ext uri="{386F3935-93C4-4BCD-93E2-E3B085C9AB24}">
-                <p16:designElem xmlns:p16="http://schemas.microsoft.com/office/powerpoint/2015/main" val="1"/>
-              </p:ext>
-            </p:extLst>
-          </p:nvPr>
-        </p:nvCxnSpPr>
-        <p:spPr>
-          <a:xfrm>
-            <a:off x="565150" y="6087110"/>
-            <a:ext cx="7668997" cy="0"/>
-          </a:xfrm>
-          <a:prstGeom prst="line">
-            <a:avLst/>
-          </a:prstGeom>
-          <a:ln w="12700">
-            <a:solidFill>
-              <a:schemeClr val="bg1">
-                <a:lumMod val="65000"/>
-              </a:schemeClr>
-            </a:solidFill>
-          </a:ln>
-        </p:spPr>
-        <p:style>
-          <a:lnRef idx="1">
-            <a:schemeClr val="accent1"/>
-          </a:lnRef>
-          <a:fillRef idx="0">
-            <a:schemeClr val="accent1"/>
-          </a:fillRef>
-          <a:effectRef idx="0">
-            <a:schemeClr val="accent1"/>
-          </a:effectRef>
-          <a:fontRef idx="minor">
-            <a:schemeClr val="tx1"/>
-          </a:fontRef>
-        </p:style>
-      </p:cxnSp>
-      <p:pic>
-        <p:nvPicPr>
-          <p:cNvPr id="5" name="Picture 4" descr="A screen shot of a computer program&#10;&#10;Description automatically generated">
-            <a:extLst>
-              <a:ext uri="{FF2B5EF4-FFF2-40B4-BE49-F238E27FC236}">
-                <a16:creationId xmlns:a16="http://schemas.microsoft.com/office/drawing/2014/main" id="{8B977A33-97CD-AF41-3EF1-DB7EE00AD5BB}"/>
-              </a:ext>
-            </a:extLst>
-          </p:cNvPr>
-          <p:cNvPicPr>
-            <a:picLocks noChangeAspect="1"/>
-          </p:cNvPicPr>
-          <p:nvPr/>
-        </p:nvPicPr>
-        <p:blipFill>
-          <a:blip r:embed="rId4"/>
-          <a:stretch>
-            <a:fillRect/>
-          </a:stretch>
-        </p:blipFill>
-        <p:spPr>
-          <a:xfrm>
-            <a:off x="9269017" y="3545072"/>
-            <a:ext cx="1801424" cy="2633472"/>
-          </a:xfrm>
-          <a:prstGeom prst="rect">
-            <a:avLst/>
-          </a:prstGeom>
-        </p:spPr>
-      </p:pic>
-    </p:spTree>
-    <p:extLst>
-      <p:ext uri="{BB962C8B-B14F-4D97-AF65-F5344CB8AC3E}">
-        <p14:creationId xmlns:p14="http://schemas.microsoft.com/office/powerpoint/2010/main" val="3731556372"/>
-      </p:ext>
-    </p:extLst>
-  </p:cSld>
-  <p:clrMapOvr>
-    <a:masterClrMapping/>
-  </p:clrMapOvr>
-</p:sld>
-</file>
-
-<file path=ppt/slides/slide2.xml><?xml version="1.0" encoding="utf-8"?>
-<p:sld xmlns:a="http://schemas.openxmlformats.org/drawingml/2006/main" xmlns:r="http://schemas.openxmlformats.org/officeDocument/2006/relationships" xmlns:p="http://schemas.openxmlformats.org/presentationml/2006/main">
-  <p:cSld>
-    <p:spTree>
-      <p:nvGrpSpPr>
-        <p:cNvPr id="1" name=""/>
-        <p:cNvGrpSpPr/>
-        <p:nvPr/>
-      </p:nvGrpSpPr>
-      <p:grpSpPr>
-        <a:xfrm>
-          <a:off x="0" y="0"/>
-          <a:ext cx="0" cy="0"/>
-          <a:chOff x="0" y="0"/>
-          <a:chExt cx="0" cy="0"/>
-        </a:xfrm>
-      </p:grpSpPr>
-      <p:sp>
-        <p:nvSpPr>
-          <p:cNvPr id="2" name="Title 1">
-            <a:extLst>
-              <a:ext uri="{FF2B5EF4-FFF2-40B4-BE49-F238E27FC236}">
-                <a16:creationId xmlns:a16="http://schemas.microsoft.com/office/drawing/2014/main" id="{88438F20-95BD-6D47-99CB-4CFB5A9FF6C3}"/>
-              </a:ext>
-            </a:extLst>
-          </p:cNvPr>
-          <p:cNvSpPr>
-            <a:spLocks noGrp="1"/>
-          </p:cNvSpPr>
-          <p:nvPr>
-            <p:ph type="title"/>
-          </p:nvPr>
-        </p:nvSpPr>
-        <p:spPr/>
-        <p:txBody>
-          <a:bodyPr/>
-          <a:lstStyle/>
-          <a:p>
-            <a:r>
-              <a:rPr lang="en-US" dirty="0"/>
-              <a:t>Team Members</a:t>
-            </a:r>
-          </a:p>
-        </p:txBody>
-      </p:sp>
-      <p:sp>
-        <p:nvSpPr>
-          <p:cNvPr id="3" name="Content Placeholder 2">
-            <a:extLst>
-              <a:ext uri="{FF2B5EF4-FFF2-40B4-BE49-F238E27FC236}">
-                <a16:creationId xmlns:a16="http://schemas.microsoft.com/office/drawing/2014/main" id="{CB9A4BF6-08F7-F9F2-C795-8A8B0DA20FE3}"/>
-              </a:ext>
-            </a:extLst>
-          </p:cNvPr>
-          <p:cNvSpPr>
-            <a:spLocks noGrp="1"/>
-          </p:cNvSpPr>
-          <p:nvPr>
-            <p:ph idx="1"/>
-          </p:nvPr>
-        </p:nvSpPr>
-        <p:spPr/>
-        <p:txBody>
-          <a:bodyPr/>
-          <a:lstStyle/>
-          <a:p>
-            <a:r>
-              <a:rPr lang="en-US" dirty="0"/>
-              <a:t>Abhishek Ramchandani</a:t>
-            </a:r>
-          </a:p>
-          <a:p>
-            <a:r>
-              <a:rPr lang="en-US" dirty="0"/>
-              <a:t>Himanshu Walia</a:t>
-            </a:r>
-          </a:p>
-          <a:p>
-            <a:r>
-              <a:rPr lang="en-US" dirty="0"/>
-              <a:t>Raksha Israni</a:t>
-            </a:r>
-          </a:p>
-          <a:p>
-            <a:r>
-              <a:rPr lang="en-US" dirty="0" err="1"/>
-              <a:t>Sunayana</a:t>
-            </a:r>
-            <a:r>
-              <a:rPr lang="en-US" dirty="0"/>
-              <a:t> Shivani</a:t>
-            </a:r>
-          </a:p>
-          <a:p>
-            <a:r>
-              <a:rPr lang="en-US" dirty="0"/>
-              <a:t>Vignesh Perumal</a:t>
-            </a:r>
-          </a:p>
-        </p:txBody>
-      </p:sp>
-    </p:spTree>
-    <p:extLst>
-      <p:ext uri="{BB962C8B-B14F-4D97-AF65-F5344CB8AC3E}">
-        <p14:creationId xmlns:p14="http://schemas.microsoft.com/office/powerpoint/2010/main" val="3593171228"/>
-      </p:ext>
-    </p:extLst>
-  </p:cSld>
-  <p:clrMapOvr>
-    <a:masterClrMapping/>
-  </p:clrMapOvr>
-</p:sld>
-</file>
-
-<file path=ppt/slides/slide3.xml><?xml version="1.0" encoding="utf-8"?>
-<p:sld xmlns:a="http://schemas.openxmlformats.org/drawingml/2006/main" xmlns:r="http://schemas.openxmlformats.org/officeDocument/2006/relationships" xmlns:p="http://schemas.openxmlformats.org/presentationml/2006/main">
-  <p:cSld>
-    <p:bg>
-      <p:bgPr>
-        <a:solidFill>
-          <a:schemeClr val="bg1"/>
-        </a:solidFill>
-        <a:effectLst/>
-      </p:bgPr>
-    </p:bg>
-    <p:spTree>
-      <p:nvGrpSpPr>
-        <p:cNvPr id="1" name=""/>
-        <p:cNvGrpSpPr/>
-        <p:nvPr/>
-      </p:nvGrpSpPr>
-      <p:grpSpPr>
-        <a:xfrm>
-          <a:off x="0" y="0"/>
-          <a:ext cx="0" cy="0"/>
-          <a:chOff x="0" y="0"/>
-          <a:chExt cx="0" cy="0"/>
-        </a:xfrm>
-      </p:grpSpPr>
-      <p:sp useBgFill="1">
-        <p:nvSpPr>
-          <p:cNvPr id="33" name="Rectangle 22">
-            <a:extLst>
-              <a:ext uri="{FF2B5EF4-FFF2-40B4-BE49-F238E27FC236}">
-                <a16:creationId xmlns:a16="http://schemas.microsoft.com/office/drawing/2014/main" id="{4EFE82FE-7465-AE46-88DF-34D347E83B84}"/>
-              </a:ext>
-              <a:ext uri="{C183D7F6-B498-43B3-948B-1728B52AA6E4}">
-                <adec:decorative xmlns:adec="http://schemas.microsoft.com/office/drawing/2017/decorative" val="1"/>
-              </a:ext>
-            </a:extLst>
-          </p:cNvPr>
-          <p:cNvSpPr>
-            <a:spLocks noGrp="1" noRot="1" noChangeAspect="1" noMove="1" noResize="1" noEditPoints="1" noAdjustHandles="1" noChangeArrowheads="1" noChangeShapeType="1" noTextEdit="1"/>
-          </p:cNvSpPr>
-          <p:nvPr>
-            <p:extLst>
-              <p:ext uri="{386F3935-93C4-4BCD-93E2-E3B085C9AB24}">
-                <p16:designElem xmlns:p16="http://schemas.microsoft.com/office/powerpoint/2015/main" val="1"/>
-              </p:ext>
-            </p:extLst>
-          </p:nvPr>
-        </p:nvSpPr>
-        <p:spPr>
-          <a:xfrm>
-            <a:off x="0" y="0"/>
-            <a:ext cx="12192000" cy="6858000"/>
-          </a:xfrm>
-          <a:prstGeom prst="rect">
-            <a:avLst/>
-          </a:prstGeom>
-          <a:ln>
-            <a:noFill/>
-          </a:ln>
-        </p:spPr>
-        <p:style>
-          <a:lnRef idx="2">
-            <a:schemeClr val="accent1">
-              <a:shade val="50000"/>
-            </a:schemeClr>
-          </a:lnRef>
-          <a:fillRef idx="1">
-            <a:schemeClr val="accent1"/>
-          </a:fillRef>
-          <a:effectRef idx="0">
-            <a:schemeClr val="accent1"/>
-          </a:effectRef>
-          <a:fontRef idx="minor">
-            <a:schemeClr val="lt1"/>
-          </a:fontRef>
-        </p:style>
-        <p:txBody>
-          <a:bodyPr rtlCol="0" anchor="ctr"/>
-          <a:lstStyle/>
-          <a:p>
-            <a:pPr algn="ctr"/>
-            <a:endParaRPr lang="en-US"/>
-          </a:p>
-        </p:txBody>
-      </p:sp>
-      <p:sp>
-        <p:nvSpPr>
-          <p:cNvPr id="2" name="Title 1">
-            <a:extLst>
-              <a:ext uri="{FF2B5EF4-FFF2-40B4-BE49-F238E27FC236}">
-                <a16:creationId xmlns:a16="http://schemas.microsoft.com/office/drawing/2014/main" id="{C95E8389-3CE3-94C8-CA64-5BC9101DAE1A}"/>
-              </a:ext>
-            </a:extLst>
-          </p:cNvPr>
-          <p:cNvSpPr>
-            <a:spLocks noGrp="1"/>
-          </p:cNvSpPr>
-          <p:nvPr>
-            <p:ph type="title"/>
-          </p:nvPr>
-        </p:nvSpPr>
-        <p:spPr>
-          <a:xfrm>
-            <a:off x="565150" y="770890"/>
-            <a:ext cx="6400999" cy="1268984"/>
-          </a:xfrm>
-        </p:spPr>
-        <p:txBody>
-          <a:bodyPr>
-            <a:normAutofit/>
-          </a:bodyPr>
-          <a:lstStyle/>
-          <a:p>
-            <a:r>
-              <a:rPr lang="en-US" sz="3700"/>
-              <a:t>Let’s go through the features in the application</a:t>
-            </a:r>
-          </a:p>
-        </p:txBody>
-      </p:sp>
-      <p:sp>
-        <p:nvSpPr>
-          <p:cNvPr id="3" name="Content Placeholder 2">
-            <a:extLst>
-              <a:ext uri="{FF2B5EF4-FFF2-40B4-BE49-F238E27FC236}">
-                <a16:creationId xmlns:a16="http://schemas.microsoft.com/office/drawing/2014/main" id="{9D051EC4-97E9-A826-6156-E0FEBDF30EC1}"/>
-              </a:ext>
-            </a:extLst>
-          </p:cNvPr>
-          <p:cNvSpPr>
-            <a:spLocks noGrp="1"/>
-          </p:cNvSpPr>
-          <p:nvPr>
-            <p:ph idx="1"/>
-          </p:nvPr>
-        </p:nvSpPr>
-        <p:spPr>
-          <a:xfrm>
-            <a:off x="565150" y="2160016"/>
-            <a:ext cx="6400999" cy="3601212"/>
-          </a:xfrm>
-        </p:spPr>
-        <p:txBody>
-          <a:bodyPr>
-            <a:normAutofit/>
-          </a:bodyPr>
-          <a:lstStyle/>
-          <a:p>
-            <a:pPr marL="0" indent="0">
-              <a:buNone/>
-            </a:pPr>
-            <a:r>
-              <a:rPr lang="en-US" dirty="0"/>
-              <a:t>The applications comes with 4 major features </a:t>
-            </a:r>
-          </a:p>
-          <a:p>
-            <a:pPr marL="0" indent="0">
-              <a:buNone/>
-            </a:pPr>
-            <a:r>
-              <a:rPr lang="en-US" dirty="0"/>
-              <a:t>	1. Exercises tutorial 	</a:t>
-            </a:r>
-          </a:p>
-          <a:p>
-            <a:pPr marL="0" indent="0">
-              <a:buNone/>
-            </a:pPr>
-            <a:r>
-              <a:rPr lang="en-US" dirty="0"/>
-              <a:t>	2. Meal and workout plan generator</a:t>
-            </a:r>
-          </a:p>
-          <a:p>
-            <a:pPr marL="0" indent="0">
-              <a:buNone/>
-            </a:pPr>
-            <a:r>
-              <a:rPr lang="en-US" dirty="0"/>
-              <a:t>	3. Progress Record Feature</a:t>
-            </a:r>
-          </a:p>
-          <a:p>
-            <a:pPr marL="0" indent="0">
-              <a:buNone/>
-            </a:pPr>
-            <a:r>
-              <a:rPr lang="en-US" dirty="0"/>
-              <a:t>	4. Progress Tracker</a:t>
-            </a:r>
-          </a:p>
-          <a:p>
-            <a:pPr marL="0" indent="0">
-              <a:buNone/>
-            </a:pPr>
-            <a:endParaRPr lang="en-US" dirty="0"/>
-          </a:p>
-        </p:txBody>
-      </p:sp>
-      <p:grpSp>
-        <p:nvGrpSpPr>
-          <p:cNvPr id="34" name="Group 24">
-            <a:extLst>
-              <a:ext uri="{FF2B5EF4-FFF2-40B4-BE49-F238E27FC236}">
-                <a16:creationId xmlns:a16="http://schemas.microsoft.com/office/drawing/2014/main" id="{1B5E71B3-7269-894E-A00B-31D341365FC9}"/>
-              </a:ext>
-              <a:ext uri="{C183D7F6-B498-43B3-948B-1728B52AA6E4}">
-                <adec:decorative xmlns:adec="http://schemas.microsoft.com/office/drawing/2017/decorative" val="1"/>
-              </a:ext>
-            </a:extLst>
-          </p:cNvPr>
-          <p:cNvGrpSpPr>
-            <a:grpSpLocks noGrp="1" noUngrp="1" noRot="1" noChangeAspect="1" noMove="1" noResize="1"/>
-          </p:cNvGrpSpPr>
-          <p:nvPr>
-            <p:extLst>
-              <p:ext uri="{386F3935-93C4-4BCD-93E2-E3B085C9AB24}">
-                <p16:designElem xmlns:p16="http://schemas.microsoft.com/office/powerpoint/2015/main" val="1"/>
-              </p:ext>
-            </p:extLst>
-          </p:nvPr>
-        </p:nvGrpSpPr>
-        <p:grpSpPr>
-          <a:xfrm>
-            <a:off x="10290315" y="0"/>
-            <a:ext cx="1901686" cy="4677439"/>
-            <a:chOff x="10290315" y="0"/>
-            <a:chExt cx="1901686" cy="4677439"/>
-          </a:xfrm>
-        </p:grpSpPr>
-        <p:sp>
-          <p:nvSpPr>
-            <p:cNvPr id="35" name="Freeform 85">
-              <a:extLst>
-                <a:ext uri="{FF2B5EF4-FFF2-40B4-BE49-F238E27FC236}">
-                  <a16:creationId xmlns:a16="http://schemas.microsoft.com/office/drawing/2014/main" id="{FFFA3A20-1539-CC4A-9BE1-7415FE5A98C6}"/>
-                </a:ext>
-                <a:ext uri="{C183D7F6-B498-43B3-948B-1728B52AA6E4}">
-                  <adec:decorative xmlns:adec="http://schemas.microsoft.com/office/drawing/2017/decorative" val="1"/>
-                </a:ext>
-              </a:extLst>
-            </p:cNvPr>
-            <p:cNvSpPr/>
-            <p:nvPr>
-              <p:extLst>
-                <p:ext uri="{386F3935-93C4-4BCD-93E2-E3B085C9AB24}">
-                  <p16:designElem xmlns:p16="http://schemas.microsoft.com/office/powerpoint/2015/main" val="1"/>
-                </p:ext>
-              </p:extLst>
-            </p:nvPr>
-          </p:nvSpPr>
-          <p:spPr>
-            <a:xfrm>
-              <a:off x="10290315" y="0"/>
-              <a:ext cx="1130724" cy="565573"/>
-            </a:xfrm>
-            <a:custGeom>
-              <a:avLst/>
-              <a:gdLst>
-                <a:gd name="connsiteX0" fmla="*/ 21 w 1130724"/>
-                <a:gd name="connsiteY0" fmla="*/ 0 h 565573"/>
-                <a:gd name="connsiteX1" fmla="*/ 1130703 w 1130724"/>
-                <a:gd name="connsiteY1" fmla="*/ 0 h 565573"/>
-                <a:gd name="connsiteX2" fmla="*/ 1130724 w 1130724"/>
-                <a:gd name="connsiteY2" fmla="*/ 211 h 565573"/>
-                <a:gd name="connsiteX3" fmla="*/ 565362 w 1130724"/>
-                <a:gd name="connsiteY3" fmla="*/ 565573 h 565573"/>
-                <a:gd name="connsiteX4" fmla="*/ 0 w 1130724"/>
-                <a:gd name="connsiteY4" fmla="*/ 211 h 565573"/>
-              </a:gdLst>
-              <a:ahLst/>
-              <a:cxnLst>
-                <a:cxn ang="0">
-                  <a:pos x="connsiteX0" y="connsiteY0"/>
-                </a:cxn>
-                <a:cxn ang="0">
-                  <a:pos x="connsiteX1" y="connsiteY1"/>
-                </a:cxn>
-                <a:cxn ang="0">
-                  <a:pos x="connsiteX2" y="connsiteY2"/>
-                </a:cxn>
-                <a:cxn ang="0">
-                  <a:pos x="connsiteX3" y="connsiteY3"/>
-                </a:cxn>
-                <a:cxn ang="0">
-                  <a:pos x="connsiteX4" y="connsiteY4"/>
-                </a:cxn>
-              </a:cxnLst>
-              <a:rect l="l" t="t" r="r" b="b"/>
-              <a:pathLst>
-                <a:path w="1130724" h="565573">
-                  <a:moveTo>
-                    <a:pt x="21" y="0"/>
-                  </a:moveTo>
-                  <a:lnTo>
-                    <a:pt x="1130703" y="0"/>
-                  </a:lnTo>
-                  <a:lnTo>
-                    <a:pt x="1130724" y="211"/>
-                  </a:lnTo>
-                  <a:cubicBezTo>
-                    <a:pt x="1130724" y="312452"/>
-                    <a:pt x="877603" y="565573"/>
-                    <a:pt x="565362" y="565573"/>
-                  </a:cubicBezTo>
-                  <a:cubicBezTo>
-                    <a:pt x="253121" y="565573"/>
-                    <a:pt x="0" y="312452"/>
-                    <a:pt x="0" y="211"/>
-                  </a:cubicBezTo>
-                  <a:close/>
-                </a:path>
-              </a:pathLst>
-            </a:custGeom>
-            <a:solidFill>
-              <a:schemeClr val="bg2"/>
-            </a:solidFill>
-            <a:ln>
-              <a:noFill/>
-            </a:ln>
-          </p:spPr>
-          <p:style>
-            <a:lnRef idx="2">
-              <a:schemeClr val="accent1">
-                <a:shade val="50000"/>
-              </a:schemeClr>
-            </a:lnRef>
-            <a:fillRef idx="1">
-              <a:schemeClr val="accent1"/>
-            </a:fillRef>
-            <a:effectRef idx="0">
-              <a:schemeClr val="accent1"/>
-            </a:effectRef>
-            <a:fontRef idx="minor">
-              <a:schemeClr val="lt1"/>
-            </a:fontRef>
-          </p:style>
-          <p:txBody>
-            <a:bodyPr wrap="square" rtlCol="0" anchor="ctr">
-              <a:noAutofit/>
-            </a:bodyPr>
-            <a:lstStyle/>
-            <a:p>
-              <a:pPr algn="ctr"/>
-              <a:endParaRPr lang="en-US"/>
-            </a:p>
-          </p:txBody>
-        </p:sp>
-        <p:sp>
-          <p:nvSpPr>
-            <p:cNvPr id="36" name="Freeform 87">
-              <a:extLst>
-                <a:ext uri="{FF2B5EF4-FFF2-40B4-BE49-F238E27FC236}">
-                  <a16:creationId xmlns:a16="http://schemas.microsoft.com/office/drawing/2014/main" id="{44EBCCFB-8EAB-2442-8E02-293F08D50B5C}"/>
-                </a:ext>
-                <a:ext uri="{C183D7F6-B498-43B3-948B-1728B52AA6E4}">
-                  <adec:decorative xmlns:adec="http://schemas.microsoft.com/office/drawing/2017/decorative" val="1"/>
-                </a:ext>
-              </a:extLst>
-            </p:cNvPr>
-            <p:cNvSpPr/>
-            <p:nvPr>
-              <p:extLst>
-                <p:ext uri="{386F3935-93C4-4BCD-93E2-E3B085C9AB24}">
-                  <p16:designElem xmlns:p16="http://schemas.microsoft.com/office/powerpoint/2015/main" val="1"/>
-                </p:ext>
-              </p:extLst>
-            </p:nvPr>
-          </p:nvSpPr>
-          <p:spPr>
-            <a:xfrm>
-              <a:off x="11653180" y="3552066"/>
-              <a:ext cx="538821" cy="1125373"/>
-            </a:xfrm>
-            <a:custGeom>
-              <a:avLst/>
-              <a:gdLst>
-                <a:gd name="connsiteX0" fmla="*/ 538821 w 538821"/>
-                <a:gd name="connsiteY0" fmla="*/ 0 h 1125373"/>
-                <a:gd name="connsiteX1" fmla="*/ 538821 w 538821"/>
-                <a:gd name="connsiteY1" fmla="*/ 1125373 h 1125373"/>
-                <a:gd name="connsiteX2" fmla="*/ 451422 w 538821"/>
-                <a:gd name="connsiteY2" fmla="*/ 1116562 h 1125373"/>
-                <a:gd name="connsiteX3" fmla="*/ 0 w 538821"/>
-                <a:gd name="connsiteY3" fmla="*/ 562686 h 1125373"/>
-                <a:gd name="connsiteX4" fmla="*/ 451422 w 538821"/>
-                <a:gd name="connsiteY4" fmla="*/ 8810 h 1125373"/>
-              </a:gdLst>
-              <a:ahLst/>
-              <a:cxnLst>
-                <a:cxn ang="0">
-                  <a:pos x="connsiteX0" y="connsiteY0"/>
-                </a:cxn>
-                <a:cxn ang="0">
-                  <a:pos x="connsiteX1" y="connsiteY1"/>
-                </a:cxn>
-                <a:cxn ang="0">
-                  <a:pos x="connsiteX2" y="connsiteY2"/>
-                </a:cxn>
-                <a:cxn ang="0">
-                  <a:pos x="connsiteX3" y="connsiteY3"/>
-                </a:cxn>
-                <a:cxn ang="0">
-                  <a:pos x="connsiteX4" y="connsiteY4"/>
-                </a:cxn>
-              </a:cxnLst>
-              <a:rect l="l" t="t" r="r" b="b"/>
-              <a:pathLst>
-                <a:path w="538821" h="1125373">
-                  <a:moveTo>
-                    <a:pt x="538821" y="0"/>
-                  </a:moveTo>
-                  <a:lnTo>
-                    <a:pt x="538821" y="1125373"/>
-                  </a:lnTo>
-                  <a:lnTo>
-                    <a:pt x="451422" y="1116562"/>
-                  </a:lnTo>
-                  <a:cubicBezTo>
-                    <a:pt x="193796" y="1063844"/>
-                    <a:pt x="0" y="835897"/>
-                    <a:pt x="0" y="562686"/>
-                  </a:cubicBezTo>
-                  <a:cubicBezTo>
-                    <a:pt x="0" y="289475"/>
-                    <a:pt x="193796" y="61528"/>
-                    <a:pt x="451422" y="8810"/>
-                  </a:cubicBezTo>
-                  <a:close/>
-                </a:path>
-              </a:pathLst>
-            </a:custGeom>
-            <a:solidFill>
-              <a:schemeClr val="bg2"/>
-            </a:solidFill>
-            <a:ln>
-              <a:noFill/>
-            </a:ln>
-          </p:spPr>
-          <p:style>
-            <a:lnRef idx="2">
-              <a:schemeClr val="accent1">
-                <a:shade val="50000"/>
-              </a:schemeClr>
-            </a:lnRef>
-            <a:fillRef idx="1">
-              <a:schemeClr val="accent1"/>
-            </a:fillRef>
-            <a:effectRef idx="0">
-              <a:schemeClr val="accent1"/>
-            </a:effectRef>
-            <a:fontRef idx="minor">
-              <a:schemeClr val="lt1"/>
-            </a:fontRef>
-          </p:style>
-          <p:txBody>
-            <a:bodyPr wrap="square" rtlCol="0" anchor="ctr">
-              <a:noAutofit/>
-            </a:bodyPr>
-            <a:lstStyle/>
-            <a:p>
-              <a:pPr algn="ctr"/>
-              <a:endParaRPr lang="en-US"/>
-            </a:p>
-          </p:txBody>
-        </p:sp>
-        <p:sp>
-          <p:nvSpPr>
-            <p:cNvPr id="37" name="Freeform 89">
-              <a:extLst>
-                <a:ext uri="{FF2B5EF4-FFF2-40B4-BE49-F238E27FC236}">
-                  <a16:creationId xmlns:a16="http://schemas.microsoft.com/office/drawing/2014/main" id="{AFD14830-CC36-D64E-8173-3980425632A8}"/>
-                </a:ext>
-                <a:ext uri="{C183D7F6-B498-43B3-948B-1728B52AA6E4}">
-                  <adec:decorative xmlns:adec="http://schemas.microsoft.com/office/drawing/2017/decorative" val="1"/>
-                </a:ext>
-              </a:extLst>
-            </p:cNvPr>
-            <p:cNvSpPr/>
-            <p:nvPr>
-              <p:extLst>
-                <p:ext uri="{386F3935-93C4-4BCD-93E2-E3B085C9AB24}">
-                  <p16:designElem xmlns:p16="http://schemas.microsoft.com/office/powerpoint/2015/main" val="1"/>
-                </p:ext>
-              </p:extLst>
-            </p:nvPr>
-          </p:nvSpPr>
-          <p:spPr>
-            <a:xfrm>
-              <a:off x="11653180" y="809039"/>
-              <a:ext cx="538821" cy="1125373"/>
-            </a:xfrm>
-            <a:custGeom>
-              <a:avLst/>
-              <a:gdLst>
-                <a:gd name="connsiteX0" fmla="*/ 538821 w 538821"/>
-                <a:gd name="connsiteY0" fmla="*/ 0 h 1125373"/>
-                <a:gd name="connsiteX1" fmla="*/ 538821 w 538821"/>
-                <a:gd name="connsiteY1" fmla="*/ 1125373 h 1125373"/>
-                <a:gd name="connsiteX2" fmla="*/ 451422 w 538821"/>
-                <a:gd name="connsiteY2" fmla="*/ 1116562 h 1125373"/>
-                <a:gd name="connsiteX3" fmla="*/ 0 w 538821"/>
-                <a:gd name="connsiteY3" fmla="*/ 562686 h 1125373"/>
-                <a:gd name="connsiteX4" fmla="*/ 451422 w 538821"/>
-                <a:gd name="connsiteY4" fmla="*/ 8810 h 1125373"/>
-              </a:gdLst>
-              <a:ahLst/>
-              <a:cxnLst>
-                <a:cxn ang="0">
-                  <a:pos x="connsiteX0" y="connsiteY0"/>
-                </a:cxn>
-                <a:cxn ang="0">
-                  <a:pos x="connsiteX1" y="connsiteY1"/>
-                </a:cxn>
-                <a:cxn ang="0">
-                  <a:pos x="connsiteX2" y="connsiteY2"/>
-                </a:cxn>
-                <a:cxn ang="0">
-                  <a:pos x="connsiteX3" y="connsiteY3"/>
-                </a:cxn>
-                <a:cxn ang="0">
-                  <a:pos x="connsiteX4" y="connsiteY4"/>
-                </a:cxn>
-              </a:cxnLst>
-              <a:rect l="l" t="t" r="r" b="b"/>
-              <a:pathLst>
-                <a:path w="538821" h="1125373">
-                  <a:moveTo>
-                    <a:pt x="538821" y="0"/>
-                  </a:moveTo>
-                  <a:lnTo>
-                    <a:pt x="538821" y="1125373"/>
-                  </a:lnTo>
-                  <a:lnTo>
-                    <a:pt x="451422" y="1116562"/>
-                  </a:lnTo>
-                  <a:cubicBezTo>
-                    <a:pt x="193796" y="1063844"/>
-                    <a:pt x="0" y="835897"/>
-                    <a:pt x="0" y="562686"/>
-                  </a:cubicBezTo>
-                  <a:cubicBezTo>
-                    <a:pt x="0" y="289475"/>
-                    <a:pt x="193796" y="61528"/>
-                    <a:pt x="451422" y="8810"/>
-                  </a:cubicBezTo>
-                  <a:close/>
-                </a:path>
-              </a:pathLst>
-            </a:custGeom>
-            <a:solidFill>
-              <a:schemeClr val="accent1"/>
-            </a:solidFill>
-            <a:ln>
-              <a:noFill/>
-            </a:ln>
-          </p:spPr>
-          <p:style>
-            <a:lnRef idx="2">
-              <a:schemeClr val="accent1">
-                <a:shade val="50000"/>
-              </a:schemeClr>
-            </a:lnRef>
-            <a:fillRef idx="1">
-              <a:schemeClr val="accent1"/>
-            </a:fillRef>
-            <a:effectRef idx="0">
-              <a:schemeClr val="accent1"/>
-            </a:effectRef>
-            <a:fontRef idx="minor">
-              <a:schemeClr val="lt1"/>
-            </a:fontRef>
-          </p:style>
-          <p:txBody>
-            <a:bodyPr wrap="square" rtlCol="0" anchor="ctr">
-              <a:noAutofit/>
-            </a:bodyPr>
-            <a:lstStyle/>
-            <a:p>
-              <a:pPr algn="ctr"/>
-              <a:endParaRPr lang="en-US"/>
-            </a:p>
-          </p:txBody>
-        </p:sp>
-        <p:sp>
-          <p:nvSpPr>
-            <p:cNvPr id="38" name="Freeform 97">
-              <a:extLst>
-                <a:ext uri="{FF2B5EF4-FFF2-40B4-BE49-F238E27FC236}">
-                  <a16:creationId xmlns:a16="http://schemas.microsoft.com/office/drawing/2014/main" id="{FAA40AB8-EB6E-A44D-B3CA-7D25B64F5A4D}"/>
-                </a:ext>
-                <a:ext uri="{C183D7F6-B498-43B3-948B-1728B52AA6E4}">
-                  <adec:decorative xmlns:adec="http://schemas.microsoft.com/office/drawing/2017/decorative" val="1"/>
-                </a:ext>
-              </a:extLst>
-            </p:cNvPr>
-            <p:cNvSpPr/>
-            <p:nvPr>
-              <p:extLst>
-                <p:ext uri="{386F3935-93C4-4BCD-93E2-E3B085C9AB24}">
-                  <p16:designElem xmlns:p16="http://schemas.microsoft.com/office/powerpoint/2015/main" val="1"/>
-                </p:ext>
-              </p:extLst>
-            </p:nvPr>
-          </p:nvSpPr>
-          <p:spPr>
-            <a:xfrm>
-              <a:off x="11653180" y="0"/>
-              <a:ext cx="538821" cy="562898"/>
-            </a:xfrm>
-            <a:custGeom>
-              <a:avLst/>
-              <a:gdLst>
-                <a:gd name="connsiteX0" fmla="*/ 21 w 538821"/>
-                <a:gd name="connsiteY0" fmla="*/ 0 h 562898"/>
-                <a:gd name="connsiteX1" fmla="*/ 538821 w 538821"/>
-                <a:gd name="connsiteY1" fmla="*/ 0 h 562898"/>
-                <a:gd name="connsiteX2" fmla="*/ 538821 w 538821"/>
-                <a:gd name="connsiteY2" fmla="*/ 562898 h 562898"/>
-                <a:gd name="connsiteX3" fmla="*/ 451422 w 538821"/>
-                <a:gd name="connsiteY3" fmla="*/ 554087 h 562898"/>
-                <a:gd name="connsiteX4" fmla="*/ 0 w 538821"/>
-                <a:gd name="connsiteY4" fmla="*/ 211 h 562898"/>
-              </a:gdLst>
-              <a:ahLst/>
-              <a:cxnLst>
-                <a:cxn ang="0">
-                  <a:pos x="connsiteX0" y="connsiteY0"/>
-                </a:cxn>
-                <a:cxn ang="0">
-                  <a:pos x="connsiteX1" y="connsiteY1"/>
-                </a:cxn>
-                <a:cxn ang="0">
-                  <a:pos x="connsiteX2" y="connsiteY2"/>
-                </a:cxn>
-                <a:cxn ang="0">
-                  <a:pos x="connsiteX3" y="connsiteY3"/>
-                </a:cxn>
-                <a:cxn ang="0">
-                  <a:pos x="connsiteX4" y="connsiteY4"/>
-                </a:cxn>
-              </a:cxnLst>
-              <a:rect l="l" t="t" r="r" b="b"/>
-              <a:pathLst>
-                <a:path w="538821" h="562898">
-                  <a:moveTo>
-                    <a:pt x="21" y="0"/>
-                  </a:moveTo>
-                  <a:lnTo>
-                    <a:pt x="538821" y="0"/>
-                  </a:lnTo>
-                  <a:lnTo>
-                    <a:pt x="538821" y="562898"/>
-                  </a:lnTo>
-                  <a:lnTo>
-                    <a:pt x="451422" y="554087"/>
-                  </a:lnTo>
-                  <a:cubicBezTo>
-                    <a:pt x="193796" y="501369"/>
-                    <a:pt x="0" y="273422"/>
-                    <a:pt x="0" y="211"/>
-                  </a:cubicBezTo>
-                  <a:close/>
-                </a:path>
-              </a:pathLst>
-            </a:custGeom>
-            <a:solidFill>
-              <a:schemeClr val="bg2"/>
-            </a:solidFill>
-            <a:ln>
-              <a:noFill/>
-            </a:ln>
-          </p:spPr>
-          <p:style>
-            <a:lnRef idx="2">
-              <a:schemeClr val="accent1">
-                <a:shade val="50000"/>
-              </a:schemeClr>
-            </a:lnRef>
-            <a:fillRef idx="1">
-              <a:schemeClr val="accent1"/>
-            </a:fillRef>
-            <a:effectRef idx="0">
-              <a:schemeClr val="accent1"/>
-            </a:effectRef>
-            <a:fontRef idx="minor">
-              <a:schemeClr val="lt1"/>
-            </a:fontRef>
-          </p:style>
-          <p:txBody>
-            <a:bodyPr wrap="square" rtlCol="0" anchor="ctr">
-              <a:noAutofit/>
-            </a:bodyPr>
-            <a:lstStyle/>
-            <a:p>
-              <a:pPr algn="ctr"/>
-              <a:endParaRPr lang="en-US"/>
-            </a:p>
-          </p:txBody>
-        </p:sp>
-      </p:grpSp>
-      <p:cxnSp>
-        <p:nvCxnSpPr>
-          <p:cNvPr id="39" name="Straight Connector 30">
-            <a:extLst>
-              <a:ext uri="{FF2B5EF4-FFF2-40B4-BE49-F238E27FC236}">
-                <a16:creationId xmlns:a16="http://schemas.microsoft.com/office/drawing/2014/main" id="{EEA70831-9A8D-3B4D-8EA5-EE32F93E94E9}"/>
-              </a:ext>
-              <a:ext uri="{C183D7F6-B498-43B3-948B-1728B52AA6E4}">
-                <adec:decorative xmlns:adec="http://schemas.microsoft.com/office/drawing/2017/decorative" val="1"/>
-              </a:ext>
-            </a:extLst>
-          </p:cNvPr>
-          <p:cNvCxnSpPr>
-            <a:cxnSpLocks noGrp="1" noRot="1" noChangeAspect="1" noMove="1" noResize="1" noEditPoints="1" noAdjustHandles="1" noChangeArrowheads="1" noChangeShapeType="1"/>
-          </p:cNvCxnSpPr>
-          <p:nvPr>
-            <p:extLst>
-              <p:ext uri="{386F3935-93C4-4BCD-93E2-E3B085C9AB24}">
-                <p16:designElem xmlns:p16="http://schemas.microsoft.com/office/powerpoint/2015/main" val="1"/>
-              </p:ext>
-            </p:extLst>
-          </p:nvPr>
-        </p:nvCxnSpPr>
-        <p:spPr>
-          <a:xfrm>
-            <a:off x="565150" y="6087110"/>
-            <a:ext cx="6404372" cy="0"/>
-          </a:xfrm>
-          <a:prstGeom prst="line">
-            <a:avLst/>
-          </a:prstGeom>
-          <a:ln w="12700">
-            <a:solidFill>
-              <a:schemeClr val="bg1">
-                <a:lumMod val="65000"/>
-              </a:schemeClr>
-            </a:solidFill>
-          </a:ln>
-        </p:spPr>
-        <p:style>
-          <a:lnRef idx="1">
-            <a:schemeClr val="accent1"/>
-          </a:lnRef>
-          <a:fillRef idx="0">
-            <a:schemeClr val="accent1"/>
-          </a:fillRef>
-          <a:effectRef idx="0">
-            <a:schemeClr val="accent1"/>
-          </a:effectRef>
-          <a:fontRef idx="minor">
-            <a:schemeClr val="tx1"/>
-          </a:fontRef>
-        </p:style>
-      </p:cxnSp>
-      <p:pic>
-        <p:nvPicPr>
-          <p:cNvPr id="7" name="Graphic 6" descr="Dumbbell">
-            <a:extLst>
-              <a:ext uri="{FF2B5EF4-FFF2-40B4-BE49-F238E27FC236}">
-                <a16:creationId xmlns:a16="http://schemas.microsoft.com/office/drawing/2014/main" id="{121673DC-EDFE-0158-5230-A036E3324309}"/>
-              </a:ext>
-            </a:extLst>
-          </p:cNvPr>
-          <p:cNvPicPr>
-            <a:picLocks noChangeAspect="1"/>
-          </p:cNvPicPr>
-          <p:nvPr/>
-        </p:nvPicPr>
-        <p:blipFill>
-          <a:blip r:embed="rId2">
-            <a:extLst>
-              <a:ext uri="{28A0092B-C50C-407E-A947-70E740481C1C}">
-                <a14:useLocalDpi xmlns:a14="http://schemas.microsoft.com/office/drawing/2010/main" val="0"/>
-              </a:ext>
-              <a:ext uri="{96DAC541-7B7A-43D3-8B79-37D633B846F1}">
-                <asvg:svgBlip xmlns:asvg="http://schemas.microsoft.com/office/drawing/2016/SVG/main" r:embed="rId3"/>
-              </a:ext>
-            </a:extLst>
-          </a:blip>
-          <a:stretch>
-            <a:fillRect/>
-          </a:stretch>
-        </p:blipFill>
-        <p:spPr>
-          <a:xfrm>
-            <a:off x="7534656" y="1423446"/>
-            <a:ext cx="4002456" cy="4002456"/>
-          </a:xfrm>
-          <a:prstGeom prst="rect">
-            <a:avLst/>
-          </a:prstGeom>
-        </p:spPr>
-      </p:pic>
-    </p:spTree>
-    <p:extLst>
-      <p:ext uri="{BB962C8B-B14F-4D97-AF65-F5344CB8AC3E}">
-        <p14:creationId xmlns:p14="http://schemas.microsoft.com/office/powerpoint/2010/main" val="3689134368"/>
-      </p:ext>
-    </p:extLst>
-  </p:cSld>
-  <p:clrMapOvr>
-    <a:masterClrMapping/>
-  </p:clrMapOvr>
-</p:sld>
-</file>
-
-<file path=ppt/slides/slide4.xml><?xml version="1.0" encoding="utf-8"?>
-<p:sld xmlns:a="http://schemas.openxmlformats.org/drawingml/2006/main" xmlns:r="http://schemas.openxmlformats.org/officeDocument/2006/relationships" xmlns:p="http://schemas.openxmlformats.org/presentationml/2006/main">
-  <p:cSld>
-    <p:bg>
-      <p:bgPr>
-        <a:solidFill>
-          <a:schemeClr val="bg1"/>
-        </a:solidFill>
-        <a:effectLst/>
-      </p:bgPr>
-    </p:bg>
-    <p:spTree>
-      <p:nvGrpSpPr>
-        <p:cNvPr id="1" name=""/>
-        <p:cNvGrpSpPr/>
-        <p:nvPr/>
-      </p:nvGrpSpPr>
-      <p:grpSpPr>
-        <a:xfrm>
-          <a:off x="0" y="0"/>
-          <a:ext cx="0" cy="0"/>
-          <a:chOff x="0" y="0"/>
-          <a:chExt cx="0" cy="0"/>
-        </a:xfrm>
-      </p:grpSpPr>
-      <p:sp useBgFill="1">
-        <p:nvSpPr>
-          <p:cNvPr id="44" name="Rectangle 43">
-            <a:extLst>
-              <a:ext uri="{FF2B5EF4-FFF2-40B4-BE49-F238E27FC236}">
-                <a16:creationId xmlns:a16="http://schemas.microsoft.com/office/drawing/2014/main" id="{4EFE82FE-7465-AE46-88DF-34D347E83B84}"/>
-              </a:ext>
-              <a:ext uri="{C183D7F6-B498-43B3-948B-1728B52AA6E4}">
-                <adec:decorative xmlns:adec="http://schemas.microsoft.com/office/drawing/2017/decorative" val="1"/>
-              </a:ext>
-            </a:extLst>
-          </p:cNvPr>
-          <p:cNvSpPr>
-            <a:spLocks noGrp="1" noRot="1" noChangeAspect="1" noMove="1" noResize="1" noEditPoints="1" noAdjustHandles="1" noChangeArrowheads="1" noChangeShapeType="1" noTextEdit="1"/>
-          </p:cNvSpPr>
-          <p:nvPr>
-            <p:extLst>
-              <p:ext uri="{386F3935-93C4-4BCD-93E2-E3B085C9AB24}">
-                <p16:designElem xmlns:p16="http://schemas.microsoft.com/office/powerpoint/2015/main" val="1"/>
-              </p:ext>
-            </p:extLst>
-          </p:nvPr>
-        </p:nvSpPr>
-        <p:spPr>
-          <a:xfrm>
-            <a:off x="0" y="0"/>
-            <a:ext cx="12192000" cy="6858000"/>
-          </a:xfrm>
-          <a:prstGeom prst="rect">
-            <a:avLst/>
-          </a:prstGeom>
-          <a:ln>
-            <a:noFill/>
-          </a:ln>
-        </p:spPr>
-        <p:style>
-          <a:lnRef idx="2">
-            <a:schemeClr val="accent1">
-              <a:shade val="50000"/>
-            </a:schemeClr>
-          </a:lnRef>
-          <a:fillRef idx="1">
-            <a:schemeClr val="accent1"/>
-          </a:fillRef>
-          <a:effectRef idx="0">
-            <a:schemeClr val="accent1"/>
-          </a:effectRef>
-          <a:fontRef idx="minor">
-            <a:schemeClr val="lt1"/>
-          </a:fontRef>
-        </p:style>
-        <p:txBody>
-          <a:bodyPr rtlCol="0" anchor="ctr"/>
-          <a:lstStyle/>
-          <a:p>
-            <a:pPr algn="ctr"/>
-            <a:endParaRPr lang="en-US"/>
-          </a:p>
-        </p:txBody>
-      </p:sp>
-      <p:sp>
-        <p:nvSpPr>
-          <p:cNvPr id="2" name="Title 1">
-            <a:extLst>
-              <a:ext uri="{FF2B5EF4-FFF2-40B4-BE49-F238E27FC236}">
-                <a16:creationId xmlns:a16="http://schemas.microsoft.com/office/drawing/2014/main" id="{1F8E7D4C-DBC7-9FC5-DA8D-3C603F596FD6}"/>
-              </a:ext>
-            </a:extLst>
-          </p:cNvPr>
-          <p:cNvSpPr>
-            <a:spLocks noGrp="1"/>
-          </p:cNvSpPr>
-          <p:nvPr>
-            <p:ph type="title"/>
-          </p:nvPr>
-        </p:nvSpPr>
-        <p:spPr>
-          <a:xfrm>
-            <a:off x="565151" y="770890"/>
-            <a:ext cx="4133559" cy="1268984"/>
-          </a:xfrm>
-        </p:spPr>
-        <p:txBody>
-          <a:bodyPr>
-            <a:normAutofit/>
-          </a:bodyPr>
-          <a:lstStyle/>
-          <a:p>
-            <a:pPr>
-              <a:lnSpc>
-                <a:spcPct val="90000"/>
-              </a:lnSpc>
-            </a:pPr>
-            <a:r>
-              <a:rPr lang="en-US"/>
-              <a:t>Exercises tutorial</a:t>
-            </a:r>
-          </a:p>
-        </p:txBody>
-      </p:sp>
-      <p:sp>
-        <p:nvSpPr>
-          <p:cNvPr id="3" name="Content Placeholder 2">
-            <a:extLst>
-              <a:ext uri="{FF2B5EF4-FFF2-40B4-BE49-F238E27FC236}">
-                <a16:creationId xmlns:a16="http://schemas.microsoft.com/office/drawing/2014/main" id="{8F444A80-F695-E525-8576-C7B0C872E416}"/>
-              </a:ext>
-            </a:extLst>
-          </p:cNvPr>
-          <p:cNvSpPr>
-            <a:spLocks noGrp="1"/>
-          </p:cNvSpPr>
-          <p:nvPr>
-            <p:ph idx="1"/>
-          </p:nvPr>
-        </p:nvSpPr>
-        <p:spPr>
-          <a:xfrm>
-            <a:off x="565151" y="2160016"/>
-            <a:ext cx="4133559" cy="3601212"/>
-          </a:xfrm>
-        </p:spPr>
-        <p:txBody>
-          <a:bodyPr>
-            <a:normAutofit/>
-          </a:bodyPr>
-          <a:lstStyle/>
-          <a:p>
-            <a:pPr marL="0" indent="0">
-              <a:lnSpc>
-                <a:spcPct val="90000"/>
-              </a:lnSpc>
-              <a:buNone/>
-            </a:pPr>
-            <a:r>
-              <a:rPr lang="en-US"/>
-              <a:t>This components enable user to learn basic exercises per muscle group by demonstrating the steps and posture for the exercises. It also helps user suggest you tube videos to learn more about a particular exercise</a:t>
-            </a:r>
-          </a:p>
-          <a:p>
-            <a:pPr marL="0" indent="0">
-              <a:lnSpc>
-                <a:spcPct val="90000"/>
-              </a:lnSpc>
-              <a:buNone/>
-            </a:pPr>
-            <a:r>
-              <a:rPr lang="en-US"/>
-              <a:t>	</a:t>
-            </a:r>
-          </a:p>
-        </p:txBody>
-      </p:sp>
-      <p:pic>
-        <p:nvPicPr>
-          <p:cNvPr id="5" name="Picture 4" descr="A screenshot of a body builder&#10;&#10;Description automatically generated">
-            <a:extLst>
-              <a:ext uri="{FF2B5EF4-FFF2-40B4-BE49-F238E27FC236}">
-                <a16:creationId xmlns:a16="http://schemas.microsoft.com/office/drawing/2014/main" id="{4E6E068E-3240-4A2C-95D2-B2981BF907AB}"/>
-              </a:ext>
-            </a:extLst>
-          </p:cNvPr>
-          <p:cNvPicPr>
-            <a:picLocks noChangeAspect="1"/>
-          </p:cNvPicPr>
-          <p:nvPr/>
-        </p:nvPicPr>
-        <p:blipFill>
-          <a:blip r:embed="rId2"/>
-          <a:stretch>
-            <a:fillRect/>
-          </a:stretch>
-        </p:blipFill>
-        <p:spPr>
-          <a:xfrm>
-            <a:off x="5106596" y="1825085"/>
-            <a:ext cx="6430513" cy="3199179"/>
-          </a:xfrm>
-          <a:prstGeom prst="rect">
-            <a:avLst/>
-          </a:prstGeom>
-        </p:spPr>
-      </p:pic>
-      <p:grpSp>
-        <p:nvGrpSpPr>
-          <p:cNvPr id="46" name="Group 45">
-            <a:extLst>
-              <a:ext uri="{FF2B5EF4-FFF2-40B4-BE49-F238E27FC236}">
-                <a16:creationId xmlns:a16="http://schemas.microsoft.com/office/drawing/2014/main" id="{1B5E71B3-7269-894E-A00B-31D341365FC9}"/>
-              </a:ext>
-              <a:ext uri="{C183D7F6-B498-43B3-948B-1728B52AA6E4}">
-                <adec:decorative xmlns:adec="http://schemas.microsoft.com/office/drawing/2017/decorative" val="1"/>
-              </a:ext>
-            </a:extLst>
-          </p:cNvPr>
-          <p:cNvGrpSpPr>
-            <a:grpSpLocks noGrp="1" noUngrp="1" noRot="1" noChangeAspect="1" noMove="1" noResize="1"/>
-          </p:cNvGrpSpPr>
-          <p:nvPr>
-            <p:extLst>
-              <p:ext uri="{386F3935-93C4-4BCD-93E2-E3B085C9AB24}">
-                <p16:designElem xmlns:p16="http://schemas.microsoft.com/office/powerpoint/2015/main" val="1"/>
-              </p:ext>
-            </p:extLst>
-          </p:nvPr>
-        </p:nvGrpSpPr>
-        <p:grpSpPr>
-          <a:xfrm>
-            <a:off x="10290315" y="0"/>
-            <a:ext cx="1901686" cy="4677439"/>
-            <a:chOff x="10290315" y="0"/>
-            <a:chExt cx="1901686" cy="4677439"/>
-          </a:xfrm>
-        </p:grpSpPr>
-        <p:sp>
-          <p:nvSpPr>
-            <p:cNvPr id="47" name="Freeform 85">
-              <a:extLst>
-                <a:ext uri="{FF2B5EF4-FFF2-40B4-BE49-F238E27FC236}">
-                  <a16:creationId xmlns:a16="http://schemas.microsoft.com/office/drawing/2014/main" id="{FFFA3A20-1539-CC4A-9BE1-7415FE5A98C6}"/>
-                </a:ext>
-                <a:ext uri="{C183D7F6-B498-43B3-948B-1728B52AA6E4}">
-                  <adec:decorative xmlns:adec="http://schemas.microsoft.com/office/drawing/2017/decorative" val="1"/>
-                </a:ext>
-              </a:extLst>
-            </p:cNvPr>
-            <p:cNvSpPr/>
-            <p:nvPr>
-              <p:extLst>
-                <p:ext uri="{386F3935-93C4-4BCD-93E2-E3B085C9AB24}">
-                  <p16:designElem xmlns:p16="http://schemas.microsoft.com/office/powerpoint/2015/main" val="1"/>
-                </p:ext>
-              </p:extLst>
-            </p:nvPr>
-          </p:nvSpPr>
-          <p:spPr>
-            <a:xfrm>
-              <a:off x="10290315" y="0"/>
-              <a:ext cx="1130724" cy="565573"/>
-            </a:xfrm>
-            <a:custGeom>
-              <a:avLst/>
-              <a:gdLst>
-                <a:gd name="connsiteX0" fmla="*/ 21 w 1130724"/>
-                <a:gd name="connsiteY0" fmla="*/ 0 h 565573"/>
-                <a:gd name="connsiteX1" fmla="*/ 1130703 w 1130724"/>
-                <a:gd name="connsiteY1" fmla="*/ 0 h 565573"/>
-                <a:gd name="connsiteX2" fmla="*/ 1130724 w 1130724"/>
-                <a:gd name="connsiteY2" fmla="*/ 211 h 565573"/>
-                <a:gd name="connsiteX3" fmla="*/ 565362 w 1130724"/>
-                <a:gd name="connsiteY3" fmla="*/ 565573 h 565573"/>
-                <a:gd name="connsiteX4" fmla="*/ 0 w 1130724"/>
-                <a:gd name="connsiteY4" fmla="*/ 211 h 565573"/>
-              </a:gdLst>
-              <a:ahLst/>
-              <a:cxnLst>
-                <a:cxn ang="0">
-                  <a:pos x="connsiteX0" y="connsiteY0"/>
-                </a:cxn>
-                <a:cxn ang="0">
-                  <a:pos x="connsiteX1" y="connsiteY1"/>
-                </a:cxn>
-                <a:cxn ang="0">
-                  <a:pos x="connsiteX2" y="connsiteY2"/>
-                </a:cxn>
-                <a:cxn ang="0">
-                  <a:pos x="connsiteX3" y="connsiteY3"/>
-                </a:cxn>
-                <a:cxn ang="0">
-                  <a:pos x="connsiteX4" y="connsiteY4"/>
-                </a:cxn>
-              </a:cxnLst>
-              <a:rect l="l" t="t" r="r" b="b"/>
-              <a:pathLst>
-                <a:path w="1130724" h="565573">
-                  <a:moveTo>
-                    <a:pt x="21" y="0"/>
-                  </a:moveTo>
-                  <a:lnTo>
-                    <a:pt x="1130703" y="0"/>
-                  </a:lnTo>
-                  <a:lnTo>
-                    <a:pt x="1130724" y="211"/>
-                  </a:lnTo>
-                  <a:cubicBezTo>
-                    <a:pt x="1130724" y="312452"/>
-                    <a:pt x="877603" y="565573"/>
-                    <a:pt x="565362" y="565573"/>
-                  </a:cubicBezTo>
-                  <a:cubicBezTo>
-                    <a:pt x="253121" y="565573"/>
-                    <a:pt x="0" y="312452"/>
-                    <a:pt x="0" y="211"/>
-                  </a:cubicBezTo>
-                  <a:close/>
-                </a:path>
-              </a:pathLst>
-            </a:custGeom>
-            <a:solidFill>
-              <a:schemeClr val="bg2"/>
-            </a:solidFill>
-            <a:ln>
-              <a:noFill/>
-            </a:ln>
-          </p:spPr>
-          <p:style>
-            <a:lnRef idx="2">
-              <a:schemeClr val="accent1">
-                <a:shade val="50000"/>
-              </a:schemeClr>
-            </a:lnRef>
-            <a:fillRef idx="1">
-              <a:schemeClr val="accent1"/>
-            </a:fillRef>
-            <a:effectRef idx="0">
-              <a:schemeClr val="accent1"/>
-            </a:effectRef>
-            <a:fontRef idx="minor">
-              <a:schemeClr val="lt1"/>
-            </a:fontRef>
-          </p:style>
-          <p:txBody>
-            <a:bodyPr wrap="square" rtlCol="0" anchor="ctr">
-              <a:noAutofit/>
-            </a:bodyPr>
-            <a:lstStyle/>
-            <a:p>
-              <a:pPr algn="ctr"/>
-              <a:endParaRPr lang="en-US"/>
-            </a:p>
-          </p:txBody>
-        </p:sp>
-        <p:sp>
-          <p:nvSpPr>
-            <p:cNvPr id="48" name="Freeform 87">
-              <a:extLst>
-                <a:ext uri="{FF2B5EF4-FFF2-40B4-BE49-F238E27FC236}">
-                  <a16:creationId xmlns:a16="http://schemas.microsoft.com/office/drawing/2014/main" id="{44EBCCFB-8EAB-2442-8E02-293F08D50B5C}"/>
-                </a:ext>
-                <a:ext uri="{C183D7F6-B498-43B3-948B-1728B52AA6E4}">
-                  <adec:decorative xmlns:adec="http://schemas.microsoft.com/office/drawing/2017/decorative" val="1"/>
-                </a:ext>
-              </a:extLst>
-            </p:cNvPr>
-            <p:cNvSpPr/>
-            <p:nvPr>
-              <p:extLst>
-                <p:ext uri="{386F3935-93C4-4BCD-93E2-E3B085C9AB24}">
-                  <p16:designElem xmlns:p16="http://schemas.microsoft.com/office/powerpoint/2015/main" val="1"/>
-                </p:ext>
-              </p:extLst>
-            </p:nvPr>
-          </p:nvSpPr>
-          <p:spPr>
-            <a:xfrm>
-              <a:off x="11653180" y="3552066"/>
-              <a:ext cx="538821" cy="1125373"/>
-            </a:xfrm>
-            <a:custGeom>
-              <a:avLst/>
-              <a:gdLst>
-                <a:gd name="connsiteX0" fmla="*/ 538821 w 538821"/>
-                <a:gd name="connsiteY0" fmla="*/ 0 h 1125373"/>
-                <a:gd name="connsiteX1" fmla="*/ 538821 w 538821"/>
-                <a:gd name="connsiteY1" fmla="*/ 1125373 h 1125373"/>
-                <a:gd name="connsiteX2" fmla="*/ 451422 w 538821"/>
-                <a:gd name="connsiteY2" fmla="*/ 1116562 h 1125373"/>
-                <a:gd name="connsiteX3" fmla="*/ 0 w 538821"/>
-                <a:gd name="connsiteY3" fmla="*/ 562686 h 1125373"/>
-                <a:gd name="connsiteX4" fmla="*/ 451422 w 538821"/>
-                <a:gd name="connsiteY4" fmla="*/ 8810 h 1125373"/>
-              </a:gdLst>
-              <a:ahLst/>
-              <a:cxnLst>
-                <a:cxn ang="0">
-                  <a:pos x="connsiteX0" y="connsiteY0"/>
-                </a:cxn>
-                <a:cxn ang="0">
-                  <a:pos x="connsiteX1" y="connsiteY1"/>
-                </a:cxn>
-                <a:cxn ang="0">
-                  <a:pos x="connsiteX2" y="connsiteY2"/>
-                </a:cxn>
-                <a:cxn ang="0">
-                  <a:pos x="connsiteX3" y="connsiteY3"/>
-                </a:cxn>
-                <a:cxn ang="0">
-                  <a:pos x="connsiteX4" y="connsiteY4"/>
-                </a:cxn>
-              </a:cxnLst>
-              <a:rect l="l" t="t" r="r" b="b"/>
-              <a:pathLst>
-                <a:path w="538821" h="1125373">
-                  <a:moveTo>
-                    <a:pt x="538821" y="0"/>
-                  </a:moveTo>
-                  <a:lnTo>
-                    <a:pt x="538821" y="1125373"/>
-                  </a:lnTo>
-                  <a:lnTo>
-                    <a:pt x="451422" y="1116562"/>
-                  </a:lnTo>
-                  <a:cubicBezTo>
-                    <a:pt x="193796" y="1063844"/>
-                    <a:pt x="0" y="835897"/>
-                    <a:pt x="0" y="562686"/>
-                  </a:cubicBezTo>
-                  <a:cubicBezTo>
-                    <a:pt x="0" y="289475"/>
-                    <a:pt x="193796" y="61528"/>
-                    <a:pt x="451422" y="8810"/>
-                  </a:cubicBezTo>
-                  <a:close/>
-                </a:path>
-              </a:pathLst>
-            </a:custGeom>
-            <a:solidFill>
-              <a:schemeClr val="bg2"/>
-            </a:solidFill>
-            <a:ln>
-              <a:noFill/>
-            </a:ln>
-          </p:spPr>
-          <p:style>
-            <a:lnRef idx="2">
-              <a:schemeClr val="accent1">
-                <a:shade val="50000"/>
-              </a:schemeClr>
-            </a:lnRef>
-            <a:fillRef idx="1">
-              <a:schemeClr val="accent1"/>
-            </a:fillRef>
-            <a:effectRef idx="0">
-              <a:schemeClr val="accent1"/>
-            </a:effectRef>
-            <a:fontRef idx="minor">
-              <a:schemeClr val="lt1"/>
-            </a:fontRef>
-          </p:style>
-          <p:txBody>
-            <a:bodyPr wrap="square" rtlCol="0" anchor="ctr">
-              <a:noAutofit/>
-            </a:bodyPr>
-            <a:lstStyle/>
-            <a:p>
-              <a:pPr algn="ctr"/>
-              <a:endParaRPr lang="en-US"/>
-            </a:p>
-          </p:txBody>
-        </p:sp>
-        <p:sp>
-          <p:nvSpPr>
-            <p:cNvPr id="49" name="Freeform 89">
-              <a:extLst>
-                <a:ext uri="{FF2B5EF4-FFF2-40B4-BE49-F238E27FC236}">
-                  <a16:creationId xmlns:a16="http://schemas.microsoft.com/office/drawing/2014/main" id="{AFD14830-CC36-D64E-8173-3980425632A8}"/>
-                </a:ext>
-                <a:ext uri="{C183D7F6-B498-43B3-948B-1728B52AA6E4}">
-                  <adec:decorative xmlns:adec="http://schemas.microsoft.com/office/drawing/2017/decorative" val="1"/>
-                </a:ext>
-              </a:extLst>
-            </p:cNvPr>
-            <p:cNvSpPr/>
-            <p:nvPr>
-              <p:extLst>
-                <p:ext uri="{386F3935-93C4-4BCD-93E2-E3B085C9AB24}">
-                  <p16:designElem xmlns:p16="http://schemas.microsoft.com/office/powerpoint/2015/main" val="1"/>
-                </p:ext>
-              </p:extLst>
-            </p:nvPr>
-          </p:nvSpPr>
-          <p:spPr>
-            <a:xfrm>
-              <a:off x="11653180" y="809039"/>
-              <a:ext cx="538821" cy="1125373"/>
-            </a:xfrm>
-            <a:custGeom>
-              <a:avLst/>
-              <a:gdLst>
-                <a:gd name="connsiteX0" fmla="*/ 538821 w 538821"/>
-                <a:gd name="connsiteY0" fmla="*/ 0 h 1125373"/>
-                <a:gd name="connsiteX1" fmla="*/ 538821 w 538821"/>
-                <a:gd name="connsiteY1" fmla="*/ 1125373 h 1125373"/>
-                <a:gd name="connsiteX2" fmla="*/ 451422 w 538821"/>
-                <a:gd name="connsiteY2" fmla="*/ 1116562 h 1125373"/>
-                <a:gd name="connsiteX3" fmla="*/ 0 w 538821"/>
-                <a:gd name="connsiteY3" fmla="*/ 562686 h 1125373"/>
-                <a:gd name="connsiteX4" fmla="*/ 451422 w 538821"/>
-                <a:gd name="connsiteY4" fmla="*/ 8810 h 1125373"/>
-              </a:gdLst>
-              <a:ahLst/>
-              <a:cxnLst>
-                <a:cxn ang="0">
-                  <a:pos x="connsiteX0" y="connsiteY0"/>
-                </a:cxn>
-                <a:cxn ang="0">
-                  <a:pos x="connsiteX1" y="connsiteY1"/>
-                </a:cxn>
-                <a:cxn ang="0">
-                  <a:pos x="connsiteX2" y="connsiteY2"/>
-                </a:cxn>
-                <a:cxn ang="0">
-                  <a:pos x="connsiteX3" y="connsiteY3"/>
-                </a:cxn>
-                <a:cxn ang="0">
-                  <a:pos x="connsiteX4" y="connsiteY4"/>
-                </a:cxn>
-              </a:cxnLst>
-              <a:rect l="l" t="t" r="r" b="b"/>
-              <a:pathLst>
-                <a:path w="538821" h="1125373">
-                  <a:moveTo>
-                    <a:pt x="538821" y="0"/>
-                  </a:moveTo>
-                  <a:lnTo>
-                    <a:pt x="538821" y="1125373"/>
-                  </a:lnTo>
-                  <a:lnTo>
-                    <a:pt x="451422" y="1116562"/>
-                  </a:lnTo>
-                  <a:cubicBezTo>
-                    <a:pt x="193796" y="1063844"/>
-                    <a:pt x="0" y="835897"/>
-                    <a:pt x="0" y="562686"/>
-                  </a:cubicBezTo>
-                  <a:cubicBezTo>
-                    <a:pt x="0" y="289475"/>
-                    <a:pt x="193796" y="61528"/>
-                    <a:pt x="451422" y="8810"/>
-                  </a:cubicBezTo>
-                  <a:close/>
-                </a:path>
-              </a:pathLst>
-            </a:custGeom>
-            <a:solidFill>
-              <a:schemeClr val="accent1"/>
-            </a:solidFill>
-            <a:ln>
-              <a:noFill/>
-            </a:ln>
-          </p:spPr>
-          <p:style>
-            <a:lnRef idx="2">
-              <a:schemeClr val="accent1">
-                <a:shade val="50000"/>
-              </a:schemeClr>
-            </a:lnRef>
-            <a:fillRef idx="1">
-              <a:schemeClr val="accent1"/>
-            </a:fillRef>
-            <a:effectRef idx="0">
-              <a:schemeClr val="accent1"/>
-            </a:effectRef>
-            <a:fontRef idx="minor">
-              <a:schemeClr val="lt1"/>
-            </a:fontRef>
-          </p:style>
-          <p:txBody>
-            <a:bodyPr wrap="square" rtlCol="0" anchor="ctr">
-              <a:noAutofit/>
-            </a:bodyPr>
-            <a:lstStyle/>
-            <a:p>
-              <a:pPr algn="ctr"/>
-              <a:endParaRPr lang="en-US"/>
-            </a:p>
-          </p:txBody>
-        </p:sp>
-        <p:sp>
-          <p:nvSpPr>
-            <p:cNvPr id="50" name="Freeform 97">
-              <a:extLst>
-                <a:ext uri="{FF2B5EF4-FFF2-40B4-BE49-F238E27FC236}">
-                  <a16:creationId xmlns:a16="http://schemas.microsoft.com/office/drawing/2014/main" id="{FAA40AB8-EB6E-A44D-B3CA-7D25B64F5A4D}"/>
-                </a:ext>
-                <a:ext uri="{C183D7F6-B498-43B3-948B-1728B52AA6E4}">
-                  <adec:decorative xmlns:adec="http://schemas.microsoft.com/office/drawing/2017/decorative" val="1"/>
-                </a:ext>
-              </a:extLst>
-            </p:cNvPr>
-            <p:cNvSpPr/>
-            <p:nvPr>
-              <p:extLst>
-                <p:ext uri="{386F3935-93C4-4BCD-93E2-E3B085C9AB24}">
-                  <p16:designElem xmlns:p16="http://schemas.microsoft.com/office/powerpoint/2015/main" val="1"/>
-                </p:ext>
-              </p:extLst>
-            </p:nvPr>
-          </p:nvSpPr>
-          <p:spPr>
-            <a:xfrm>
-              <a:off x="11653180" y="0"/>
-              <a:ext cx="538821" cy="562898"/>
-            </a:xfrm>
-            <a:custGeom>
-              <a:avLst/>
-              <a:gdLst>
-                <a:gd name="connsiteX0" fmla="*/ 21 w 538821"/>
-                <a:gd name="connsiteY0" fmla="*/ 0 h 562898"/>
-                <a:gd name="connsiteX1" fmla="*/ 538821 w 538821"/>
-                <a:gd name="connsiteY1" fmla="*/ 0 h 562898"/>
-                <a:gd name="connsiteX2" fmla="*/ 538821 w 538821"/>
-                <a:gd name="connsiteY2" fmla="*/ 562898 h 562898"/>
-                <a:gd name="connsiteX3" fmla="*/ 451422 w 538821"/>
-                <a:gd name="connsiteY3" fmla="*/ 554087 h 562898"/>
-                <a:gd name="connsiteX4" fmla="*/ 0 w 538821"/>
-                <a:gd name="connsiteY4" fmla="*/ 211 h 562898"/>
-              </a:gdLst>
-              <a:ahLst/>
-              <a:cxnLst>
-                <a:cxn ang="0">
-                  <a:pos x="connsiteX0" y="connsiteY0"/>
-                </a:cxn>
-                <a:cxn ang="0">
-                  <a:pos x="connsiteX1" y="connsiteY1"/>
-                </a:cxn>
-                <a:cxn ang="0">
-                  <a:pos x="connsiteX2" y="connsiteY2"/>
-                </a:cxn>
-                <a:cxn ang="0">
-                  <a:pos x="connsiteX3" y="connsiteY3"/>
-                </a:cxn>
-                <a:cxn ang="0">
-                  <a:pos x="connsiteX4" y="connsiteY4"/>
-                </a:cxn>
-              </a:cxnLst>
-              <a:rect l="l" t="t" r="r" b="b"/>
-              <a:pathLst>
-                <a:path w="538821" h="562898">
-                  <a:moveTo>
-                    <a:pt x="21" y="0"/>
-                  </a:moveTo>
-                  <a:lnTo>
-                    <a:pt x="538821" y="0"/>
-                  </a:lnTo>
-                  <a:lnTo>
-                    <a:pt x="538821" y="562898"/>
-                  </a:lnTo>
-                  <a:lnTo>
-                    <a:pt x="451422" y="554087"/>
-                  </a:lnTo>
-                  <a:cubicBezTo>
-                    <a:pt x="193796" y="501369"/>
-                    <a:pt x="0" y="273422"/>
-                    <a:pt x="0" y="211"/>
-                  </a:cubicBezTo>
-                  <a:close/>
-                </a:path>
-              </a:pathLst>
-            </a:custGeom>
-            <a:solidFill>
-              <a:schemeClr val="bg2"/>
-            </a:solidFill>
-            <a:ln>
-              <a:noFill/>
-            </a:ln>
-          </p:spPr>
-          <p:style>
-            <a:lnRef idx="2">
-              <a:schemeClr val="accent1">
-                <a:shade val="50000"/>
-              </a:schemeClr>
-            </a:lnRef>
-            <a:fillRef idx="1">
-              <a:schemeClr val="accent1"/>
-            </a:fillRef>
-            <a:effectRef idx="0">
-              <a:schemeClr val="accent1"/>
-            </a:effectRef>
-            <a:fontRef idx="minor">
-              <a:schemeClr val="lt1"/>
-            </a:fontRef>
-          </p:style>
-          <p:txBody>
-            <a:bodyPr wrap="square" rtlCol="0" anchor="ctr">
-              <a:noAutofit/>
-            </a:bodyPr>
-            <a:lstStyle/>
-            <a:p>
-              <a:pPr algn="ctr"/>
-              <a:endParaRPr lang="en-US"/>
-            </a:p>
-          </p:txBody>
-        </p:sp>
-      </p:grpSp>
-      <p:cxnSp>
-        <p:nvCxnSpPr>
-          <p:cNvPr id="52" name="Straight Connector 51">
-            <a:extLst>
-              <a:ext uri="{FF2B5EF4-FFF2-40B4-BE49-F238E27FC236}">
-                <a16:creationId xmlns:a16="http://schemas.microsoft.com/office/drawing/2014/main" id="{A0A01F17-907D-3541-BBAF-A33828880DCE}"/>
-              </a:ext>
-              <a:ext uri="{C183D7F6-B498-43B3-948B-1728B52AA6E4}">
-                <adec:decorative xmlns:adec="http://schemas.microsoft.com/office/drawing/2017/decorative" val="1"/>
-              </a:ext>
-            </a:extLst>
-          </p:cNvPr>
-          <p:cNvCxnSpPr>
-            <a:cxnSpLocks noGrp="1" noRot="1" noChangeAspect="1" noMove="1" noResize="1" noEditPoints="1" noAdjustHandles="1" noChangeArrowheads="1" noChangeShapeType="1"/>
-          </p:cNvCxnSpPr>
-          <p:nvPr>
-            <p:extLst>
-              <p:ext uri="{386F3935-93C4-4BCD-93E2-E3B085C9AB24}">
-                <p16:designElem xmlns:p16="http://schemas.microsoft.com/office/powerpoint/2015/main" val="1"/>
-              </p:ext>
-            </p:extLst>
-          </p:nvPr>
-        </p:nvCxnSpPr>
-        <p:spPr>
-          <a:xfrm>
-            <a:off x="565150" y="6087110"/>
-            <a:ext cx="4133560" cy="0"/>
-          </a:xfrm>
-          <a:prstGeom prst="line">
-            <a:avLst/>
-          </a:prstGeom>
-          <a:ln w="12700">
-            <a:solidFill>
-              <a:schemeClr val="bg1">
-                <a:lumMod val="65000"/>
-              </a:schemeClr>
-            </a:solidFill>
-          </a:ln>
-        </p:spPr>
-        <p:style>
-          <a:lnRef idx="1">
-            <a:schemeClr val="accent1"/>
-          </a:lnRef>
-          <a:fillRef idx="0">
-            <a:schemeClr val="accent1"/>
-          </a:fillRef>
-          <a:effectRef idx="0">
-            <a:schemeClr val="accent1"/>
-          </a:effectRef>
-          <a:fontRef idx="minor">
-            <a:schemeClr val="tx1"/>
-          </a:fontRef>
-        </p:style>
-      </p:cxnSp>
-    </p:spTree>
-    <p:extLst>
-      <p:ext uri="{BB962C8B-B14F-4D97-AF65-F5344CB8AC3E}">
-        <p14:creationId xmlns:p14="http://schemas.microsoft.com/office/powerpoint/2010/main" val="3734983486"/>
-      </p:ext>
-    </p:extLst>
-  </p:cSld>
-  <p:clrMapOvr>
-    <a:masterClrMapping/>
-  </p:clrMapOvr>
-</p:sld>
-</file>
-
-<file path=ppt/slides/slide5.xml><?xml version="1.0" encoding="utf-8"?>
-<p:sld xmlns:a="http://schemas.openxmlformats.org/drawingml/2006/main" xmlns:r="http://schemas.openxmlformats.org/officeDocument/2006/relationships" xmlns:p="http://schemas.openxmlformats.org/presentationml/2006/main">
-  <p:cSld>
-    <p:bg>
-      <p:bgPr>
-        <a:solidFill>
-          <a:schemeClr val="bg1"/>
-        </a:solidFill>
-        <a:effectLst/>
-      </p:bgPr>
-    </p:bg>
-    <p:spTree>
-      <p:nvGrpSpPr>
-        <p:cNvPr id="1" name=""/>
-        <p:cNvGrpSpPr/>
-        <p:nvPr/>
-      </p:nvGrpSpPr>
-      <p:grpSpPr>
-        <a:xfrm>
-          <a:off x="0" y="0"/>
-          <a:ext cx="0" cy="0"/>
-          <a:chOff x="0" y="0"/>
-          <a:chExt cx="0" cy="0"/>
-        </a:xfrm>
-      </p:grpSpPr>
-      <p:sp useBgFill="1">
-        <p:nvSpPr>
-          <p:cNvPr id="22" name="Rectangle 11">
-            <a:extLst>
-              <a:ext uri="{FF2B5EF4-FFF2-40B4-BE49-F238E27FC236}">
-                <a16:creationId xmlns:a16="http://schemas.microsoft.com/office/drawing/2014/main" id="{C7F2E4D6-EF46-1C43-8F3E-3620C3C83F36}"/>
-              </a:ext>
-              <a:ext uri="{C183D7F6-B498-43B3-948B-1728B52AA6E4}">
-                <adec:decorative xmlns:adec="http://schemas.microsoft.com/office/drawing/2017/decorative" val="1"/>
-              </a:ext>
-            </a:extLst>
-          </p:cNvPr>
-          <p:cNvSpPr>
-            <a:spLocks noGrp="1" noRot="1" noChangeAspect="1" noMove="1" noResize="1" noEditPoints="1" noAdjustHandles="1" noChangeArrowheads="1" noChangeShapeType="1" noTextEdit="1"/>
-          </p:cNvSpPr>
-          <p:nvPr>
-            <p:extLst>
-              <p:ext uri="{386F3935-93C4-4BCD-93E2-E3B085C9AB24}">
-                <p16:designElem xmlns:p16="http://schemas.microsoft.com/office/powerpoint/2015/main" val="1"/>
-              </p:ext>
-            </p:extLst>
-          </p:nvPr>
-        </p:nvSpPr>
-        <p:spPr>
-          <a:xfrm>
-            <a:off x="0" y="0"/>
-            <a:ext cx="12192000" cy="6858000"/>
-          </a:xfrm>
-          <a:prstGeom prst="rect">
-            <a:avLst/>
-          </a:prstGeom>
-          <a:ln>
-            <a:noFill/>
-          </a:ln>
-        </p:spPr>
-        <p:style>
-          <a:lnRef idx="2">
-            <a:schemeClr val="accent1">
-              <a:shade val="50000"/>
-            </a:schemeClr>
-          </a:lnRef>
-          <a:fillRef idx="1">
-            <a:schemeClr val="accent1"/>
-          </a:fillRef>
-          <a:effectRef idx="0">
-            <a:schemeClr val="accent1"/>
-          </a:effectRef>
-          <a:fontRef idx="minor">
-            <a:schemeClr val="lt1"/>
-          </a:fontRef>
-        </p:style>
-        <p:txBody>
-          <a:bodyPr rtlCol="0" anchor="ctr"/>
-          <a:lstStyle/>
-          <a:p>
-            <a:pPr algn="ctr"/>
-            <a:endParaRPr lang="en-US"/>
-          </a:p>
-        </p:txBody>
-      </p:sp>
-      <p:sp>
-        <p:nvSpPr>
-          <p:cNvPr id="2" name="Title 1">
-            <a:extLst>
-              <a:ext uri="{FF2B5EF4-FFF2-40B4-BE49-F238E27FC236}">
-                <a16:creationId xmlns:a16="http://schemas.microsoft.com/office/drawing/2014/main" id="{A6556D41-894E-6D27-E385-4C32E4F2088A}"/>
-              </a:ext>
-            </a:extLst>
-          </p:cNvPr>
-          <p:cNvSpPr>
-            <a:spLocks noGrp="1"/>
-          </p:cNvSpPr>
-          <p:nvPr>
-            <p:ph type="title"/>
-          </p:nvPr>
-        </p:nvSpPr>
-        <p:spPr>
-          <a:xfrm>
-            <a:off x="565150" y="770890"/>
-            <a:ext cx="6400999" cy="1268984"/>
-          </a:xfrm>
-        </p:spPr>
-        <p:txBody>
-          <a:bodyPr>
-            <a:normAutofit/>
-          </a:bodyPr>
-          <a:lstStyle/>
-          <a:p>
-            <a:pPr>
-              <a:lnSpc>
-                <a:spcPct val="90000"/>
-              </a:lnSpc>
-            </a:pPr>
-            <a:r>
-              <a:rPr lang="en-US"/>
-              <a:t>Meal and workout plan generator</a:t>
-            </a:r>
-          </a:p>
-        </p:txBody>
-      </p:sp>
-      <p:sp>
-        <p:nvSpPr>
-          <p:cNvPr id="3" name="Content Placeholder 2">
-            <a:extLst>
-              <a:ext uri="{FF2B5EF4-FFF2-40B4-BE49-F238E27FC236}">
-                <a16:creationId xmlns:a16="http://schemas.microsoft.com/office/drawing/2014/main" id="{F879E74F-EEC9-58C3-17FA-5A3E59BB2ADD}"/>
-              </a:ext>
-            </a:extLst>
-          </p:cNvPr>
-          <p:cNvSpPr>
-            <a:spLocks noGrp="1"/>
-          </p:cNvSpPr>
-          <p:nvPr>
-            <p:ph idx="1"/>
-          </p:nvPr>
-        </p:nvSpPr>
-        <p:spPr>
-          <a:xfrm>
-            <a:off x="565150" y="2160016"/>
-            <a:ext cx="6400999" cy="3601212"/>
-          </a:xfrm>
-        </p:spPr>
-        <p:txBody>
-          <a:bodyPr>
-            <a:normAutofit/>
-          </a:bodyPr>
-          <a:lstStyle/>
-          <a:p>
-            <a:pPr>
-              <a:lnSpc>
-                <a:spcPct val="90000"/>
-              </a:lnSpc>
-            </a:pPr>
-            <a:r>
-              <a:rPr lang="en-US" sz="1900" b="1" i="0">
-                <a:effectLst/>
-                <a:latin typeface="Söhne"/>
-              </a:rPr>
-              <a:t>Adaptive Programs:</a:t>
-            </a:r>
-            <a:r>
-              <a:rPr lang="en-US" sz="1900" b="0" i="0">
-                <a:effectLst/>
-                <a:latin typeface="Söhne"/>
-              </a:rPr>
-              <a:t> Based on the user's fitness level, goals (e.g., weight loss, muscle gain, endurance training), and any physical limitations or medical conditions, the AI suggests a tailored workout plan.</a:t>
-            </a:r>
-          </a:p>
-          <a:p>
-            <a:pPr>
-              <a:lnSpc>
-                <a:spcPct val="90000"/>
-              </a:lnSpc>
-              <a:buFont typeface="Arial" panose="020B0604020202020204" pitchFamily="34" charset="0"/>
-              <a:buChar char="•"/>
-            </a:pPr>
-            <a:r>
-              <a:rPr lang="en-US" sz="1900" b="1" i="0">
-                <a:effectLst/>
-                <a:latin typeface="Söhne"/>
-              </a:rPr>
-              <a:t>Dietary Preferences &amp; Restrictions:</a:t>
-            </a:r>
-            <a:r>
-              <a:rPr lang="en-US" sz="1900" b="0" i="0">
-                <a:effectLst/>
-                <a:latin typeface="Söhne"/>
-              </a:rPr>
-              <a:t> The AI can generate meal plans based on user preferences, such as vegetarian, vegan, keto, or gluten-free diets, and can consider any allergies or intolerances.</a:t>
-            </a:r>
-          </a:p>
-          <a:p>
-            <a:pPr>
-              <a:lnSpc>
-                <a:spcPct val="90000"/>
-              </a:lnSpc>
-              <a:buFont typeface="Arial" panose="020B0604020202020204" pitchFamily="34" charset="0"/>
-              <a:buChar char="•"/>
-            </a:pPr>
-            <a:r>
-              <a:rPr lang="en-US" sz="1900" b="1" i="0">
-                <a:effectLst/>
-                <a:latin typeface="Söhne"/>
-              </a:rPr>
-              <a:t>Recipe Suggestions:</a:t>
-            </a:r>
-            <a:r>
-              <a:rPr lang="en-US" sz="1900" b="0" i="0">
-                <a:effectLst/>
-                <a:latin typeface="Söhne"/>
-              </a:rPr>
-              <a:t> Based on the ingredients users have on hand and their nutritional needs, the AI can suggest recipes, making meal planning easier.</a:t>
-            </a:r>
-            <a:br>
-              <a:rPr lang="en-US" sz="1900"/>
-            </a:br>
-            <a:endParaRPr lang="en-US" sz="1900"/>
-          </a:p>
-        </p:txBody>
-      </p:sp>
-      <p:grpSp>
-        <p:nvGrpSpPr>
-          <p:cNvPr id="23" name="Group 13">
-            <a:extLst>
-              <a:ext uri="{FF2B5EF4-FFF2-40B4-BE49-F238E27FC236}">
-                <a16:creationId xmlns:a16="http://schemas.microsoft.com/office/drawing/2014/main" id="{2ACBB827-9A2D-D449-9686-F47D2A20EFE1}"/>
-              </a:ext>
-              <a:ext uri="{C183D7F6-B498-43B3-948B-1728B52AA6E4}">
-                <adec:decorative xmlns:adec="http://schemas.microsoft.com/office/drawing/2017/decorative" val="1"/>
-              </a:ext>
-            </a:extLst>
-          </p:cNvPr>
-          <p:cNvGrpSpPr>
-            <a:grpSpLocks noGrp="1" noUngrp="1" noRot="1" noChangeAspect="1" noMove="1" noResize="1"/>
-          </p:cNvGrpSpPr>
-          <p:nvPr>
-            <p:extLst>
-              <p:ext uri="{386F3935-93C4-4BCD-93E2-E3B085C9AB24}">
-                <p16:designElem xmlns:p16="http://schemas.microsoft.com/office/powerpoint/2015/main" val="1"/>
-              </p:ext>
-            </p:extLst>
-          </p:nvPr>
-        </p:nvGrpSpPr>
-        <p:grpSpPr>
-          <a:xfrm>
-            <a:off x="10290315" y="0"/>
-            <a:ext cx="1901686" cy="4677439"/>
-            <a:chOff x="10290315" y="0"/>
-            <a:chExt cx="1901686" cy="4677439"/>
-          </a:xfrm>
-        </p:grpSpPr>
-        <p:sp>
-          <p:nvSpPr>
-            <p:cNvPr id="24" name="Freeform 21">
-              <a:extLst>
-                <a:ext uri="{FF2B5EF4-FFF2-40B4-BE49-F238E27FC236}">
-                  <a16:creationId xmlns:a16="http://schemas.microsoft.com/office/drawing/2014/main" id="{9B921EC8-AD62-E940-80A2-682AC7104E09}"/>
-                </a:ext>
-                <a:ext uri="{C183D7F6-B498-43B3-948B-1728B52AA6E4}">
-                  <adec:decorative xmlns:adec="http://schemas.microsoft.com/office/drawing/2017/decorative" val="1"/>
-                </a:ext>
-              </a:extLst>
-            </p:cNvPr>
-            <p:cNvSpPr/>
-            <p:nvPr>
-              <p:extLst>
-                <p:ext uri="{386F3935-93C4-4BCD-93E2-E3B085C9AB24}">
-                  <p16:designElem xmlns:p16="http://schemas.microsoft.com/office/powerpoint/2015/main" val="1"/>
-                </p:ext>
-              </p:extLst>
-            </p:nvPr>
-          </p:nvSpPr>
-          <p:spPr>
-            <a:xfrm>
-              <a:off x="10290315" y="0"/>
-              <a:ext cx="1130724" cy="565573"/>
-            </a:xfrm>
-            <a:custGeom>
-              <a:avLst/>
-              <a:gdLst>
-                <a:gd name="connsiteX0" fmla="*/ 21 w 1130724"/>
-                <a:gd name="connsiteY0" fmla="*/ 0 h 565573"/>
-                <a:gd name="connsiteX1" fmla="*/ 1130703 w 1130724"/>
-                <a:gd name="connsiteY1" fmla="*/ 0 h 565573"/>
-                <a:gd name="connsiteX2" fmla="*/ 1130724 w 1130724"/>
-                <a:gd name="connsiteY2" fmla="*/ 211 h 565573"/>
-                <a:gd name="connsiteX3" fmla="*/ 565362 w 1130724"/>
-                <a:gd name="connsiteY3" fmla="*/ 565573 h 565573"/>
-                <a:gd name="connsiteX4" fmla="*/ 0 w 1130724"/>
-                <a:gd name="connsiteY4" fmla="*/ 211 h 565573"/>
-              </a:gdLst>
-              <a:ahLst/>
-              <a:cxnLst>
-                <a:cxn ang="0">
-                  <a:pos x="connsiteX0" y="connsiteY0"/>
-                </a:cxn>
-                <a:cxn ang="0">
-                  <a:pos x="connsiteX1" y="connsiteY1"/>
-                </a:cxn>
-                <a:cxn ang="0">
-                  <a:pos x="connsiteX2" y="connsiteY2"/>
-                </a:cxn>
-                <a:cxn ang="0">
-                  <a:pos x="connsiteX3" y="connsiteY3"/>
-                </a:cxn>
-                <a:cxn ang="0">
-                  <a:pos x="connsiteX4" y="connsiteY4"/>
-                </a:cxn>
-              </a:cxnLst>
-              <a:rect l="l" t="t" r="r" b="b"/>
-              <a:pathLst>
-                <a:path w="1130724" h="565573">
-                  <a:moveTo>
-                    <a:pt x="21" y="0"/>
-                  </a:moveTo>
-                  <a:lnTo>
-                    <a:pt x="1130703" y="0"/>
-                  </a:lnTo>
-                  <a:lnTo>
-                    <a:pt x="1130724" y="211"/>
-                  </a:lnTo>
-                  <a:cubicBezTo>
-                    <a:pt x="1130724" y="312452"/>
-                    <a:pt x="877603" y="565573"/>
-                    <a:pt x="565362" y="565573"/>
-                  </a:cubicBezTo>
-                  <a:cubicBezTo>
-                    <a:pt x="253121" y="565573"/>
-                    <a:pt x="0" y="312452"/>
-                    <a:pt x="0" y="211"/>
-                  </a:cubicBezTo>
-                  <a:close/>
-                </a:path>
-              </a:pathLst>
-            </a:custGeom>
-            <a:solidFill>
-              <a:schemeClr val="bg2"/>
-            </a:solidFill>
-            <a:ln>
-              <a:noFill/>
-            </a:ln>
-          </p:spPr>
-          <p:style>
-            <a:lnRef idx="2">
-              <a:schemeClr val="accent1">
-                <a:shade val="50000"/>
-              </a:schemeClr>
-            </a:lnRef>
-            <a:fillRef idx="1">
-              <a:schemeClr val="accent1"/>
-            </a:fillRef>
-            <a:effectRef idx="0">
-              <a:schemeClr val="accent1"/>
-            </a:effectRef>
-            <a:fontRef idx="minor">
-              <a:schemeClr val="lt1"/>
-            </a:fontRef>
-          </p:style>
-          <p:txBody>
-            <a:bodyPr wrap="square" rtlCol="0" anchor="ctr">
-              <a:noAutofit/>
-            </a:bodyPr>
-            <a:lstStyle/>
-            <a:p>
-              <a:pPr algn="ctr"/>
-              <a:endParaRPr lang="en-US"/>
-            </a:p>
-          </p:txBody>
-        </p:sp>
-        <p:sp>
-          <p:nvSpPr>
-            <p:cNvPr id="25" name="Freeform 23">
-              <a:extLst>
-                <a:ext uri="{FF2B5EF4-FFF2-40B4-BE49-F238E27FC236}">
-                  <a16:creationId xmlns:a16="http://schemas.microsoft.com/office/drawing/2014/main" id="{6DBDC735-9A9C-6340-B1E4-3576B27EDDC1}"/>
-                </a:ext>
-                <a:ext uri="{C183D7F6-B498-43B3-948B-1728B52AA6E4}">
-                  <adec:decorative xmlns:adec="http://schemas.microsoft.com/office/drawing/2017/decorative" val="1"/>
-                </a:ext>
-              </a:extLst>
-            </p:cNvPr>
-            <p:cNvSpPr/>
-            <p:nvPr>
-              <p:extLst>
-                <p:ext uri="{386F3935-93C4-4BCD-93E2-E3B085C9AB24}">
-                  <p16:designElem xmlns:p16="http://schemas.microsoft.com/office/powerpoint/2015/main" val="1"/>
-                </p:ext>
-              </p:extLst>
-            </p:nvPr>
-          </p:nvSpPr>
-          <p:spPr>
-            <a:xfrm>
-              <a:off x="11653180" y="3552066"/>
-              <a:ext cx="538821" cy="1125373"/>
-            </a:xfrm>
-            <a:custGeom>
-              <a:avLst/>
-              <a:gdLst>
-                <a:gd name="connsiteX0" fmla="*/ 538821 w 538821"/>
-                <a:gd name="connsiteY0" fmla="*/ 0 h 1125373"/>
-                <a:gd name="connsiteX1" fmla="*/ 538821 w 538821"/>
-                <a:gd name="connsiteY1" fmla="*/ 1125373 h 1125373"/>
-                <a:gd name="connsiteX2" fmla="*/ 451422 w 538821"/>
-                <a:gd name="connsiteY2" fmla="*/ 1116562 h 1125373"/>
-                <a:gd name="connsiteX3" fmla="*/ 0 w 538821"/>
-                <a:gd name="connsiteY3" fmla="*/ 562686 h 1125373"/>
-                <a:gd name="connsiteX4" fmla="*/ 451422 w 538821"/>
-                <a:gd name="connsiteY4" fmla="*/ 8810 h 1125373"/>
-              </a:gdLst>
-              <a:ahLst/>
-              <a:cxnLst>
-                <a:cxn ang="0">
-                  <a:pos x="connsiteX0" y="connsiteY0"/>
-                </a:cxn>
-                <a:cxn ang="0">
-                  <a:pos x="connsiteX1" y="connsiteY1"/>
-                </a:cxn>
-                <a:cxn ang="0">
-                  <a:pos x="connsiteX2" y="connsiteY2"/>
-                </a:cxn>
-                <a:cxn ang="0">
-                  <a:pos x="connsiteX3" y="connsiteY3"/>
-                </a:cxn>
-                <a:cxn ang="0">
-                  <a:pos x="connsiteX4" y="connsiteY4"/>
-                </a:cxn>
-              </a:cxnLst>
-              <a:rect l="l" t="t" r="r" b="b"/>
-              <a:pathLst>
-                <a:path w="538821" h="1125373">
-                  <a:moveTo>
-                    <a:pt x="538821" y="0"/>
-                  </a:moveTo>
-                  <a:lnTo>
-                    <a:pt x="538821" y="1125373"/>
-                  </a:lnTo>
-                  <a:lnTo>
-                    <a:pt x="451422" y="1116562"/>
-                  </a:lnTo>
-                  <a:cubicBezTo>
-                    <a:pt x="193796" y="1063844"/>
-                    <a:pt x="0" y="835897"/>
-                    <a:pt x="0" y="562686"/>
-                  </a:cubicBezTo>
-                  <a:cubicBezTo>
-                    <a:pt x="0" y="289475"/>
-                    <a:pt x="193796" y="61528"/>
-                    <a:pt x="451422" y="8810"/>
-                  </a:cubicBezTo>
-                  <a:close/>
-                </a:path>
-              </a:pathLst>
-            </a:custGeom>
-            <a:solidFill>
-              <a:schemeClr val="bg2"/>
-            </a:solidFill>
-            <a:ln>
-              <a:noFill/>
-            </a:ln>
-          </p:spPr>
-          <p:style>
-            <a:lnRef idx="2">
-              <a:schemeClr val="accent1">
-                <a:shade val="50000"/>
-              </a:schemeClr>
-            </a:lnRef>
-            <a:fillRef idx="1">
-              <a:schemeClr val="accent1"/>
-            </a:fillRef>
-            <a:effectRef idx="0">
-              <a:schemeClr val="accent1"/>
-            </a:effectRef>
-            <a:fontRef idx="minor">
-              <a:schemeClr val="lt1"/>
-            </a:fontRef>
-          </p:style>
-          <p:txBody>
-            <a:bodyPr wrap="square" rtlCol="0" anchor="ctr">
-              <a:noAutofit/>
-            </a:bodyPr>
-            <a:lstStyle/>
-            <a:p>
-              <a:pPr algn="ctr"/>
-              <a:endParaRPr lang="en-US"/>
-            </a:p>
-          </p:txBody>
-        </p:sp>
-        <p:sp>
-          <p:nvSpPr>
-            <p:cNvPr id="26" name="Freeform 25">
-              <a:extLst>
-                <a:ext uri="{FF2B5EF4-FFF2-40B4-BE49-F238E27FC236}">
-                  <a16:creationId xmlns:a16="http://schemas.microsoft.com/office/drawing/2014/main" id="{E3F399C2-198A-1347-8B48-1B1D50805EFB}"/>
-                </a:ext>
-                <a:ext uri="{C183D7F6-B498-43B3-948B-1728B52AA6E4}">
-                  <adec:decorative xmlns:adec="http://schemas.microsoft.com/office/drawing/2017/decorative" val="1"/>
-                </a:ext>
-              </a:extLst>
-            </p:cNvPr>
-            <p:cNvSpPr/>
-            <p:nvPr>
-              <p:extLst>
-                <p:ext uri="{386F3935-93C4-4BCD-93E2-E3B085C9AB24}">
-                  <p16:designElem xmlns:p16="http://schemas.microsoft.com/office/powerpoint/2015/main" val="1"/>
-                </p:ext>
-              </p:extLst>
-            </p:nvPr>
-          </p:nvSpPr>
-          <p:spPr>
-            <a:xfrm>
-              <a:off x="11653180" y="809039"/>
-              <a:ext cx="538821" cy="1125373"/>
-            </a:xfrm>
-            <a:custGeom>
-              <a:avLst/>
-              <a:gdLst>
-                <a:gd name="connsiteX0" fmla="*/ 538821 w 538821"/>
-                <a:gd name="connsiteY0" fmla="*/ 0 h 1125373"/>
-                <a:gd name="connsiteX1" fmla="*/ 538821 w 538821"/>
-                <a:gd name="connsiteY1" fmla="*/ 1125373 h 1125373"/>
-                <a:gd name="connsiteX2" fmla="*/ 451422 w 538821"/>
-                <a:gd name="connsiteY2" fmla="*/ 1116562 h 1125373"/>
-                <a:gd name="connsiteX3" fmla="*/ 0 w 538821"/>
-                <a:gd name="connsiteY3" fmla="*/ 562686 h 1125373"/>
-                <a:gd name="connsiteX4" fmla="*/ 451422 w 538821"/>
-                <a:gd name="connsiteY4" fmla="*/ 8810 h 1125373"/>
-              </a:gdLst>
-              <a:ahLst/>
-              <a:cxnLst>
-                <a:cxn ang="0">
-                  <a:pos x="connsiteX0" y="connsiteY0"/>
-                </a:cxn>
-                <a:cxn ang="0">
-                  <a:pos x="connsiteX1" y="connsiteY1"/>
-                </a:cxn>
-                <a:cxn ang="0">
-                  <a:pos x="connsiteX2" y="connsiteY2"/>
-                </a:cxn>
-                <a:cxn ang="0">
-                  <a:pos x="connsiteX3" y="connsiteY3"/>
-                </a:cxn>
-                <a:cxn ang="0">
-                  <a:pos x="connsiteX4" y="connsiteY4"/>
-                </a:cxn>
-              </a:cxnLst>
-              <a:rect l="l" t="t" r="r" b="b"/>
-              <a:pathLst>
-                <a:path w="538821" h="1125373">
-                  <a:moveTo>
-                    <a:pt x="538821" y="0"/>
-                  </a:moveTo>
-                  <a:lnTo>
-                    <a:pt x="538821" y="1125373"/>
-                  </a:lnTo>
-                  <a:lnTo>
-                    <a:pt x="451422" y="1116562"/>
-                  </a:lnTo>
-                  <a:cubicBezTo>
-                    <a:pt x="193796" y="1063844"/>
-                    <a:pt x="0" y="835897"/>
-                    <a:pt x="0" y="562686"/>
-                  </a:cubicBezTo>
-                  <a:cubicBezTo>
-                    <a:pt x="0" y="289475"/>
-                    <a:pt x="193796" y="61528"/>
-                    <a:pt x="451422" y="8810"/>
-                  </a:cubicBezTo>
-                  <a:close/>
-                </a:path>
-              </a:pathLst>
-            </a:custGeom>
-            <a:solidFill>
-              <a:schemeClr val="accent1"/>
-            </a:solidFill>
-            <a:ln>
-              <a:noFill/>
-            </a:ln>
-          </p:spPr>
-          <p:style>
-            <a:lnRef idx="2">
-              <a:schemeClr val="accent1">
-                <a:shade val="50000"/>
-              </a:schemeClr>
-            </a:lnRef>
-            <a:fillRef idx="1">
-              <a:schemeClr val="accent1"/>
-            </a:fillRef>
-            <a:effectRef idx="0">
-              <a:schemeClr val="accent1"/>
-            </a:effectRef>
-            <a:fontRef idx="minor">
-              <a:schemeClr val="lt1"/>
-            </a:fontRef>
-          </p:style>
-          <p:txBody>
-            <a:bodyPr wrap="square" rtlCol="0" anchor="ctr">
-              <a:noAutofit/>
-            </a:bodyPr>
-            <a:lstStyle/>
-            <a:p>
-              <a:pPr algn="ctr"/>
-              <a:endParaRPr lang="en-US"/>
-            </a:p>
-          </p:txBody>
-        </p:sp>
-        <p:sp>
-          <p:nvSpPr>
-            <p:cNvPr id="27" name="Freeform 26">
-              <a:extLst>
-                <a:ext uri="{FF2B5EF4-FFF2-40B4-BE49-F238E27FC236}">
-                  <a16:creationId xmlns:a16="http://schemas.microsoft.com/office/drawing/2014/main" id="{4AB3593B-CA05-1845-839E-90B9B70ECE96}"/>
-                </a:ext>
-                <a:ext uri="{C183D7F6-B498-43B3-948B-1728B52AA6E4}">
-                  <adec:decorative xmlns:adec="http://schemas.microsoft.com/office/drawing/2017/decorative" val="1"/>
-                </a:ext>
-              </a:extLst>
-            </p:cNvPr>
-            <p:cNvSpPr/>
-            <p:nvPr>
-              <p:extLst>
-                <p:ext uri="{386F3935-93C4-4BCD-93E2-E3B085C9AB24}">
-                  <p16:designElem xmlns:p16="http://schemas.microsoft.com/office/powerpoint/2015/main" val="1"/>
-                </p:ext>
-              </p:extLst>
-            </p:nvPr>
-          </p:nvSpPr>
-          <p:spPr>
-            <a:xfrm>
-              <a:off x="11653180" y="0"/>
-              <a:ext cx="538821" cy="562898"/>
-            </a:xfrm>
-            <a:custGeom>
-              <a:avLst/>
-              <a:gdLst>
-                <a:gd name="connsiteX0" fmla="*/ 21 w 538821"/>
-                <a:gd name="connsiteY0" fmla="*/ 0 h 562898"/>
-                <a:gd name="connsiteX1" fmla="*/ 538821 w 538821"/>
-                <a:gd name="connsiteY1" fmla="*/ 0 h 562898"/>
-                <a:gd name="connsiteX2" fmla="*/ 538821 w 538821"/>
-                <a:gd name="connsiteY2" fmla="*/ 562898 h 562898"/>
-                <a:gd name="connsiteX3" fmla="*/ 451422 w 538821"/>
-                <a:gd name="connsiteY3" fmla="*/ 554087 h 562898"/>
-                <a:gd name="connsiteX4" fmla="*/ 0 w 538821"/>
-                <a:gd name="connsiteY4" fmla="*/ 211 h 562898"/>
-              </a:gdLst>
-              <a:ahLst/>
-              <a:cxnLst>
-                <a:cxn ang="0">
-                  <a:pos x="connsiteX0" y="connsiteY0"/>
-                </a:cxn>
-                <a:cxn ang="0">
-                  <a:pos x="connsiteX1" y="connsiteY1"/>
-                </a:cxn>
-                <a:cxn ang="0">
-                  <a:pos x="connsiteX2" y="connsiteY2"/>
-                </a:cxn>
-                <a:cxn ang="0">
-                  <a:pos x="connsiteX3" y="connsiteY3"/>
-                </a:cxn>
-                <a:cxn ang="0">
-                  <a:pos x="connsiteX4" y="connsiteY4"/>
-                </a:cxn>
-              </a:cxnLst>
-              <a:rect l="l" t="t" r="r" b="b"/>
-              <a:pathLst>
-                <a:path w="538821" h="562898">
-                  <a:moveTo>
-                    <a:pt x="21" y="0"/>
-                  </a:moveTo>
-                  <a:lnTo>
-                    <a:pt x="538821" y="0"/>
-                  </a:lnTo>
-                  <a:lnTo>
-                    <a:pt x="538821" y="562898"/>
-                  </a:lnTo>
-                  <a:lnTo>
-                    <a:pt x="451422" y="554087"/>
-                  </a:lnTo>
-                  <a:cubicBezTo>
-                    <a:pt x="193796" y="501369"/>
-                    <a:pt x="0" y="273422"/>
-                    <a:pt x="0" y="211"/>
-                  </a:cubicBezTo>
-                  <a:close/>
-                </a:path>
-              </a:pathLst>
-            </a:custGeom>
-            <a:solidFill>
-              <a:schemeClr val="bg2"/>
-            </a:solidFill>
-            <a:ln>
-              <a:noFill/>
-            </a:ln>
-          </p:spPr>
-          <p:style>
-            <a:lnRef idx="2">
-              <a:schemeClr val="accent1">
-                <a:shade val="50000"/>
-              </a:schemeClr>
-            </a:lnRef>
-            <a:fillRef idx="1">
-              <a:schemeClr val="accent1"/>
-            </a:fillRef>
-            <a:effectRef idx="0">
-              <a:schemeClr val="accent1"/>
-            </a:effectRef>
-            <a:fontRef idx="minor">
-              <a:schemeClr val="lt1"/>
-            </a:fontRef>
-          </p:style>
-          <p:txBody>
-            <a:bodyPr wrap="square" rtlCol="0" anchor="ctr">
-              <a:noAutofit/>
-            </a:bodyPr>
-            <a:lstStyle/>
-            <a:p>
-              <a:pPr algn="ctr"/>
-              <a:endParaRPr lang="en-US"/>
-            </a:p>
-          </p:txBody>
-        </p:sp>
-      </p:grpSp>
-      <p:pic>
-        <p:nvPicPr>
-          <p:cNvPr id="7" name="Picture 6" descr="A menu of a diet plan&#10;&#10;Description automatically generated">
-            <a:extLst>
-              <a:ext uri="{FF2B5EF4-FFF2-40B4-BE49-F238E27FC236}">
-                <a16:creationId xmlns:a16="http://schemas.microsoft.com/office/drawing/2014/main" id="{95FE11AA-23BE-5FFD-8A01-FDFEE6F7DDD9}"/>
-              </a:ext>
-            </a:extLst>
-          </p:cNvPr>
-          <p:cNvPicPr>
-            <a:picLocks noChangeAspect="1"/>
-          </p:cNvPicPr>
-          <p:nvPr/>
-        </p:nvPicPr>
-        <p:blipFill>
-          <a:blip r:embed="rId2"/>
-          <a:stretch>
-            <a:fillRect/>
-          </a:stretch>
-        </p:blipFill>
-        <p:spPr>
-          <a:xfrm>
-            <a:off x="8434466" y="3361797"/>
-            <a:ext cx="2289216" cy="2631283"/>
-          </a:xfrm>
-          <a:prstGeom prst="rect">
-            <a:avLst/>
-          </a:prstGeom>
-        </p:spPr>
-      </p:pic>
-      <p:cxnSp>
-        <p:nvCxnSpPr>
-          <p:cNvPr id="28" name="Straight Connector 19">
-            <a:extLst>
-              <a:ext uri="{FF2B5EF4-FFF2-40B4-BE49-F238E27FC236}">
-                <a16:creationId xmlns:a16="http://schemas.microsoft.com/office/drawing/2014/main" id="{BF3CF3DF-4809-5B42-9F22-981391379297}"/>
-              </a:ext>
-              <a:ext uri="{C183D7F6-B498-43B3-948B-1728B52AA6E4}">
-                <adec:decorative xmlns:adec="http://schemas.microsoft.com/office/drawing/2017/decorative" val="1"/>
-              </a:ext>
-            </a:extLst>
-          </p:cNvPr>
-          <p:cNvCxnSpPr>
-            <a:cxnSpLocks noGrp="1" noRot="1" noChangeAspect="1" noMove="1" noResize="1" noEditPoints="1" noAdjustHandles="1" noChangeArrowheads="1" noChangeShapeType="1"/>
-          </p:cNvCxnSpPr>
-          <p:nvPr>
-            <p:extLst>
-              <p:ext uri="{386F3935-93C4-4BCD-93E2-E3B085C9AB24}">
-                <p16:designElem xmlns:p16="http://schemas.microsoft.com/office/powerpoint/2015/main" val="1"/>
-              </p:ext>
-            </p:extLst>
-          </p:nvPr>
-        </p:nvCxnSpPr>
-        <p:spPr>
-          <a:xfrm>
-            <a:off x="565150" y="6087110"/>
-            <a:ext cx="6400999" cy="0"/>
-          </a:xfrm>
-          <a:prstGeom prst="line">
-            <a:avLst/>
-          </a:prstGeom>
-          <a:ln w="12700">
-            <a:solidFill>
-              <a:schemeClr val="bg1">
-                <a:lumMod val="65000"/>
-              </a:schemeClr>
-            </a:solidFill>
-          </a:ln>
-        </p:spPr>
-        <p:style>
-          <a:lnRef idx="1">
-            <a:schemeClr val="accent1"/>
-          </a:lnRef>
-          <a:fillRef idx="0">
-            <a:schemeClr val="accent1"/>
-          </a:fillRef>
-          <a:effectRef idx="0">
-            <a:schemeClr val="accent1"/>
-          </a:effectRef>
-          <a:fontRef idx="minor">
-            <a:schemeClr val="tx1"/>
-          </a:fontRef>
-        </p:style>
-      </p:cxnSp>
-      <p:pic>
-        <p:nvPicPr>
-          <p:cNvPr id="5" name="Picture 4" descr="A screenshot of a computer&#10;&#10;Description automatically generated">
-            <a:extLst>
-              <a:ext uri="{FF2B5EF4-FFF2-40B4-BE49-F238E27FC236}">
-                <a16:creationId xmlns:a16="http://schemas.microsoft.com/office/drawing/2014/main" id="{AB3C99CF-31A7-C6A4-0481-CA7A8D7C9276}"/>
-              </a:ext>
-            </a:extLst>
-          </p:cNvPr>
-          <p:cNvPicPr>
-            <a:picLocks noChangeAspect="1"/>
-          </p:cNvPicPr>
-          <p:nvPr/>
-        </p:nvPicPr>
-        <p:blipFill>
-          <a:blip r:embed="rId3"/>
-          <a:stretch>
-            <a:fillRect/>
-          </a:stretch>
-        </p:blipFill>
-        <p:spPr>
-          <a:xfrm>
-            <a:off x="7287262" y="1023617"/>
-            <a:ext cx="4044804" cy="2032514"/>
-          </a:xfrm>
-          <a:prstGeom prst="rect">
-            <a:avLst/>
-          </a:prstGeom>
-        </p:spPr>
-      </p:pic>
-    </p:spTree>
-    <p:extLst>
-      <p:ext uri="{BB962C8B-B14F-4D97-AF65-F5344CB8AC3E}">
-        <p14:creationId xmlns:p14="http://schemas.microsoft.com/office/powerpoint/2010/main" val="1942619016"/>
-      </p:ext>
-    </p:extLst>
-  </p:cSld>
-  <p:clrMapOvr>
-    <a:masterClrMapping/>
-  </p:clrMapOvr>
-</p:sld>
-</file>
-
-<file path=ppt/slides/slide6.xml><?xml version="1.0" encoding="utf-8"?>
-<p:sld xmlns:a="http://schemas.openxmlformats.org/drawingml/2006/main" xmlns:r="http://schemas.openxmlformats.org/officeDocument/2006/relationships" xmlns:p="http://schemas.openxmlformats.org/presentationml/2006/main">
-  <p:cSld>
-    <p:spTree>
-      <p:nvGrpSpPr>
-        <p:cNvPr id="1" name=""/>
-        <p:cNvGrpSpPr/>
-        <p:nvPr/>
-      </p:nvGrpSpPr>
-      <p:grpSpPr>
-        <a:xfrm>
-          <a:off x="0" y="0"/>
-          <a:ext cx="0" cy="0"/>
-          <a:chOff x="0" y="0"/>
-          <a:chExt cx="0" cy="0"/>
-        </a:xfrm>
-      </p:grpSpPr>
-      <p:sp>
-        <p:nvSpPr>
-          <p:cNvPr id="2" name="Title 1">
-            <a:extLst>
-              <a:ext uri="{FF2B5EF4-FFF2-40B4-BE49-F238E27FC236}">
-                <a16:creationId xmlns:a16="http://schemas.microsoft.com/office/drawing/2014/main" id="{0EDCAD81-9C08-C01B-F96A-7452C75EF79D}"/>
-              </a:ext>
-            </a:extLst>
-          </p:cNvPr>
-          <p:cNvSpPr>
-            <a:spLocks noGrp="1"/>
-          </p:cNvSpPr>
-          <p:nvPr>
-            <p:ph type="title"/>
-          </p:nvPr>
-        </p:nvSpPr>
-        <p:spPr/>
-        <p:txBody>
-          <a:bodyPr/>
-          <a:lstStyle/>
-          <a:p>
-            <a:r>
-              <a:rPr lang="en-US" dirty="0"/>
-              <a:t>Progress Record Feature</a:t>
-            </a:r>
-          </a:p>
-        </p:txBody>
-      </p:sp>
-      <p:sp>
-        <p:nvSpPr>
-          <p:cNvPr id="3" name="Content Placeholder 2">
-            <a:extLst>
-              <a:ext uri="{FF2B5EF4-FFF2-40B4-BE49-F238E27FC236}">
-                <a16:creationId xmlns:a16="http://schemas.microsoft.com/office/drawing/2014/main" id="{E469C8F4-2700-69F1-A410-8103B31BFF2E}"/>
-              </a:ext>
-            </a:extLst>
-          </p:cNvPr>
-          <p:cNvSpPr>
-            <a:spLocks noGrp="1"/>
-          </p:cNvSpPr>
-          <p:nvPr>
-            <p:ph idx="1"/>
-          </p:nvPr>
-        </p:nvSpPr>
-        <p:spPr/>
-        <p:txBody>
-          <a:bodyPr>
-            <a:normAutofit fontScale="92500" lnSpcReduction="10000"/>
-          </a:bodyPr>
-          <a:lstStyle/>
-          <a:p>
-            <a:r>
-              <a:rPr lang="en-US" dirty="0"/>
-              <a:t>This feature plays the most essential role for CRUD operations in our application. The Form is responsible to prompt the user daily to enter his nutritional as well his training details.</a:t>
-            </a:r>
-          </a:p>
-          <a:p>
-            <a:r>
-              <a:rPr lang="en-US" dirty="0"/>
-              <a:t>Makes use of state management to store Nutritional Values for Breakfast, Lunch, Dinner to be stored in state till the “Calculate Total Calories” button is clicked. </a:t>
-            </a:r>
-          </a:p>
-          <a:p>
-            <a:r>
-              <a:rPr lang="en-US" dirty="0"/>
-              <a:t>Future Scope : Add a carousel for Date and a visually pleasing variation of Workout Category menu. </a:t>
-            </a:r>
-          </a:p>
-          <a:p>
-            <a:endParaRPr lang="en-US" dirty="0"/>
-          </a:p>
-        </p:txBody>
-      </p:sp>
-    </p:spTree>
-    <p:extLst>
-      <p:ext uri="{BB962C8B-B14F-4D97-AF65-F5344CB8AC3E}">
-        <p14:creationId xmlns:p14="http://schemas.microsoft.com/office/powerpoint/2010/main" val="2633167806"/>
-      </p:ext>
-    </p:extLst>
-  </p:cSld>
-  <p:clrMapOvr>
-    <a:masterClrMapping/>
-  </p:clrMapOvr>
-</p:sld>
-</file>
-
-<file path=ppt/slides/slide7.xml><?xml version="1.0" encoding="utf-8"?>
-<p:sld xmlns:a="http://schemas.openxmlformats.org/drawingml/2006/main" xmlns:r="http://schemas.openxmlformats.org/officeDocument/2006/relationships" xmlns:p="http://schemas.openxmlformats.org/presentationml/2006/main">
-  <p:cSld>
-    <p:spTree>
-      <p:nvGrpSpPr>
-        <p:cNvPr id="1" name=""/>
-        <p:cNvGrpSpPr/>
-        <p:nvPr/>
-      </p:nvGrpSpPr>
-      <p:grpSpPr>
-        <a:xfrm>
-          <a:off x="0" y="0"/>
-          <a:ext cx="0" cy="0"/>
-          <a:chOff x="0" y="0"/>
-          <a:chExt cx="0" cy="0"/>
-        </a:xfrm>
-      </p:grpSpPr>
-      <p:pic>
-        <p:nvPicPr>
-          <p:cNvPr id="5" name="Picture 4" descr="A screenshot of a computer&#10;&#10;Description automatically generated">
-            <a:extLst>
-              <a:ext uri="{FF2B5EF4-FFF2-40B4-BE49-F238E27FC236}">
-                <a16:creationId xmlns:a16="http://schemas.microsoft.com/office/drawing/2014/main" id="{40C9B86F-352D-B872-3ED3-73A79DA1A6DE}"/>
-              </a:ext>
-            </a:extLst>
-          </p:cNvPr>
-          <p:cNvPicPr>
-            <a:picLocks noChangeAspect="1"/>
-          </p:cNvPicPr>
-          <p:nvPr/>
-        </p:nvPicPr>
-        <p:blipFill>
-          <a:blip r:embed="rId2"/>
-          <a:stretch>
-            <a:fillRect/>
-          </a:stretch>
-        </p:blipFill>
-        <p:spPr>
-          <a:xfrm>
-            <a:off x="0" y="1239031"/>
-            <a:ext cx="7039024" cy="3624390"/>
-          </a:xfrm>
-          <a:prstGeom prst="rect">
-            <a:avLst/>
-          </a:prstGeom>
-        </p:spPr>
-      </p:pic>
-      <p:pic>
-        <p:nvPicPr>
-          <p:cNvPr id="7" name="Picture 6" descr="A screenshot of a computer&#10;&#10;Description automatically generated">
-            <a:extLst>
-              <a:ext uri="{FF2B5EF4-FFF2-40B4-BE49-F238E27FC236}">
-                <a16:creationId xmlns:a16="http://schemas.microsoft.com/office/drawing/2014/main" id="{47602CD7-EE3E-EA5D-01BE-195ED5D4B190}"/>
-              </a:ext>
-            </a:extLst>
-          </p:cNvPr>
-          <p:cNvPicPr>
-            <a:picLocks noChangeAspect="1"/>
-          </p:cNvPicPr>
-          <p:nvPr/>
-        </p:nvPicPr>
-        <p:blipFill>
-          <a:blip r:embed="rId3"/>
-          <a:stretch>
-            <a:fillRect/>
-          </a:stretch>
-        </p:blipFill>
-        <p:spPr>
-          <a:xfrm>
-            <a:off x="5797908" y="1650229"/>
-            <a:ext cx="4077612" cy="3213192"/>
-          </a:xfrm>
-          <a:prstGeom prst="rect">
-            <a:avLst/>
-          </a:prstGeom>
-        </p:spPr>
-      </p:pic>
-    </p:spTree>
-    <p:extLst>
-      <p:ext uri="{BB962C8B-B14F-4D97-AF65-F5344CB8AC3E}">
-        <p14:creationId xmlns:p14="http://schemas.microsoft.com/office/powerpoint/2010/main" val="425193708"/>
-      </p:ext>
-    </p:extLst>
-  </p:cSld>
-  <p:clrMapOvr>
-    <a:masterClrMapping/>
-  </p:clrMapOvr>
-</p:sld>
-</file>
-
-<file path=ppt/slides/slide8.xml><?xml version="1.0" encoding="utf-8"?>
-<p:sld xmlns:a="http://schemas.openxmlformats.org/drawingml/2006/main" xmlns:r="http://schemas.openxmlformats.org/officeDocument/2006/relationships" xmlns:p="http://schemas.openxmlformats.org/presentationml/2006/main">
-  <p:cSld>
-    <p:bg>
-      <p:bgPr>
-        <a:solidFill>
-          <a:schemeClr val="bg1"/>
-        </a:solidFill>
-        <a:effectLst/>
-      </p:bgPr>
-    </p:bg>
-    <p:spTree>
-      <p:nvGrpSpPr>
-        <p:cNvPr id="1" name=""/>
-        <p:cNvGrpSpPr/>
-        <p:nvPr/>
-      </p:nvGrpSpPr>
-      <p:grpSpPr>
-        <a:xfrm>
-          <a:off x="0" y="0"/>
-          <a:ext cx="0" cy="0"/>
-          <a:chOff x="0" y="0"/>
-          <a:chExt cx="0" cy="0"/>
-        </a:xfrm>
-      </p:grpSpPr>
-      <p:sp useBgFill="1">
-        <p:nvSpPr>
-          <p:cNvPr id="33" name="Rectangle 22">
-            <a:extLst>
-              <a:ext uri="{FF2B5EF4-FFF2-40B4-BE49-F238E27FC236}">
-                <a16:creationId xmlns:a16="http://schemas.microsoft.com/office/drawing/2014/main" id="{C7F2E4D6-EF46-1C43-8F3E-3620C3C83F36}"/>
-              </a:ext>
-              <a:ext uri="{C183D7F6-B498-43B3-948B-1728B52AA6E4}">
-                <adec:decorative xmlns:adec="http://schemas.microsoft.com/office/drawing/2017/decorative" val="1"/>
-              </a:ext>
-            </a:extLst>
-          </p:cNvPr>
-          <p:cNvSpPr>
-            <a:spLocks noGrp="1" noRot="1" noChangeAspect="1" noMove="1" noResize="1" noEditPoints="1" noAdjustHandles="1" noChangeArrowheads="1" noChangeShapeType="1" noTextEdit="1"/>
-          </p:cNvSpPr>
-          <p:nvPr>
-            <p:extLst>
-              <p:ext uri="{386F3935-93C4-4BCD-93E2-E3B085C9AB24}">
-                <p16:designElem xmlns:p16="http://schemas.microsoft.com/office/powerpoint/2015/main" val="1"/>
-              </p:ext>
-            </p:extLst>
-          </p:nvPr>
-        </p:nvSpPr>
-        <p:spPr>
-          <a:xfrm>
-            <a:off x="0" y="0"/>
-            <a:ext cx="12192000" cy="6858000"/>
-          </a:xfrm>
-          <a:prstGeom prst="rect">
-            <a:avLst/>
-          </a:prstGeom>
-          <a:ln>
-            <a:noFill/>
-          </a:ln>
-        </p:spPr>
-        <p:style>
-          <a:lnRef idx="2">
-            <a:schemeClr val="accent1">
-              <a:shade val="50000"/>
-            </a:schemeClr>
-          </a:lnRef>
-          <a:fillRef idx="1">
-            <a:schemeClr val="accent1"/>
-          </a:fillRef>
-          <a:effectRef idx="0">
-            <a:schemeClr val="accent1"/>
-          </a:effectRef>
-          <a:fontRef idx="minor">
-            <a:schemeClr val="lt1"/>
-          </a:fontRef>
-        </p:style>
-        <p:txBody>
-          <a:bodyPr rtlCol="0" anchor="ctr"/>
-          <a:lstStyle/>
-          <a:p>
-            <a:pPr algn="ctr"/>
-            <a:endParaRPr lang="en-US"/>
-          </a:p>
-        </p:txBody>
-      </p:sp>
-      <p:sp>
-        <p:nvSpPr>
-          <p:cNvPr id="2" name="Title 1">
-            <a:extLst>
-              <a:ext uri="{FF2B5EF4-FFF2-40B4-BE49-F238E27FC236}">
-                <a16:creationId xmlns:a16="http://schemas.microsoft.com/office/drawing/2014/main" id="{546EA510-6537-1BA1-B263-6D84A9ACB85C}"/>
-              </a:ext>
-            </a:extLst>
-          </p:cNvPr>
-          <p:cNvSpPr>
-            <a:spLocks noGrp="1"/>
-          </p:cNvSpPr>
-          <p:nvPr>
-            <p:ph type="title"/>
-          </p:nvPr>
-        </p:nvSpPr>
-        <p:spPr>
-          <a:xfrm>
-            <a:off x="565151" y="770890"/>
-            <a:ext cx="4133560" cy="1268984"/>
-          </a:xfrm>
-        </p:spPr>
-        <p:txBody>
-          <a:bodyPr>
-            <a:normAutofit/>
-          </a:bodyPr>
-          <a:lstStyle/>
-          <a:p>
-            <a:pPr>
-              <a:lnSpc>
-                <a:spcPct val="90000"/>
-              </a:lnSpc>
-            </a:pPr>
-            <a:r>
-              <a:rPr lang="en-US"/>
-              <a:t>Progress Tracker</a:t>
-            </a:r>
-          </a:p>
-        </p:txBody>
-      </p:sp>
-      <p:sp>
-        <p:nvSpPr>
-          <p:cNvPr id="3" name="Content Placeholder 2">
-            <a:extLst>
-              <a:ext uri="{FF2B5EF4-FFF2-40B4-BE49-F238E27FC236}">
-                <a16:creationId xmlns:a16="http://schemas.microsoft.com/office/drawing/2014/main" id="{E6FA3834-1BD9-4B4C-102D-F96847E00A7B}"/>
-              </a:ext>
-            </a:extLst>
-          </p:cNvPr>
-          <p:cNvSpPr>
-            <a:spLocks noGrp="1"/>
-          </p:cNvSpPr>
-          <p:nvPr>
-            <p:ph idx="1"/>
-          </p:nvPr>
-        </p:nvSpPr>
-        <p:spPr>
-          <a:xfrm>
-            <a:off x="565151" y="2160016"/>
-            <a:ext cx="4133560" cy="3601212"/>
-          </a:xfrm>
-        </p:spPr>
-        <p:txBody>
-          <a:bodyPr>
-            <a:normAutofit/>
-          </a:bodyPr>
-          <a:lstStyle/>
-          <a:p>
-            <a:pPr marL="0" indent="0">
-              <a:lnSpc>
-                <a:spcPct val="90000"/>
-              </a:lnSpc>
-              <a:buNone/>
-            </a:pPr>
-            <a:r>
-              <a:rPr lang="en-US" sz="2000" dirty="0"/>
-              <a:t>This feature lets the user have a wholistic view of his/her progress by analyzing the trend of the calorie intake and workout over a period. The user can track and monitor the progress across 3 time durations of a week, fortnight and a month so as to see if he’s moving towards his goal or not.</a:t>
-            </a:r>
-          </a:p>
-          <a:p>
-            <a:pPr marL="0" indent="0">
-              <a:lnSpc>
-                <a:spcPct val="90000"/>
-              </a:lnSpc>
-              <a:buNone/>
-            </a:pPr>
-            <a:r>
-              <a:rPr lang="en-US" sz="2000" dirty="0"/>
-              <a:t>    </a:t>
-            </a:r>
-          </a:p>
-        </p:txBody>
-      </p:sp>
-      <p:cxnSp>
-        <p:nvCxnSpPr>
-          <p:cNvPr id="34" name="Straight Connector 24">
-            <a:extLst>
-              <a:ext uri="{FF2B5EF4-FFF2-40B4-BE49-F238E27FC236}">
-                <a16:creationId xmlns:a16="http://schemas.microsoft.com/office/drawing/2014/main" id="{BF3CF3DF-4809-5B42-9F22-981391379297}"/>
-              </a:ext>
-              <a:ext uri="{C183D7F6-B498-43B3-948B-1728B52AA6E4}">
-                <adec:decorative xmlns:adec="http://schemas.microsoft.com/office/drawing/2017/decorative" val="1"/>
-              </a:ext>
-            </a:extLst>
-          </p:cNvPr>
-          <p:cNvCxnSpPr>
-            <a:cxnSpLocks noGrp="1" noRot="1" noChangeAspect="1" noMove="1" noResize="1" noEditPoints="1" noAdjustHandles="1" noChangeArrowheads="1" noChangeShapeType="1"/>
-          </p:cNvCxnSpPr>
-          <p:nvPr>
-            <p:extLst>
-              <p:ext uri="{386F3935-93C4-4BCD-93E2-E3B085C9AB24}">
-                <p16:designElem xmlns:p16="http://schemas.microsoft.com/office/powerpoint/2015/main" val="1"/>
-              </p:ext>
-            </p:extLst>
-          </p:nvPr>
-        </p:nvCxnSpPr>
-        <p:spPr>
-          <a:xfrm>
-            <a:off x="565150" y="6087110"/>
-            <a:ext cx="4133560" cy="0"/>
-          </a:xfrm>
-          <a:prstGeom prst="line">
-            <a:avLst/>
-          </a:prstGeom>
-          <a:ln w="12700">
-            <a:solidFill>
-              <a:schemeClr val="bg1">
-                <a:lumMod val="65000"/>
-              </a:schemeClr>
-            </a:solidFill>
-          </a:ln>
-        </p:spPr>
-        <p:style>
-          <a:lnRef idx="1">
-            <a:schemeClr val="accent1"/>
-          </a:lnRef>
-          <a:fillRef idx="0">
-            <a:schemeClr val="accent1"/>
-          </a:fillRef>
-          <a:effectRef idx="0">
-            <a:schemeClr val="accent1"/>
-          </a:effectRef>
-          <a:fontRef idx="minor">
-            <a:schemeClr val="tx1"/>
-          </a:fontRef>
-        </p:style>
-      </p:cxnSp>
-      <p:pic>
-        <p:nvPicPr>
-          <p:cNvPr id="5" name="Picture 4" descr="A screenshot of a graph&#10;&#10;Description automatically generated">
-            <a:extLst>
-              <a:ext uri="{FF2B5EF4-FFF2-40B4-BE49-F238E27FC236}">
-                <a16:creationId xmlns:a16="http://schemas.microsoft.com/office/drawing/2014/main" id="{F27B7589-7987-3732-C802-D94DF5397A79}"/>
-              </a:ext>
-            </a:extLst>
-          </p:cNvPr>
-          <p:cNvPicPr>
-            <a:picLocks noChangeAspect="1"/>
-          </p:cNvPicPr>
-          <p:nvPr/>
-        </p:nvPicPr>
-        <p:blipFill rotWithShape="1">
-          <a:blip r:embed="rId2"/>
-          <a:srcRect r="2801" b="-3"/>
-          <a:stretch/>
-        </p:blipFill>
-        <p:spPr>
-          <a:xfrm>
-            <a:off x="5263860" y="681645"/>
-            <a:ext cx="6273249" cy="5486057"/>
-          </a:xfrm>
-          <a:prstGeom prst="rect">
-            <a:avLst/>
-          </a:prstGeom>
-        </p:spPr>
-      </p:pic>
-      <p:grpSp>
-        <p:nvGrpSpPr>
-          <p:cNvPr id="35" name="Group 26">
-            <a:extLst>
-              <a:ext uri="{FF2B5EF4-FFF2-40B4-BE49-F238E27FC236}">
-                <a16:creationId xmlns:a16="http://schemas.microsoft.com/office/drawing/2014/main" id="{0D40C408-1C95-CC45-87A7-61CE8B1F9362}"/>
-              </a:ext>
-              <a:ext uri="{C183D7F6-B498-43B3-948B-1728B52AA6E4}">
-                <adec:decorative xmlns:adec="http://schemas.microsoft.com/office/drawing/2017/decorative" val="1"/>
-              </a:ext>
-            </a:extLst>
-          </p:cNvPr>
-          <p:cNvGrpSpPr>
-            <a:grpSpLocks noGrp="1" noUngrp="1" noRot="1" noChangeAspect="1" noMove="1" noResize="1"/>
-          </p:cNvGrpSpPr>
-          <p:nvPr>
-            <p:extLst>
-              <p:ext uri="{386F3935-93C4-4BCD-93E2-E3B085C9AB24}">
-                <p16:designElem xmlns:p16="http://schemas.microsoft.com/office/powerpoint/2015/main" val="1"/>
-              </p:ext>
-            </p:extLst>
-          </p:nvPr>
-        </p:nvGrpSpPr>
-        <p:grpSpPr>
-          <a:xfrm>
-            <a:off x="10290315" y="0"/>
-            <a:ext cx="1901686" cy="4677439"/>
-            <a:chOff x="10290315" y="0"/>
-            <a:chExt cx="1901686" cy="4677439"/>
-          </a:xfrm>
-        </p:grpSpPr>
-        <p:sp>
-          <p:nvSpPr>
-            <p:cNvPr id="36" name="Freeform 22">
-              <a:extLst>
-                <a:ext uri="{FF2B5EF4-FFF2-40B4-BE49-F238E27FC236}">
-                  <a16:creationId xmlns:a16="http://schemas.microsoft.com/office/drawing/2014/main" id="{064C34AA-742A-4849-8CD3-EBD627656C3C}"/>
-                </a:ext>
-                <a:ext uri="{C183D7F6-B498-43B3-948B-1728B52AA6E4}">
-                  <adec:decorative xmlns:adec="http://schemas.microsoft.com/office/drawing/2017/decorative" val="1"/>
-                </a:ext>
-              </a:extLst>
-            </p:cNvPr>
-            <p:cNvSpPr/>
-            <p:nvPr>
-              <p:extLst>
-                <p:ext uri="{386F3935-93C4-4BCD-93E2-E3B085C9AB24}">
-                  <p16:designElem xmlns:p16="http://schemas.microsoft.com/office/powerpoint/2015/main" val="1"/>
-                </p:ext>
-              </p:extLst>
-            </p:nvPr>
-          </p:nvSpPr>
-          <p:spPr>
-            <a:xfrm>
-              <a:off x="10290315" y="0"/>
-              <a:ext cx="1130724" cy="565573"/>
-            </a:xfrm>
-            <a:custGeom>
-              <a:avLst/>
-              <a:gdLst>
-                <a:gd name="connsiteX0" fmla="*/ 21 w 1130724"/>
-                <a:gd name="connsiteY0" fmla="*/ 0 h 565573"/>
-                <a:gd name="connsiteX1" fmla="*/ 1130703 w 1130724"/>
-                <a:gd name="connsiteY1" fmla="*/ 0 h 565573"/>
-                <a:gd name="connsiteX2" fmla="*/ 1130724 w 1130724"/>
-                <a:gd name="connsiteY2" fmla="*/ 211 h 565573"/>
-                <a:gd name="connsiteX3" fmla="*/ 565362 w 1130724"/>
-                <a:gd name="connsiteY3" fmla="*/ 565573 h 565573"/>
-                <a:gd name="connsiteX4" fmla="*/ 0 w 1130724"/>
-                <a:gd name="connsiteY4" fmla="*/ 211 h 565573"/>
-              </a:gdLst>
-              <a:ahLst/>
-              <a:cxnLst>
-                <a:cxn ang="0">
-                  <a:pos x="connsiteX0" y="connsiteY0"/>
-                </a:cxn>
-                <a:cxn ang="0">
-                  <a:pos x="connsiteX1" y="connsiteY1"/>
-                </a:cxn>
-                <a:cxn ang="0">
-                  <a:pos x="connsiteX2" y="connsiteY2"/>
-                </a:cxn>
-                <a:cxn ang="0">
-                  <a:pos x="connsiteX3" y="connsiteY3"/>
-                </a:cxn>
-                <a:cxn ang="0">
-                  <a:pos x="connsiteX4" y="connsiteY4"/>
-                </a:cxn>
-              </a:cxnLst>
-              <a:rect l="l" t="t" r="r" b="b"/>
-              <a:pathLst>
-                <a:path w="1130724" h="565573">
-                  <a:moveTo>
-                    <a:pt x="21" y="0"/>
-                  </a:moveTo>
-                  <a:lnTo>
-                    <a:pt x="1130703" y="0"/>
-                  </a:lnTo>
-                  <a:lnTo>
-                    <a:pt x="1130724" y="211"/>
-                  </a:lnTo>
-                  <a:cubicBezTo>
-                    <a:pt x="1130724" y="312452"/>
-                    <a:pt x="877603" y="565573"/>
-                    <a:pt x="565362" y="565573"/>
-                  </a:cubicBezTo>
-                  <a:cubicBezTo>
-                    <a:pt x="253121" y="565573"/>
-                    <a:pt x="0" y="312452"/>
-                    <a:pt x="0" y="211"/>
-                  </a:cubicBezTo>
-                  <a:close/>
-                </a:path>
-              </a:pathLst>
-            </a:custGeom>
-            <a:solidFill>
-              <a:schemeClr val="bg2"/>
-            </a:solidFill>
-            <a:ln>
-              <a:noFill/>
-            </a:ln>
-          </p:spPr>
-          <p:style>
-            <a:lnRef idx="2">
-              <a:schemeClr val="accent1">
-                <a:shade val="50000"/>
-              </a:schemeClr>
-            </a:lnRef>
-            <a:fillRef idx="1">
-              <a:schemeClr val="accent1"/>
-            </a:fillRef>
-            <a:effectRef idx="0">
-              <a:schemeClr val="accent1"/>
-            </a:effectRef>
-            <a:fontRef idx="minor">
-              <a:schemeClr val="lt1"/>
-            </a:fontRef>
-          </p:style>
-          <p:txBody>
-            <a:bodyPr wrap="square" rtlCol="0" anchor="ctr">
-              <a:noAutofit/>
-            </a:bodyPr>
-            <a:lstStyle/>
-            <a:p>
-              <a:pPr algn="ctr"/>
-              <a:endParaRPr lang="en-US"/>
-            </a:p>
-          </p:txBody>
-        </p:sp>
-        <p:sp>
-          <p:nvSpPr>
-            <p:cNvPr id="37" name="Freeform 24">
-              <a:extLst>
-                <a:ext uri="{FF2B5EF4-FFF2-40B4-BE49-F238E27FC236}">
-                  <a16:creationId xmlns:a16="http://schemas.microsoft.com/office/drawing/2014/main" id="{EC6ED33D-9A7B-5247-BA45-456AE5F3B432}"/>
-                </a:ext>
-                <a:ext uri="{C183D7F6-B498-43B3-948B-1728B52AA6E4}">
-                  <adec:decorative xmlns:adec="http://schemas.microsoft.com/office/drawing/2017/decorative" val="1"/>
-                </a:ext>
-              </a:extLst>
-            </p:cNvPr>
-            <p:cNvSpPr/>
-            <p:nvPr>
-              <p:extLst>
-                <p:ext uri="{386F3935-93C4-4BCD-93E2-E3B085C9AB24}">
-                  <p16:designElem xmlns:p16="http://schemas.microsoft.com/office/powerpoint/2015/main" val="1"/>
-                </p:ext>
-              </p:extLst>
-            </p:nvPr>
-          </p:nvSpPr>
-          <p:spPr>
-            <a:xfrm>
-              <a:off x="11653180" y="3552066"/>
-              <a:ext cx="538821" cy="1125373"/>
-            </a:xfrm>
-            <a:custGeom>
-              <a:avLst/>
-              <a:gdLst>
-                <a:gd name="connsiteX0" fmla="*/ 538821 w 538821"/>
-                <a:gd name="connsiteY0" fmla="*/ 0 h 1125373"/>
-                <a:gd name="connsiteX1" fmla="*/ 538821 w 538821"/>
-                <a:gd name="connsiteY1" fmla="*/ 1125373 h 1125373"/>
-                <a:gd name="connsiteX2" fmla="*/ 451422 w 538821"/>
-                <a:gd name="connsiteY2" fmla="*/ 1116562 h 1125373"/>
-                <a:gd name="connsiteX3" fmla="*/ 0 w 538821"/>
-                <a:gd name="connsiteY3" fmla="*/ 562686 h 1125373"/>
-                <a:gd name="connsiteX4" fmla="*/ 451422 w 538821"/>
-                <a:gd name="connsiteY4" fmla="*/ 8810 h 1125373"/>
-              </a:gdLst>
-              <a:ahLst/>
-              <a:cxnLst>
-                <a:cxn ang="0">
-                  <a:pos x="connsiteX0" y="connsiteY0"/>
-                </a:cxn>
-                <a:cxn ang="0">
-                  <a:pos x="connsiteX1" y="connsiteY1"/>
-                </a:cxn>
-                <a:cxn ang="0">
-                  <a:pos x="connsiteX2" y="connsiteY2"/>
-                </a:cxn>
-                <a:cxn ang="0">
-                  <a:pos x="connsiteX3" y="connsiteY3"/>
-                </a:cxn>
-                <a:cxn ang="0">
-                  <a:pos x="connsiteX4" y="connsiteY4"/>
-                </a:cxn>
-              </a:cxnLst>
-              <a:rect l="l" t="t" r="r" b="b"/>
-              <a:pathLst>
-                <a:path w="538821" h="1125373">
-                  <a:moveTo>
-                    <a:pt x="538821" y="0"/>
-                  </a:moveTo>
-                  <a:lnTo>
-                    <a:pt x="538821" y="1125373"/>
-                  </a:lnTo>
-                  <a:lnTo>
-                    <a:pt x="451422" y="1116562"/>
-                  </a:lnTo>
-                  <a:cubicBezTo>
-                    <a:pt x="193796" y="1063844"/>
-                    <a:pt x="0" y="835897"/>
-                    <a:pt x="0" y="562686"/>
-                  </a:cubicBezTo>
-                  <a:cubicBezTo>
-                    <a:pt x="0" y="289475"/>
-                    <a:pt x="193796" y="61528"/>
-                    <a:pt x="451422" y="8810"/>
-                  </a:cubicBezTo>
-                  <a:close/>
-                </a:path>
-              </a:pathLst>
-            </a:custGeom>
-            <a:solidFill>
-              <a:schemeClr val="bg2"/>
-            </a:solidFill>
-            <a:ln>
-              <a:noFill/>
-            </a:ln>
-          </p:spPr>
-          <p:style>
-            <a:lnRef idx="2">
-              <a:schemeClr val="accent1">
-                <a:shade val="50000"/>
-              </a:schemeClr>
-            </a:lnRef>
-            <a:fillRef idx="1">
-              <a:schemeClr val="accent1"/>
-            </a:fillRef>
-            <a:effectRef idx="0">
-              <a:schemeClr val="accent1"/>
-            </a:effectRef>
-            <a:fontRef idx="minor">
-              <a:schemeClr val="lt1"/>
-            </a:fontRef>
-          </p:style>
-          <p:txBody>
-            <a:bodyPr wrap="square" rtlCol="0" anchor="ctr">
-              <a:noAutofit/>
-            </a:bodyPr>
-            <a:lstStyle/>
-            <a:p>
-              <a:pPr algn="ctr"/>
-              <a:endParaRPr lang="en-US"/>
-            </a:p>
-          </p:txBody>
-        </p:sp>
-        <p:sp>
-          <p:nvSpPr>
-            <p:cNvPr id="30" name="Freeform 26">
-              <a:extLst>
-                <a:ext uri="{FF2B5EF4-FFF2-40B4-BE49-F238E27FC236}">
-                  <a16:creationId xmlns:a16="http://schemas.microsoft.com/office/drawing/2014/main" id="{143DF02F-6797-8A48-8141-360A16A57556}"/>
-                </a:ext>
-                <a:ext uri="{C183D7F6-B498-43B3-948B-1728B52AA6E4}">
-                  <adec:decorative xmlns:adec="http://schemas.microsoft.com/office/drawing/2017/decorative" val="1"/>
-                </a:ext>
-              </a:extLst>
-            </p:cNvPr>
-            <p:cNvSpPr/>
-            <p:nvPr>
-              <p:extLst>
-                <p:ext uri="{386F3935-93C4-4BCD-93E2-E3B085C9AB24}">
-                  <p16:designElem xmlns:p16="http://schemas.microsoft.com/office/powerpoint/2015/main" val="1"/>
-                </p:ext>
-              </p:extLst>
-            </p:nvPr>
-          </p:nvSpPr>
-          <p:spPr>
-            <a:xfrm>
-              <a:off x="11653180" y="809039"/>
-              <a:ext cx="538821" cy="1125373"/>
-            </a:xfrm>
-            <a:custGeom>
-              <a:avLst/>
-              <a:gdLst>
-                <a:gd name="connsiteX0" fmla="*/ 538821 w 538821"/>
-                <a:gd name="connsiteY0" fmla="*/ 0 h 1125373"/>
-                <a:gd name="connsiteX1" fmla="*/ 538821 w 538821"/>
-                <a:gd name="connsiteY1" fmla="*/ 1125373 h 1125373"/>
-                <a:gd name="connsiteX2" fmla="*/ 451422 w 538821"/>
-                <a:gd name="connsiteY2" fmla="*/ 1116562 h 1125373"/>
-                <a:gd name="connsiteX3" fmla="*/ 0 w 538821"/>
-                <a:gd name="connsiteY3" fmla="*/ 562686 h 1125373"/>
-                <a:gd name="connsiteX4" fmla="*/ 451422 w 538821"/>
-                <a:gd name="connsiteY4" fmla="*/ 8810 h 1125373"/>
-              </a:gdLst>
-              <a:ahLst/>
-              <a:cxnLst>
-                <a:cxn ang="0">
-                  <a:pos x="connsiteX0" y="connsiteY0"/>
-                </a:cxn>
-                <a:cxn ang="0">
-                  <a:pos x="connsiteX1" y="connsiteY1"/>
-                </a:cxn>
-                <a:cxn ang="0">
-                  <a:pos x="connsiteX2" y="connsiteY2"/>
-                </a:cxn>
-                <a:cxn ang="0">
-                  <a:pos x="connsiteX3" y="connsiteY3"/>
-                </a:cxn>
-                <a:cxn ang="0">
-                  <a:pos x="connsiteX4" y="connsiteY4"/>
-                </a:cxn>
-              </a:cxnLst>
-              <a:rect l="l" t="t" r="r" b="b"/>
-              <a:pathLst>
-                <a:path w="538821" h="1125373">
-                  <a:moveTo>
-                    <a:pt x="538821" y="0"/>
-                  </a:moveTo>
-                  <a:lnTo>
-                    <a:pt x="538821" y="1125373"/>
-                  </a:lnTo>
-                  <a:lnTo>
-                    <a:pt x="451422" y="1116562"/>
-                  </a:lnTo>
-                  <a:cubicBezTo>
-                    <a:pt x="193796" y="1063844"/>
-                    <a:pt x="0" y="835897"/>
-                    <a:pt x="0" y="562686"/>
-                  </a:cubicBezTo>
-                  <a:cubicBezTo>
-                    <a:pt x="0" y="289475"/>
-                    <a:pt x="193796" y="61528"/>
-                    <a:pt x="451422" y="8810"/>
-                  </a:cubicBezTo>
-                  <a:close/>
-                </a:path>
-              </a:pathLst>
-            </a:custGeom>
-            <a:solidFill>
-              <a:schemeClr val="accent1"/>
-            </a:solidFill>
-            <a:ln>
-              <a:noFill/>
-            </a:ln>
-          </p:spPr>
-          <p:style>
-            <a:lnRef idx="2">
-              <a:schemeClr val="accent1">
-                <a:shade val="50000"/>
-              </a:schemeClr>
-            </a:lnRef>
-            <a:fillRef idx="1">
-              <a:schemeClr val="accent1"/>
-            </a:fillRef>
-            <a:effectRef idx="0">
-              <a:schemeClr val="accent1"/>
-            </a:effectRef>
-            <a:fontRef idx="minor">
-              <a:schemeClr val="lt1"/>
-            </a:fontRef>
-          </p:style>
-          <p:txBody>
-            <a:bodyPr wrap="square" rtlCol="0" anchor="ctr">
-              <a:noAutofit/>
-            </a:bodyPr>
-            <a:lstStyle/>
-            <a:p>
-              <a:pPr algn="ctr"/>
-              <a:endParaRPr lang="en-US"/>
-            </a:p>
-          </p:txBody>
-        </p:sp>
-        <p:sp>
-          <p:nvSpPr>
-            <p:cNvPr id="38" name="Freeform 27">
-              <a:extLst>
-                <a:ext uri="{FF2B5EF4-FFF2-40B4-BE49-F238E27FC236}">
-                  <a16:creationId xmlns:a16="http://schemas.microsoft.com/office/drawing/2014/main" id="{FDD14875-9EDB-984E-9EDE-3C3A422D9660}"/>
-                </a:ext>
-                <a:ext uri="{C183D7F6-B498-43B3-948B-1728B52AA6E4}">
-                  <adec:decorative xmlns:adec="http://schemas.microsoft.com/office/drawing/2017/decorative" val="1"/>
-                </a:ext>
-              </a:extLst>
-            </p:cNvPr>
-            <p:cNvSpPr/>
-            <p:nvPr>
-              <p:extLst>
-                <p:ext uri="{386F3935-93C4-4BCD-93E2-E3B085C9AB24}">
-                  <p16:designElem xmlns:p16="http://schemas.microsoft.com/office/powerpoint/2015/main" val="1"/>
-                </p:ext>
-              </p:extLst>
-            </p:nvPr>
-          </p:nvSpPr>
-          <p:spPr>
-            <a:xfrm>
-              <a:off x="11653180" y="0"/>
-              <a:ext cx="538821" cy="562898"/>
-            </a:xfrm>
-            <a:custGeom>
-              <a:avLst/>
-              <a:gdLst>
-                <a:gd name="connsiteX0" fmla="*/ 21 w 538821"/>
-                <a:gd name="connsiteY0" fmla="*/ 0 h 562898"/>
-                <a:gd name="connsiteX1" fmla="*/ 538821 w 538821"/>
-                <a:gd name="connsiteY1" fmla="*/ 0 h 562898"/>
-                <a:gd name="connsiteX2" fmla="*/ 538821 w 538821"/>
-                <a:gd name="connsiteY2" fmla="*/ 562898 h 562898"/>
-                <a:gd name="connsiteX3" fmla="*/ 451422 w 538821"/>
-                <a:gd name="connsiteY3" fmla="*/ 554087 h 562898"/>
-                <a:gd name="connsiteX4" fmla="*/ 0 w 538821"/>
-                <a:gd name="connsiteY4" fmla="*/ 211 h 562898"/>
-              </a:gdLst>
-              <a:ahLst/>
-              <a:cxnLst>
-                <a:cxn ang="0">
-                  <a:pos x="connsiteX0" y="connsiteY0"/>
-                </a:cxn>
-                <a:cxn ang="0">
-                  <a:pos x="connsiteX1" y="connsiteY1"/>
-                </a:cxn>
-                <a:cxn ang="0">
-                  <a:pos x="connsiteX2" y="connsiteY2"/>
-                </a:cxn>
-                <a:cxn ang="0">
-                  <a:pos x="connsiteX3" y="connsiteY3"/>
-                </a:cxn>
-                <a:cxn ang="0">
-                  <a:pos x="connsiteX4" y="connsiteY4"/>
-                </a:cxn>
-              </a:cxnLst>
-              <a:rect l="l" t="t" r="r" b="b"/>
-              <a:pathLst>
-                <a:path w="538821" h="562898">
-                  <a:moveTo>
-                    <a:pt x="21" y="0"/>
-                  </a:moveTo>
-                  <a:lnTo>
-                    <a:pt x="538821" y="0"/>
-                  </a:lnTo>
-                  <a:lnTo>
-                    <a:pt x="538821" y="562898"/>
-                  </a:lnTo>
-                  <a:lnTo>
-                    <a:pt x="451422" y="554087"/>
-                  </a:lnTo>
-                  <a:cubicBezTo>
-                    <a:pt x="193796" y="501369"/>
-                    <a:pt x="0" y="273422"/>
-                    <a:pt x="0" y="211"/>
-                  </a:cubicBezTo>
-                  <a:close/>
-                </a:path>
-              </a:pathLst>
-            </a:custGeom>
-            <a:solidFill>
-              <a:schemeClr val="bg2"/>
-            </a:solidFill>
-            <a:ln>
-              <a:noFill/>
-            </a:ln>
-          </p:spPr>
-          <p:style>
-            <a:lnRef idx="2">
-              <a:schemeClr val="accent1">
-                <a:shade val="50000"/>
-              </a:schemeClr>
-            </a:lnRef>
-            <a:fillRef idx="1">
-              <a:schemeClr val="accent1"/>
-            </a:fillRef>
-            <a:effectRef idx="0">
-              <a:schemeClr val="accent1"/>
-            </a:effectRef>
-            <a:fontRef idx="minor">
-              <a:schemeClr val="lt1"/>
-            </a:fontRef>
-          </p:style>
-          <p:txBody>
-            <a:bodyPr wrap="square" rtlCol="0" anchor="ctr">
-              <a:noAutofit/>
-            </a:bodyPr>
-            <a:lstStyle/>
-            <a:p>
-              <a:pPr algn="ctr"/>
-              <a:endParaRPr lang="en-US"/>
-            </a:p>
-          </p:txBody>
-        </p:sp>
-      </p:grpSp>
-    </p:spTree>
-    <p:extLst>
-      <p:ext uri="{BB962C8B-B14F-4D97-AF65-F5344CB8AC3E}">
-        <p14:creationId xmlns:p14="http://schemas.microsoft.com/office/powerpoint/2010/main" val="615831255"/>
-      </p:ext>
-    </p:extLst>
-  </p:cSld>
-  <p:clrMapOvr>
-    <a:masterClrMapping/>
-  </p:clrMapOvr>
-</p:sld>
-</file>
-
-<file path=ppt/slides/slide9.xml><?xml version="1.0" encoding="utf-8"?>
-<p:sld xmlns:a="http://schemas.openxmlformats.org/drawingml/2006/main" xmlns:r="http://schemas.openxmlformats.org/officeDocument/2006/relationships" xmlns:p="http://schemas.openxmlformats.org/presentationml/2006/main">
-  <p:cSld>
-    <p:bg>
-      <p:bgPr>
-        <a:solidFill>
-          <a:schemeClr val="bg1"/>
-        </a:solidFill>
-        <a:effectLst/>
-      </p:bgPr>
-    </p:bg>
-    <p:spTree>
-      <p:nvGrpSpPr>
-        <p:cNvPr id="1" name=""/>
-        <p:cNvGrpSpPr/>
-        <p:nvPr/>
-      </p:nvGrpSpPr>
-      <p:grpSpPr>
-        <a:xfrm>
-          <a:off x="0" y="0"/>
-          <a:ext cx="0" cy="0"/>
-          <a:chOff x="0" y="0"/>
-          <a:chExt cx="0" cy="0"/>
-        </a:xfrm>
-      </p:grpSpPr>
-      <p:sp useBgFill="1">
-        <p:nvSpPr>
           <p:cNvPr id="33" name="Rectangle 32">
             <a:extLst>
               <a:ext uri="{FF2B5EF4-FFF2-40B4-BE49-F238E27FC236}">
@@ -21729,6 +17349,4483 @@
     <p:extLst>
       <p:ext uri="{BB962C8B-B14F-4D97-AF65-F5344CB8AC3E}">
         <p14:creationId xmlns:p14="http://schemas.microsoft.com/office/powerpoint/2010/main" val="1870280887"/>
+      </p:ext>
+    </p:extLst>
+  </p:cSld>
+  <p:clrMapOvr>
+    <a:masterClrMapping/>
+  </p:clrMapOvr>
+</p:sld>
+</file>
+
+<file path=ppt/slides/slide11.xml><?xml version="1.0" encoding="utf-8"?>
+<p:sld xmlns:a="http://schemas.openxmlformats.org/drawingml/2006/main" xmlns:r="http://schemas.openxmlformats.org/officeDocument/2006/relationships" xmlns:p="http://schemas.openxmlformats.org/presentationml/2006/main">
+  <p:cSld>
+    <p:bg>
+      <p:bgPr>
+        <a:solidFill>
+          <a:schemeClr val="bg1"/>
+        </a:solidFill>
+        <a:effectLst/>
+      </p:bgPr>
+    </p:bg>
+    <p:spTree>
+      <p:nvGrpSpPr>
+        <p:cNvPr id="1" name=""/>
+        <p:cNvGrpSpPr/>
+        <p:nvPr/>
+      </p:nvGrpSpPr>
+      <p:grpSpPr>
+        <a:xfrm>
+          <a:off x="0" y="0"/>
+          <a:ext cx="0" cy="0"/>
+          <a:chOff x="0" y="0"/>
+          <a:chExt cx="0" cy="0"/>
+        </a:xfrm>
+      </p:grpSpPr>
+      <p:sp useBgFill="1">
+        <p:nvSpPr>
+          <p:cNvPr id="46" name="Rectangle 45">
+            <a:extLst>
+              <a:ext uri="{FF2B5EF4-FFF2-40B4-BE49-F238E27FC236}">
+                <a16:creationId xmlns:a16="http://schemas.microsoft.com/office/drawing/2014/main" id="{C7F2E4D6-EF46-1C43-8F3E-3620C3C83F36}"/>
+              </a:ext>
+              <a:ext uri="{C183D7F6-B498-43B3-948B-1728B52AA6E4}">
+                <adec:decorative xmlns:adec="http://schemas.microsoft.com/office/drawing/2017/decorative" val="1"/>
+              </a:ext>
+            </a:extLst>
+          </p:cNvPr>
+          <p:cNvSpPr>
+            <a:spLocks noGrp="1" noRot="1" noChangeAspect="1" noMove="1" noResize="1" noEditPoints="1" noAdjustHandles="1" noChangeArrowheads="1" noChangeShapeType="1" noTextEdit="1"/>
+          </p:cNvSpPr>
+          <p:nvPr>
+            <p:extLst>
+              <p:ext uri="{386F3935-93C4-4BCD-93E2-E3B085C9AB24}">
+                <p16:designElem xmlns:p16="http://schemas.microsoft.com/office/powerpoint/2015/main" val="1"/>
+              </p:ext>
+            </p:extLst>
+          </p:nvPr>
+        </p:nvSpPr>
+        <p:spPr>
+          <a:xfrm>
+            <a:off x="0" y="0"/>
+            <a:ext cx="12192000" cy="6858000"/>
+          </a:xfrm>
+          <a:prstGeom prst="rect">
+            <a:avLst/>
+          </a:prstGeom>
+          <a:ln>
+            <a:noFill/>
+          </a:ln>
+        </p:spPr>
+        <p:style>
+          <a:lnRef idx="2">
+            <a:schemeClr val="accent1">
+              <a:shade val="50000"/>
+            </a:schemeClr>
+          </a:lnRef>
+          <a:fillRef idx="1">
+            <a:schemeClr val="accent1"/>
+          </a:fillRef>
+          <a:effectRef idx="0">
+            <a:schemeClr val="accent1"/>
+          </a:effectRef>
+          <a:fontRef idx="minor">
+            <a:schemeClr val="lt1"/>
+          </a:fontRef>
+        </p:style>
+        <p:txBody>
+          <a:bodyPr rtlCol="0" anchor="ctr"/>
+          <a:lstStyle/>
+          <a:p>
+            <a:pPr algn="ctr"/>
+            <a:endParaRPr lang="en-US"/>
+          </a:p>
+        </p:txBody>
+      </p:sp>
+      <p:sp>
+        <p:nvSpPr>
+          <p:cNvPr id="2" name="Title 1">
+            <a:extLst>
+              <a:ext uri="{FF2B5EF4-FFF2-40B4-BE49-F238E27FC236}">
+                <a16:creationId xmlns:a16="http://schemas.microsoft.com/office/drawing/2014/main" id="{A6556D41-894E-6D27-E385-4C32E4F2088A}"/>
+              </a:ext>
+            </a:extLst>
+          </p:cNvPr>
+          <p:cNvSpPr>
+            <a:spLocks noGrp="1"/>
+          </p:cNvSpPr>
+          <p:nvPr>
+            <p:ph type="title"/>
+          </p:nvPr>
+        </p:nvSpPr>
+        <p:spPr>
+          <a:xfrm>
+            <a:off x="565150" y="770890"/>
+            <a:ext cx="7668997" cy="1268984"/>
+          </a:xfrm>
+        </p:spPr>
+        <p:txBody>
+          <a:bodyPr>
+            <a:normAutofit/>
+          </a:bodyPr>
+          <a:lstStyle/>
+          <a:p>
+            <a:r>
+              <a:rPr lang="en-US"/>
+              <a:t>PWA</a:t>
+            </a:r>
+          </a:p>
+        </p:txBody>
+      </p:sp>
+      <p:sp>
+        <p:nvSpPr>
+          <p:cNvPr id="3" name="Content Placeholder 2">
+            <a:extLst>
+              <a:ext uri="{FF2B5EF4-FFF2-40B4-BE49-F238E27FC236}">
+                <a16:creationId xmlns:a16="http://schemas.microsoft.com/office/drawing/2014/main" id="{F879E74F-EEC9-58C3-17FA-5A3E59BB2ADD}"/>
+              </a:ext>
+            </a:extLst>
+          </p:cNvPr>
+          <p:cNvSpPr>
+            <a:spLocks noGrp="1"/>
+          </p:cNvSpPr>
+          <p:nvPr>
+            <p:ph idx="1"/>
+          </p:nvPr>
+        </p:nvSpPr>
+        <p:spPr>
+          <a:xfrm>
+            <a:off x="565150" y="2160016"/>
+            <a:ext cx="7668997" cy="3601212"/>
+          </a:xfrm>
+        </p:spPr>
+        <p:txBody>
+          <a:bodyPr>
+            <a:normAutofit/>
+          </a:bodyPr>
+          <a:lstStyle/>
+          <a:p>
+            <a:pPr>
+              <a:lnSpc>
+                <a:spcPct val="90000"/>
+              </a:lnSpc>
+              <a:buFont typeface="+mj-lt"/>
+              <a:buAutoNum type="arabicPeriod"/>
+            </a:pPr>
+            <a:r>
+              <a:rPr lang="en-US" sz="2200" b="1" i="0">
+                <a:effectLst/>
+                <a:latin typeface="Söhne"/>
+              </a:rPr>
+              <a:t>Offline Access:</a:t>
+            </a:r>
+            <a:r>
+              <a:rPr lang="en-US" sz="2200" b="0" i="0">
+                <a:effectLst/>
+                <a:latin typeface="Söhne"/>
+              </a:rPr>
+              <a:t> PWAs can work offline or with low-quality networks, thanks to service workers that cache key resources.</a:t>
+            </a:r>
+          </a:p>
+          <a:p>
+            <a:pPr>
+              <a:lnSpc>
+                <a:spcPct val="90000"/>
+              </a:lnSpc>
+              <a:buFont typeface="+mj-lt"/>
+              <a:buAutoNum type="arabicPeriod"/>
+            </a:pPr>
+            <a:r>
+              <a:rPr lang="en-US" sz="2200" b="1" i="0">
+                <a:effectLst/>
+                <a:latin typeface="Söhne"/>
+              </a:rPr>
+              <a:t>Responsive Design:</a:t>
+            </a:r>
+            <a:r>
+              <a:rPr lang="en-US" sz="2200" b="0" i="0">
+                <a:effectLst/>
+                <a:latin typeface="Söhne"/>
+              </a:rPr>
+              <a:t> They adapt to any device, screen size, or orientation, ensuring a consistent user experience across platforms.</a:t>
+            </a:r>
+          </a:p>
+          <a:p>
+            <a:pPr>
+              <a:lnSpc>
+                <a:spcPct val="90000"/>
+              </a:lnSpc>
+              <a:buFont typeface="+mj-lt"/>
+              <a:buAutoNum type="arabicPeriod"/>
+            </a:pPr>
+            <a:r>
+              <a:rPr lang="en-US" sz="2200" b="1" i="0">
+                <a:effectLst/>
+                <a:latin typeface="Söhne"/>
+              </a:rPr>
+              <a:t>Performance:</a:t>
+            </a:r>
+            <a:r>
+              <a:rPr lang="en-US" sz="2200" b="0" i="0">
+                <a:effectLst/>
+                <a:latin typeface="Söhne"/>
+              </a:rPr>
+              <a:t> PWAs are optimized for speed and reliability, often leading to faster load times and smoother interactions compared to traditional web apps.</a:t>
+            </a:r>
+          </a:p>
+          <a:p>
+            <a:pPr marL="0" indent="0">
+              <a:lnSpc>
+                <a:spcPct val="90000"/>
+              </a:lnSpc>
+              <a:buNone/>
+            </a:pPr>
+            <a:br>
+              <a:rPr lang="en-US" sz="2200"/>
+            </a:br>
+            <a:endParaRPr lang="en-US" sz="2200"/>
+          </a:p>
+        </p:txBody>
+      </p:sp>
+      <p:grpSp>
+        <p:nvGrpSpPr>
+          <p:cNvPr id="48" name="Group 47">
+            <a:extLst>
+              <a:ext uri="{FF2B5EF4-FFF2-40B4-BE49-F238E27FC236}">
+                <a16:creationId xmlns:a16="http://schemas.microsoft.com/office/drawing/2014/main" id="{2ACBB827-9A2D-D449-9686-F47D2A20EFE1}"/>
+              </a:ext>
+              <a:ext uri="{C183D7F6-B498-43B3-948B-1728B52AA6E4}">
+                <adec:decorative xmlns:adec="http://schemas.microsoft.com/office/drawing/2017/decorative" val="1"/>
+              </a:ext>
+            </a:extLst>
+          </p:cNvPr>
+          <p:cNvGrpSpPr>
+            <a:grpSpLocks noGrp="1" noUngrp="1" noRot="1" noChangeAspect="1" noMove="1" noResize="1"/>
+          </p:cNvGrpSpPr>
+          <p:nvPr>
+            <p:extLst>
+              <p:ext uri="{386F3935-93C4-4BCD-93E2-E3B085C9AB24}">
+                <p16:designElem xmlns:p16="http://schemas.microsoft.com/office/powerpoint/2015/main" val="1"/>
+              </p:ext>
+            </p:extLst>
+          </p:nvPr>
+        </p:nvGrpSpPr>
+        <p:grpSpPr>
+          <a:xfrm>
+            <a:off x="10290315" y="0"/>
+            <a:ext cx="1901686" cy="4677439"/>
+            <a:chOff x="10290315" y="0"/>
+            <a:chExt cx="1901686" cy="4677439"/>
+          </a:xfrm>
+        </p:grpSpPr>
+        <p:sp>
+          <p:nvSpPr>
+            <p:cNvPr id="49" name="Freeform 21">
+              <a:extLst>
+                <a:ext uri="{FF2B5EF4-FFF2-40B4-BE49-F238E27FC236}">
+                  <a16:creationId xmlns:a16="http://schemas.microsoft.com/office/drawing/2014/main" id="{9B921EC8-AD62-E940-80A2-682AC7104E09}"/>
+                </a:ext>
+                <a:ext uri="{C183D7F6-B498-43B3-948B-1728B52AA6E4}">
+                  <adec:decorative xmlns:adec="http://schemas.microsoft.com/office/drawing/2017/decorative" val="1"/>
+                </a:ext>
+              </a:extLst>
+            </p:cNvPr>
+            <p:cNvSpPr/>
+            <p:nvPr>
+              <p:extLst>
+                <p:ext uri="{386F3935-93C4-4BCD-93E2-E3B085C9AB24}">
+                  <p16:designElem xmlns:p16="http://schemas.microsoft.com/office/powerpoint/2015/main" val="1"/>
+                </p:ext>
+              </p:extLst>
+            </p:nvPr>
+          </p:nvSpPr>
+          <p:spPr>
+            <a:xfrm>
+              <a:off x="10290315" y="0"/>
+              <a:ext cx="1130724" cy="565573"/>
+            </a:xfrm>
+            <a:custGeom>
+              <a:avLst/>
+              <a:gdLst>
+                <a:gd name="connsiteX0" fmla="*/ 21 w 1130724"/>
+                <a:gd name="connsiteY0" fmla="*/ 0 h 565573"/>
+                <a:gd name="connsiteX1" fmla="*/ 1130703 w 1130724"/>
+                <a:gd name="connsiteY1" fmla="*/ 0 h 565573"/>
+                <a:gd name="connsiteX2" fmla="*/ 1130724 w 1130724"/>
+                <a:gd name="connsiteY2" fmla="*/ 211 h 565573"/>
+                <a:gd name="connsiteX3" fmla="*/ 565362 w 1130724"/>
+                <a:gd name="connsiteY3" fmla="*/ 565573 h 565573"/>
+                <a:gd name="connsiteX4" fmla="*/ 0 w 1130724"/>
+                <a:gd name="connsiteY4" fmla="*/ 211 h 565573"/>
+              </a:gdLst>
+              <a:ahLst/>
+              <a:cxnLst>
+                <a:cxn ang="0">
+                  <a:pos x="connsiteX0" y="connsiteY0"/>
+                </a:cxn>
+                <a:cxn ang="0">
+                  <a:pos x="connsiteX1" y="connsiteY1"/>
+                </a:cxn>
+                <a:cxn ang="0">
+                  <a:pos x="connsiteX2" y="connsiteY2"/>
+                </a:cxn>
+                <a:cxn ang="0">
+                  <a:pos x="connsiteX3" y="connsiteY3"/>
+                </a:cxn>
+                <a:cxn ang="0">
+                  <a:pos x="connsiteX4" y="connsiteY4"/>
+                </a:cxn>
+              </a:cxnLst>
+              <a:rect l="l" t="t" r="r" b="b"/>
+              <a:pathLst>
+                <a:path w="1130724" h="565573">
+                  <a:moveTo>
+                    <a:pt x="21" y="0"/>
+                  </a:moveTo>
+                  <a:lnTo>
+                    <a:pt x="1130703" y="0"/>
+                  </a:lnTo>
+                  <a:lnTo>
+                    <a:pt x="1130724" y="211"/>
+                  </a:lnTo>
+                  <a:cubicBezTo>
+                    <a:pt x="1130724" y="312452"/>
+                    <a:pt x="877603" y="565573"/>
+                    <a:pt x="565362" y="565573"/>
+                  </a:cubicBezTo>
+                  <a:cubicBezTo>
+                    <a:pt x="253121" y="565573"/>
+                    <a:pt x="0" y="312452"/>
+                    <a:pt x="0" y="211"/>
+                  </a:cubicBezTo>
+                  <a:close/>
+                </a:path>
+              </a:pathLst>
+            </a:custGeom>
+            <a:solidFill>
+              <a:schemeClr val="bg2"/>
+            </a:solidFill>
+            <a:ln>
+              <a:noFill/>
+            </a:ln>
+          </p:spPr>
+          <p:style>
+            <a:lnRef idx="2">
+              <a:schemeClr val="accent1">
+                <a:shade val="50000"/>
+              </a:schemeClr>
+            </a:lnRef>
+            <a:fillRef idx="1">
+              <a:schemeClr val="accent1"/>
+            </a:fillRef>
+            <a:effectRef idx="0">
+              <a:schemeClr val="accent1"/>
+            </a:effectRef>
+            <a:fontRef idx="minor">
+              <a:schemeClr val="lt1"/>
+            </a:fontRef>
+          </p:style>
+          <p:txBody>
+            <a:bodyPr wrap="square" rtlCol="0" anchor="ctr">
+              <a:noAutofit/>
+            </a:bodyPr>
+            <a:lstStyle/>
+            <a:p>
+              <a:pPr algn="ctr"/>
+              <a:endParaRPr lang="en-US"/>
+            </a:p>
+          </p:txBody>
+        </p:sp>
+        <p:sp>
+          <p:nvSpPr>
+            <p:cNvPr id="50" name="Freeform 23">
+              <a:extLst>
+                <a:ext uri="{FF2B5EF4-FFF2-40B4-BE49-F238E27FC236}">
+                  <a16:creationId xmlns:a16="http://schemas.microsoft.com/office/drawing/2014/main" id="{6DBDC735-9A9C-6340-B1E4-3576B27EDDC1}"/>
+                </a:ext>
+                <a:ext uri="{C183D7F6-B498-43B3-948B-1728B52AA6E4}">
+                  <adec:decorative xmlns:adec="http://schemas.microsoft.com/office/drawing/2017/decorative" val="1"/>
+                </a:ext>
+              </a:extLst>
+            </p:cNvPr>
+            <p:cNvSpPr/>
+            <p:nvPr>
+              <p:extLst>
+                <p:ext uri="{386F3935-93C4-4BCD-93E2-E3B085C9AB24}">
+                  <p16:designElem xmlns:p16="http://schemas.microsoft.com/office/powerpoint/2015/main" val="1"/>
+                </p:ext>
+              </p:extLst>
+            </p:nvPr>
+          </p:nvSpPr>
+          <p:spPr>
+            <a:xfrm>
+              <a:off x="11653180" y="3552066"/>
+              <a:ext cx="538821" cy="1125373"/>
+            </a:xfrm>
+            <a:custGeom>
+              <a:avLst/>
+              <a:gdLst>
+                <a:gd name="connsiteX0" fmla="*/ 538821 w 538821"/>
+                <a:gd name="connsiteY0" fmla="*/ 0 h 1125373"/>
+                <a:gd name="connsiteX1" fmla="*/ 538821 w 538821"/>
+                <a:gd name="connsiteY1" fmla="*/ 1125373 h 1125373"/>
+                <a:gd name="connsiteX2" fmla="*/ 451422 w 538821"/>
+                <a:gd name="connsiteY2" fmla="*/ 1116562 h 1125373"/>
+                <a:gd name="connsiteX3" fmla="*/ 0 w 538821"/>
+                <a:gd name="connsiteY3" fmla="*/ 562686 h 1125373"/>
+                <a:gd name="connsiteX4" fmla="*/ 451422 w 538821"/>
+                <a:gd name="connsiteY4" fmla="*/ 8810 h 1125373"/>
+              </a:gdLst>
+              <a:ahLst/>
+              <a:cxnLst>
+                <a:cxn ang="0">
+                  <a:pos x="connsiteX0" y="connsiteY0"/>
+                </a:cxn>
+                <a:cxn ang="0">
+                  <a:pos x="connsiteX1" y="connsiteY1"/>
+                </a:cxn>
+                <a:cxn ang="0">
+                  <a:pos x="connsiteX2" y="connsiteY2"/>
+                </a:cxn>
+                <a:cxn ang="0">
+                  <a:pos x="connsiteX3" y="connsiteY3"/>
+                </a:cxn>
+                <a:cxn ang="0">
+                  <a:pos x="connsiteX4" y="connsiteY4"/>
+                </a:cxn>
+              </a:cxnLst>
+              <a:rect l="l" t="t" r="r" b="b"/>
+              <a:pathLst>
+                <a:path w="538821" h="1125373">
+                  <a:moveTo>
+                    <a:pt x="538821" y="0"/>
+                  </a:moveTo>
+                  <a:lnTo>
+                    <a:pt x="538821" y="1125373"/>
+                  </a:lnTo>
+                  <a:lnTo>
+                    <a:pt x="451422" y="1116562"/>
+                  </a:lnTo>
+                  <a:cubicBezTo>
+                    <a:pt x="193796" y="1063844"/>
+                    <a:pt x="0" y="835897"/>
+                    <a:pt x="0" y="562686"/>
+                  </a:cubicBezTo>
+                  <a:cubicBezTo>
+                    <a:pt x="0" y="289475"/>
+                    <a:pt x="193796" y="61528"/>
+                    <a:pt x="451422" y="8810"/>
+                  </a:cubicBezTo>
+                  <a:close/>
+                </a:path>
+              </a:pathLst>
+            </a:custGeom>
+            <a:solidFill>
+              <a:schemeClr val="bg2"/>
+            </a:solidFill>
+            <a:ln>
+              <a:noFill/>
+            </a:ln>
+          </p:spPr>
+          <p:style>
+            <a:lnRef idx="2">
+              <a:schemeClr val="accent1">
+                <a:shade val="50000"/>
+              </a:schemeClr>
+            </a:lnRef>
+            <a:fillRef idx="1">
+              <a:schemeClr val="accent1"/>
+            </a:fillRef>
+            <a:effectRef idx="0">
+              <a:schemeClr val="accent1"/>
+            </a:effectRef>
+            <a:fontRef idx="minor">
+              <a:schemeClr val="lt1"/>
+            </a:fontRef>
+          </p:style>
+          <p:txBody>
+            <a:bodyPr wrap="square" rtlCol="0" anchor="ctr">
+              <a:noAutofit/>
+            </a:bodyPr>
+            <a:lstStyle/>
+            <a:p>
+              <a:pPr algn="ctr"/>
+              <a:endParaRPr lang="en-US"/>
+            </a:p>
+          </p:txBody>
+        </p:sp>
+        <p:sp>
+          <p:nvSpPr>
+            <p:cNvPr id="51" name="Freeform 25">
+              <a:extLst>
+                <a:ext uri="{FF2B5EF4-FFF2-40B4-BE49-F238E27FC236}">
+                  <a16:creationId xmlns:a16="http://schemas.microsoft.com/office/drawing/2014/main" id="{E3F399C2-198A-1347-8B48-1B1D50805EFB}"/>
+                </a:ext>
+                <a:ext uri="{C183D7F6-B498-43B3-948B-1728B52AA6E4}">
+                  <adec:decorative xmlns:adec="http://schemas.microsoft.com/office/drawing/2017/decorative" val="1"/>
+                </a:ext>
+              </a:extLst>
+            </p:cNvPr>
+            <p:cNvSpPr/>
+            <p:nvPr>
+              <p:extLst>
+                <p:ext uri="{386F3935-93C4-4BCD-93E2-E3B085C9AB24}">
+                  <p16:designElem xmlns:p16="http://schemas.microsoft.com/office/powerpoint/2015/main" val="1"/>
+                </p:ext>
+              </p:extLst>
+            </p:nvPr>
+          </p:nvSpPr>
+          <p:spPr>
+            <a:xfrm>
+              <a:off x="11653180" y="809039"/>
+              <a:ext cx="538821" cy="1125373"/>
+            </a:xfrm>
+            <a:custGeom>
+              <a:avLst/>
+              <a:gdLst>
+                <a:gd name="connsiteX0" fmla="*/ 538821 w 538821"/>
+                <a:gd name="connsiteY0" fmla="*/ 0 h 1125373"/>
+                <a:gd name="connsiteX1" fmla="*/ 538821 w 538821"/>
+                <a:gd name="connsiteY1" fmla="*/ 1125373 h 1125373"/>
+                <a:gd name="connsiteX2" fmla="*/ 451422 w 538821"/>
+                <a:gd name="connsiteY2" fmla="*/ 1116562 h 1125373"/>
+                <a:gd name="connsiteX3" fmla="*/ 0 w 538821"/>
+                <a:gd name="connsiteY3" fmla="*/ 562686 h 1125373"/>
+                <a:gd name="connsiteX4" fmla="*/ 451422 w 538821"/>
+                <a:gd name="connsiteY4" fmla="*/ 8810 h 1125373"/>
+              </a:gdLst>
+              <a:ahLst/>
+              <a:cxnLst>
+                <a:cxn ang="0">
+                  <a:pos x="connsiteX0" y="connsiteY0"/>
+                </a:cxn>
+                <a:cxn ang="0">
+                  <a:pos x="connsiteX1" y="connsiteY1"/>
+                </a:cxn>
+                <a:cxn ang="0">
+                  <a:pos x="connsiteX2" y="connsiteY2"/>
+                </a:cxn>
+                <a:cxn ang="0">
+                  <a:pos x="connsiteX3" y="connsiteY3"/>
+                </a:cxn>
+                <a:cxn ang="0">
+                  <a:pos x="connsiteX4" y="connsiteY4"/>
+                </a:cxn>
+              </a:cxnLst>
+              <a:rect l="l" t="t" r="r" b="b"/>
+              <a:pathLst>
+                <a:path w="538821" h="1125373">
+                  <a:moveTo>
+                    <a:pt x="538821" y="0"/>
+                  </a:moveTo>
+                  <a:lnTo>
+                    <a:pt x="538821" y="1125373"/>
+                  </a:lnTo>
+                  <a:lnTo>
+                    <a:pt x="451422" y="1116562"/>
+                  </a:lnTo>
+                  <a:cubicBezTo>
+                    <a:pt x="193796" y="1063844"/>
+                    <a:pt x="0" y="835897"/>
+                    <a:pt x="0" y="562686"/>
+                  </a:cubicBezTo>
+                  <a:cubicBezTo>
+                    <a:pt x="0" y="289475"/>
+                    <a:pt x="193796" y="61528"/>
+                    <a:pt x="451422" y="8810"/>
+                  </a:cubicBezTo>
+                  <a:close/>
+                </a:path>
+              </a:pathLst>
+            </a:custGeom>
+            <a:solidFill>
+              <a:schemeClr val="accent1"/>
+            </a:solidFill>
+            <a:ln>
+              <a:noFill/>
+            </a:ln>
+          </p:spPr>
+          <p:style>
+            <a:lnRef idx="2">
+              <a:schemeClr val="accent1">
+                <a:shade val="50000"/>
+              </a:schemeClr>
+            </a:lnRef>
+            <a:fillRef idx="1">
+              <a:schemeClr val="accent1"/>
+            </a:fillRef>
+            <a:effectRef idx="0">
+              <a:schemeClr val="accent1"/>
+            </a:effectRef>
+            <a:fontRef idx="minor">
+              <a:schemeClr val="lt1"/>
+            </a:fontRef>
+          </p:style>
+          <p:txBody>
+            <a:bodyPr wrap="square" rtlCol="0" anchor="ctr">
+              <a:noAutofit/>
+            </a:bodyPr>
+            <a:lstStyle/>
+            <a:p>
+              <a:pPr algn="ctr"/>
+              <a:endParaRPr lang="en-US"/>
+            </a:p>
+          </p:txBody>
+        </p:sp>
+        <p:sp>
+          <p:nvSpPr>
+            <p:cNvPr id="52" name="Freeform 26">
+              <a:extLst>
+                <a:ext uri="{FF2B5EF4-FFF2-40B4-BE49-F238E27FC236}">
+                  <a16:creationId xmlns:a16="http://schemas.microsoft.com/office/drawing/2014/main" id="{4AB3593B-CA05-1845-839E-90B9B70ECE96}"/>
+                </a:ext>
+                <a:ext uri="{C183D7F6-B498-43B3-948B-1728B52AA6E4}">
+                  <adec:decorative xmlns:adec="http://schemas.microsoft.com/office/drawing/2017/decorative" val="1"/>
+                </a:ext>
+              </a:extLst>
+            </p:cNvPr>
+            <p:cNvSpPr/>
+            <p:nvPr>
+              <p:extLst>
+                <p:ext uri="{386F3935-93C4-4BCD-93E2-E3B085C9AB24}">
+                  <p16:designElem xmlns:p16="http://schemas.microsoft.com/office/powerpoint/2015/main" val="1"/>
+                </p:ext>
+              </p:extLst>
+            </p:nvPr>
+          </p:nvSpPr>
+          <p:spPr>
+            <a:xfrm>
+              <a:off x="11653180" y="0"/>
+              <a:ext cx="538821" cy="562898"/>
+            </a:xfrm>
+            <a:custGeom>
+              <a:avLst/>
+              <a:gdLst>
+                <a:gd name="connsiteX0" fmla="*/ 21 w 538821"/>
+                <a:gd name="connsiteY0" fmla="*/ 0 h 562898"/>
+                <a:gd name="connsiteX1" fmla="*/ 538821 w 538821"/>
+                <a:gd name="connsiteY1" fmla="*/ 0 h 562898"/>
+                <a:gd name="connsiteX2" fmla="*/ 538821 w 538821"/>
+                <a:gd name="connsiteY2" fmla="*/ 562898 h 562898"/>
+                <a:gd name="connsiteX3" fmla="*/ 451422 w 538821"/>
+                <a:gd name="connsiteY3" fmla="*/ 554087 h 562898"/>
+                <a:gd name="connsiteX4" fmla="*/ 0 w 538821"/>
+                <a:gd name="connsiteY4" fmla="*/ 211 h 562898"/>
+              </a:gdLst>
+              <a:ahLst/>
+              <a:cxnLst>
+                <a:cxn ang="0">
+                  <a:pos x="connsiteX0" y="connsiteY0"/>
+                </a:cxn>
+                <a:cxn ang="0">
+                  <a:pos x="connsiteX1" y="connsiteY1"/>
+                </a:cxn>
+                <a:cxn ang="0">
+                  <a:pos x="connsiteX2" y="connsiteY2"/>
+                </a:cxn>
+                <a:cxn ang="0">
+                  <a:pos x="connsiteX3" y="connsiteY3"/>
+                </a:cxn>
+                <a:cxn ang="0">
+                  <a:pos x="connsiteX4" y="connsiteY4"/>
+                </a:cxn>
+              </a:cxnLst>
+              <a:rect l="l" t="t" r="r" b="b"/>
+              <a:pathLst>
+                <a:path w="538821" h="562898">
+                  <a:moveTo>
+                    <a:pt x="21" y="0"/>
+                  </a:moveTo>
+                  <a:lnTo>
+                    <a:pt x="538821" y="0"/>
+                  </a:lnTo>
+                  <a:lnTo>
+                    <a:pt x="538821" y="562898"/>
+                  </a:lnTo>
+                  <a:lnTo>
+                    <a:pt x="451422" y="554087"/>
+                  </a:lnTo>
+                  <a:cubicBezTo>
+                    <a:pt x="193796" y="501369"/>
+                    <a:pt x="0" y="273422"/>
+                    <a:pt x="0" y="211"/>
+                  </a:cubicBezTo>
+                  <a:close/>
+                </a:path>
+              </a:pathLst>
+            </a:custGeom>
+            <a:solidFill>
+              <a:schemeClr val="bg2"/>
+            </a:solidFill>
+            <a:ln>
+              <a:noFill/>
+            </a:ln>
+          </p:spPr>
+          <p:style>
+            <a:lnRef idx="2">
+              <a:schemeClr val="accent1">
+                <a:shade val="50000"/>
+              </a:schemeClr>
+            </a:lnRef>
+            <a:fillRef idx="1">
+              <a:schemeClr val="accent1"/>
+            </a:fillRef>
+            <a:effectRef idx="0">
+              <a:schemeClr val="accent1"/>
+            </a:effectRef>
+            <a:fontRef idx="minor">
+              <a:schemeClr val="lt1"/>
+            </a:fontRef>
+          </p:style>
+          <p:txBody>
+            <a:bodyPr wrap="square" rtlCol="0" anchor="ctr">
+              <a:noAutofit/>
+            </a:bodyPr>
+            <a:lstStyle/>
+            <a:p>
+              <a:pPr algn="ctr"/>
+              <a:endParaRPr lang="en-US"/>
+            </a:p>
+          </p:txBody>
+        </p:sp>
+      </p:grpSp>
+      <p:pic>
+        <p:nvPicPr>
+          <p:cNvPr id="8" name="Picture 7" descr="A computer screen shot of text&#10;&#10;Description automatically generated">
+            <a:extLst>
+              <a:ext uri="{FF2B5EF4-FFF2-40B4-BE49-F238E27FC236}">
+                <a16:creationId xmlns:a16="http://schemas.microsoft.com/office/drawing/2014/main" id="{EC9C75CA-C9A7-BBAF-42A5-CCDF458DB54A}"/>
+              </a:ext>
+            </a:extLst>
+          </p:cNvPr>
+          <p:cNvPicPr>
+            <a:picLocks noChangeAspect="1"/>
+          </p:cNvPicPr>
+          <p:nvPr/>
+        </p:nvPicPr>
+        <p:blipFill>
+          <a:blip r:embed="rId3"/>
+          <a:stretch>
+            <a:fillRect/>
+          </a:stretch>
+        </p:blipFill>
+        <p:spPr>
+          <a:xfrm>
+            <a:off x="8799882" y="1042063"/>
+            <a:ext cx="2738997" cy="1910450"/>
+          </a:xfrm>
+          <a:prstGeom prst="rect">
+            <a:avLst/>
+          </a:prstGeom>
+        </p:spPr>
+      </p:pic>
+      <p:cxnSp>
+        <p:nvCxnSpPr>
+          <p:cNvPr id="54" name="Straight Connector 53">
+            <a:extLst>
+              <a:ext uri="{FF2B5EF4-FFF2-40B4-BE49-F238E27FC236}">
+                <a16:creationId xmlns:a16="http://schemas.microsoft.com/office/drawing/2014/main" id="{BF3CF3DF-4809-5B42-9F22-981391379297}"/>
+              </a:ext>
+              <a:ext uri="{C183D7F6-B498-43B3-948B-1728B52AA6E4}">
+                <adec:decorative xmlns:adec="http://schemas.microsoft.com/office/drawing/2017/decorative" val="1"/>
+              </a:ext>
+            </a:extLst>
+          </p:cNvPr>
+          <p:cNvCxnSpPr>
+            <a:cxnSpLocks noGrp="1" noRot="1" noChangeAspect="1" noMove="1" noResize="1" noEditPoints="1" noAdjustHandles="1" noChangeArrowheads="1" noChangeShapeType="1"/>
+          </p:cNvCxnSpPr>
+          <p:nvPr>
+            <p:extLst>
+              <p:ext uri="{386F3935-93C4-4BCD-93E2-E3B085C9AB24}">
+                <p16:designElem xmlns:p16="http://schemas.microsoft.com/office/powerpoint/2015/main" val="1"/>
+              </p:ext>
+            </p:extLst>
+          </p:nvPr>
+        </p:nvCxnSpPr>
+        <p:spPr>
+          <a:xfrm>
+            <a:off x="565150" y="6087110"/>
+            <a:ext cx="7668997" cy="0"/>
+          </a:xfrm>
+          <a:prstGeom prst="line">
+            <a:avLst/>
+          </a:prstGeom>
+          <a:ln w="12700">
+            <a:solidFill>
+              <a:schemeClr val="bg1">
+                <a:lumMod val="65000"/>
+              </a:schemeClr>
+            </a:solidFill>
+          </a:ln>
+        </p:spPr>
+        <p:style>
+          <a:lnRef idx="1">
+            <a:schemeClr val="accent1"/>
+          </a:lnRef>
+          <a:fillRef idx="0">
+            <a:schemeClr val="accent1"/>
+          </a:fillRef>
+          <a:effectRef idx="0">
+            <a:schemeClr val="accent1"/>
+          </a:effectRef>
+          <a:fontRef idx="minor">
+            <a:schemeClr val="tx1"/>
+          </a:fontRef>
+        </p:style>
+      </p:cxnSp>
+      <p:pic>
+        <p:nvPicPr>
+          <p:cNvPr id="5" name="Picture 4" descr="A screen shot of a computer program&#10;&#10;Description automatically generated">
+            <a:extLst>
+              <a:ext uri="{FF2B5EF4-FFF2-40B4-BE49-F238E27FC236}">
+                <a16:creationId xmlns:a16="http://schemas.microsoft.com/office/drawing/2014/main" id="{8B977A33-97CD-AF41-3EF1-DB7EE00AD5BB}"/>
+              </a:ext>
+            </a:extLst>
+          </p:cNvPr>
+          <p:cNvPicPr>
+            <a:picLocks noChangeAspect="1"/>
+          </p:cNvPicPr>
+          <p:nvPr/>
+        </p:nvPicPr>
+        <p:blipFill>
+          <a:blip r:embed="rId4"/>
+          <a:stretch>
+            <a:fillRect/>
+          </a:stretch>
+        </p:blipFill>
+        <p:spPr>
+          <a:xfrm>
+            <a:off x="9269017" y="3545072"/>
+            <a:ext cx="1801424" cy="2633472"/>
+          </a:xfrm>
+          <a:prstGeom prst="rect">
+            <a:avLst/>
+          </a:prstGeom>
+        </p:spPr>
+      </p:pic>
+    </p:spTree>
+    <p:extLst>
+      <p:ext uri="{BB962C8B-B14F-4D97-AF65-F5344CB8AC3E}">
+        <p14:creationId xmlns:p14="http://schemas.microsoft.com/office/powerpoint/2010/main" val="3731556372"/>
+      </p:ext>
+    </p:extLst>
+  </p:cSld>
+  <p:clrMapOvr>
+    <a:masterClrMapping/>
+  </p:clrMapOvr>
+</p:sld>
+</file>
+
+<file path=ppt/slides/slide2.xml><?xml version="1.0" encoding="utf-8"?>
+<p:sld xmlns:a="http://schemas.openxmlformats.org/drawingml/2006/main" xmlns:r="http://schemas.openxmlformats.org/officeDocument/2006/relationships" xmlns:p="http://schemas.openxmlformats.org/presentationml/2006/main">
+  <p:cSld>
+    <p:spTree>
+      <p:nvGrpSpPr>
+        <p:cNvPr id="1" name=""/>
+        <p:cNvGrpSpPr/>
+        <p:nvPr/>
+      </p:nvGrpSpPr>
+      <p:grpSpPr>
+        <a:xfrm>
+          <a:off x="0" y="0"/>
+          <a:ext cx="0" cy="0"/>
+          <a:chOff x="0" y="0"/>
+          <a:chExt cx="0" cy="0"/>
+        </a:xfrm>
+      </p:grpSpPr>
+      <p:sp>
+        <p:nvSpPr>
+          <p:cNvPr id="2" name="Title 1">
+            <a:extLst>
+              <a:ext uri="{FF2B5EF4-FFF2-40B4-BE49-F238E27FC236}">
+                <a16:creationId xmlns:a16="http://schemas.microsoft.com/office/drawing/2014/main" id="{88438F20-95BD-6D47-99CB-4CFB5A9FF6C3}"/>
+              </a:ext>
+            </a:extLst>
+          </p:cNvPr>
+          <p:cNvSpPr>
+            <a:spLocks noGrp="1"/>
+          </p:cNvSpPr>
+          <p:nvPr>
+            <p:ph type="title"/>
+          </p:nvPr>
+        </p:nvSpPr>
+        <p:spPr/>
+        <p:txBody>
+          <a:bodyPr/>
+          <a:lstStyle/>
+          <a:p>
+            <a:r>
+              <a:rPr lang="en-US" dirty="0"/>
+              <a:t>Team Members</a:t>
+            </a:r>
+          </a:p>
+        </p:txBody>
+      </p:sp>
+      <p:sp>
+        <p:nvSpPr>
+          <p:cNvPr id="3" name="Content Placeholder 2">
+            <a:extLst>
+              <a:ext uri="{FF2B5EF4-FFF2-40B4-BE49-F238E27FC236}">
+                <a16:creationId xmlns:a16="http://schemas.microsoft.com/office/drawing/2014/main" id="{CB9A4BF6-08F7-F9F2-C795-8A8B0DA20FE3}"/>
+              </a:ext>
+            </a:extLst>
+          </p:cNvPr>
+          <p:cNvSpPr>
+            <a:spLocks noGrp="1"/>
+          </p:cNvSpPr>
+          <p:nvPr>
+            <p:ph idx="1"/>
+          </p:nvPr>
+        </p:nvSpPr>
+        <p:spPr/>
+        <p:txBody>
+          <a:bodyPr/>
+          <a:lstStyle/>
+          <a:p>
+            <a:r>
+              <a:rPr lang="en-US" dirty="0"/>
+              <a:t>Abhishek Ramchandani</a:t>
+            </a:r>
+          </a:p>
+          <a:p>
+            <a:r>
+              <a:rPr lang="en-US" dirty="0"/>
+              <a:t>Himanshu Walia</a:t>
+            </a:r>
+          </a:p>
+          <a:p>
+            <a:r>
+              <a:rPr lang="en-US" dirty="0"/>
+              <a:t>Raksha Israni</a:t>
+            </a:r>
+          </a:p>
+          <a:p>
+            <a:r>
+              <a:rPr lang="en-US" dirty="0" err="1"/>
+              <a:t>Sunayana</a:t>
+            </a:r>
+            <a:r>
+              <a:rPr lang="en-US" dirty="0"/>
+              <a:t> Shivani</a:t>
+            </a:r>
+          </a:p>
+          <a:p>
+            <a:r>
+              <a:rPr lang="en-US" dirty="0"/>
+              <a:t>Vignesh Perumal</a:t>
+            </a:r>
+          </a:p>
+        </p:txBody>
+      </p:sp>
+    </p:spTree>
+    <p:extLst>
+      <p:ext uri="{BB962C8B-B14F-4D97-AF65-F5344CB8AC3E}">
+        <p14:creationId xmlns:p14="http://schemas.microsoft.com/office/powerpoint/2010/main" val="3593171228"/>
+      </p:ext>
+    </p:extLst>
+  </p:cSld>
+  <p:clrMapOvr>
+    <a:masterClrMapping/>
+  </p:clrMapOvr>
+</p:sld>
+</file>
+
+<file path=ppt/slides/slide3.xml><?xml version="1.0" encoding="utf-8"?>
+<p:sld xmlns:a="http://schemas.openxmlformats.org/drawingml/2006/main" xmlns:r="http://schemas.openxmlformats.org/officeDocument/2006/relationships" xmlns:p="http://schemas.openxmlformats.org/presentationml/2006/main">
+  <p:cSld>
+    <p:spTree>
+      <p:nvGrpSpPr>
+        <p:cNvPr id="1" name=""/>
+        <p:cNvGrpSpPr/>
+        <p:nvPr/>
+      </p:nvGrpSpPr>
+      <p:grpSpPr>
+        <a:xfrm>
+          <a:off x="0" y="0"/>
+          <a:ext cx="0" cy="0"/>
+          <a:chOff x="0" y="0"/>
+          <a:chExt cx="0" cy="0"/>
+        </a:xfrm>
+      </p:grpSpPr>
+      <p:pic>
+        <p:nvPicPr>
+          <p:cNvPr id="4" name="Picture 3" descr="A screenshot of a login screen&#10;&#10;Description automatically generated">
+            <a:extLst>
+              <a:ext uri="{FF2B5EF4-FFF2-40B4-BE49-F238E27FC236}">
+                <a16:creationId xmlns:a16="http://schemas.microsoft.com/office/drawing/2014/main" id="{A38E40E5-E147-36BE-90B0-544179253E59}"/>
+              </a:ext>
+            </a:extLst>
+          </p:cNvPr>
+          <p:cNvPicPr>
+            <a:picLocks noChangeAspect="1"/>
+          </p:cNvPicPr>
+          <p:nvPr/>
+        </p:nvPicPr>
+        <p:blipFill>
+          <a:blip r:embed="rId2"/>
+          <a:stretch>
+            <a:fillRect/>
+          </a:stretch>
+        </p:blipFill>
+        <p:spPr>
+          <a:xfrm>
+            <a:off x="565150" y="1691640"/>
+            <a:ext cx="7772400" cy="3672459"/>
+          </a:xfrm>
+          <a:prstGeom prst="rect">
+            <a:avLst/>
+          </a:prstGeom>
+        </p:spPr>
+      </p:pic>
+    </p:spTree>
+    <p:extLst>
+      <p:ext uri="{BB962C8B-B14F-4D97-AF65-F5344CB8AC3E}">
+        <p14:creationId xmlns:p14="http://schemas.microsoft.com/office/powerpoint/2010/main" val="3755739523"/>
+      </p:ext>
+    </p:extLst>
+  </p:cSld>
+  <p:clrMapOvr>
+    <a:masterClrMapping/>
+  </p:clrMapOvr>
+</p:sld>
+</file>
+
+<file path=ppt/slides/slide4.xml><?xml version="1.0" encoding="utf-8"?>
+<p:sld xmlns:a="http://schemas.openxmlformats.org/drawingml/2006/main" xmlns:r="http://schemas.openxmlformats.org/officeDocument/2006/relationships" xmlns:p="http://schemas.openxmlformats.org/presentationml/2006/main">
+  <p:cSld>
+    <p:bg>
+      <p:bgPr>
+        <a:solidFill>
+          <a:schemeClr val="bg1"/>
+        </a:solidFill>
+        <a:effectLst/>
+      </p:bgPr>
+    </p:bg>
+    <p:spTree>
+      <p:nvGrpSpPr>
+        <p:cNvPr id="1" name=""/>
+        <p:cNvGrpSpPr/>
+        <p:nvPr/>
+      </p:nvGrpSpPr>
+      <p:grpSpPr>
+        <a:xfrm>
+          <a:off x="0" y="0"/>
+          <a:ext cx="0" cy="0"/>
+          <a:chOff x="0" y="0"/>
+          <a:chExt cx="0" cy="0"/>
+        </a:xfrm>
+      </p:grpSpPr>
+      <p:sp useBgFill="1">
+        <p:nvSpPr>
+          <p:cNvPr id="33" name="Rectangle 22">
+            <a:extLst>
+              <a:ext uri="{FF2B5EF4-FFF2-40B4-BE49-F238E27FC236}">
+                <a16:creationId xmlns:a16="http://schemas.microsoft.com/office/drawing/2014/main" id="{4EFE82FE-7465-AE46-88DF-34D347E83B84}"/>
+              </a:ext>
+              <a:ext uri="{C183D7F6-B498-43B3-948B-1728B52AA6E4}">
+                <adec:decorative xmlns:adec="http://schemas.microsoft.com/office/drawing/2017/decorative" val="1"/>
+              </a:ext>
+            </a:extLst>
+          </p:cNvPr>
+          <p:cNvSpPr>
+            <a:spLocks noGrp="1" noRot="1" noChangeAspect="1" noMove="1" noResize="1" noEditPoints="1" noAdjustHandles="1" noChangeArrowheads="1" noChangeShapeType="1" noTextEdit="1"/>
+          </p:cNvSpPr>
+          <p:nvPr>
+            <p:extLst>
+              <p:ext uri="{386F3935-93C4-4BCD-93E2-E3B085C9AB24}">
+                <p16:designElem xmlns:p16="http://schemas.microsoft.com/office/powerpoint/2015/main" val="1"/>
+              </p:ext>
+            </p:extLst>
+          </p:nvPr>
+        </p:nvSpPr>
+        <p:spPr>
+          <a:xfrm>
+            <a:off x="0" y="0"/>
+            <a:ext cx="12192000" cy="6858000"/>
+          </a:xfrm>
+          <a:prstGeom prst="rect">
+            <a:avLst/>
+          </a:prstGeom>
+          <a:ln>
+            <a:noFill/>
+          </a:ln>
+        </p:spPr>
+        <p:style>
+          <a:lnRef idx="2">
+            <a:schemeClr val="accent1">
+              <a:shade val="50000"/>
+            </a:schemeClr>
+          </a:lnRef>
+          <a:fillRef idx="1">
+            <a:schemeClr val="accent1"/>
+          </a:fillRef>
+          <a:effectRef idx="0">
+            <a:schemeClr val="accent1"/>
+          </a:effectRef>
+          <a:fontRef idx="minor">
+            <a:schemeClr val="lt1"/>
+          </a:fontRef>
+        </p:style>
+        <p:txBody>
+          <a:bodyPr rtlCol="0" anchor="ctr"/>
+          <a:lstStyle/>
+          <a:p>
+            <a:pPr algn="ctr"/>
+            <a:endParaRPr lang="en-US"/>
+          </a:p>
+        </p:txBody>
+      </p:sp>
+      <p:sp>
+        <p:nvSpPr>
+          <p:cNvPr id="2" name="Title 1">
+            <a:extLst>
+              <a:ext uri="{FF2B5EF4-FFF2-40B4-BE49-F238E27FC236}">
+                <a16:creationId xmlns:a16="http://schemas.microsoft.com/office/drawing/2014/main" id="{C95E8389-3CE3-94C8-CA64-5BC9101DAE1A}"/>
+              </a:ext>
+            </a:extLst>
+          </p:cNvPr>
+          <p:cNvSpPr>
+            <a:spLocks noGrp="1"/>
+          </p:cNvSpPr>
+          <p:nvPr>
+            <p:ph type="title"/>
+          </p:nvPr>
+        </p:nvSpPr>
+        <p:spPr>
+          <a:xfrm>
+            <a:off x="565150" y="770890"/>
+            <a:ext cx="6400999" cy="1268984"/>
+          </a:xfrm>
+        </p:spPr>
+        <p:txBody>
+          <a:bodyPr>
+            <a:normAutofit/>
+          </a:bodyPr>
+          <a:lstStyle/>
+          <a:p>
+            <a:r>
+              <a:rPr lang="en-US" sz="3700"/>
+              <a:t>Let’s go through the features in the application</a:t>
+            </a:r>
+          </a:p>
+        </p:txBody>
+      </p:sp>
+      <p:sp>
+        <p:nvSpPr>
+          <p:cNvPr id="3" name="Content Placeholder 2">
+            <a:extLst>
+              <a:ext uri="{FF2B5EF4-FFF2-40B4-BE49-F238E27FC236}">
+                <a16:creationId xmlns:a16="http://schemas.microsoft.com/office/drawing/2014/main" id="{9D051EC4-97E9-A826-6156-E0FEBDF30EC1}"/>
+              </a:ext>
+            </a:extLst>
+          </p:cNvPr>
+          <p:cNvSpPr>
+            <a:spLocks noGrp="1"/>
+          </p:cNvSpPr>
+          <p:nvPr>
+            <p:ph idx="1"/>
+          </p:nvPr>
+        </p:nvSpPr>
+        <p:spPr>
+          <a:xfrm>
+            <a:off x="565150" y="2160016"/>
+            <a:ext cx="6400999" cy="3601212"/>
+          </a:xfrm>
+        </p:spPr>
+        <p:txBody>
+          <a:bodyPr>
+            <a:normAutofit/>
+          </a:bodyPr>
+          <a:lstStyle/>
+          <a:p>
+            <a:pPr marL="0" indent="0">
+              <a:buNone/>
+            </a:pPr>
+            <a:r>
+              <a:rPr lang="en-US" dirty="0"/>
+              <a:t>The applications comes with 4 major features </a:t>
+            </a:r>
+          </a:p>
+          <a:p>
+            <a:pPr marL="0" indent="0">
+              <a:buNone/>
+            </a:pPr>
+            <a:r>
+              <a:rPr lang="en-US" dirty="0"/>
+              <a:t>	1. Exercises tutorial 	</a:t>
+            </a:r>
+          </a:p>
+          <a:p>
+            <a:pPr marL="0" indent="0">
+              <a:buNone/>
+            </a:pPr>
+            <a:r>
+              <a:rPr lang="en-US" dirty="0"/>
+              <a:t>	2. Meal and workout plan generator</a:t>
+            </a:r>
+          </a:p>
+          <a:p>
+            <a:pPr marL="0" indent="0">
+              <a:buNone/>
+            </a:pPr>
+            <a:r>
+              <a:rPr lang="en-US" dirty="0"/>
+              <a:t>	3. Progress Record Feature</a:t>
+            </a:r>
+          </a:p>
+          <a:p>
+            <a:pPr marL="0" indent="0">
+              <a:buNone/>
+            </a:pPr>
+            <a:r>
+              <a:rPr lang="en-US" dirty="0"/>
+              <a:t>	4. Progress Tracker</a:t>
+            </a:r>
+          </a:p>
+          <a:p>
+            <a:pPr marL="0" indent="0">
+              <a:buNone/>
+            </a:pPr>
+            <a:endParaRPr lang="en-US" dirty="0"/>
+          </a:p>
+        </p:txBody>
+      </p:sp>
+      <p:grpSp>
+        <p:nvGrpSpPr>
+          <p:cNvPr id="34" name="Group 24">
+            <a:extLst>
+              <a:ext uri="{FF2B5EF4-FFF2-40B4-BE49-F238E27FC236}">
+                <a16:creationId xmlns:a16="http://schemas.microsoft.com/office/drawing/2014/main" id="{1B5E71B3-7269-894E-A00B-31D341365FC9}"/>
+              </a:ext>
+              <a:ext uri="{C183D7F6-B498-43B3-948B-1728B52AA6E4}">
+                <adec:decorative xmlns:adec="http://schemas.microsoft.com/office/drawing/2017/decorative" val="1"/>
+              </a:ext>
+            </a:extLst>
+          </p:cNvPr>
+          <p:cNvGrpSpPr>
+            <a:grpSpLocks noGrp="1" noUngrp="1" noRot="1" noChangeAspect="1" noMove="1" noResize="1"/>
+          </p:cNvGrpSpPr>
+          <p:nvPr>
+            <p:extLst>
+              <p:ext uri="{386F3935-93C4-4BCD-93E2-E3B085C9AB24}">
+                <p16:designElem xmlns:p16="http://schemas.microsoft.com/office/powerpoint/2015/main" val="1"/>
+              </p:ext>
+            </p:extLst>
+          </p:nvPr>
+        </p:nvGrpSpPr>
+        <p:grpSpPr>
+          <a:xfrm>
+            <a:off x="10290315" y="0"/>
+            <a:ext cx="1901686" cy="4677439"/>
+            <a:chOff x="10290315" y="0"/>
+            <a:chExt cx="1901686" cy="4677439"/>
+          </a:xfrm>
+        </p:grpSpPr>
+        <p:sp>
+          <p:nvSpPr>
+            <p:cNvPr id="35" name="Freeform 85">
+              <a:extLst>
+                <a:ext uri="{FF2B5EF4-FFF2-40B4-BE49-F238E27FC236}">
+                  <a16:creationId xmlns:a16="http://schemas.microsoft.com/office/drawing/2014/main" id="{FFFA3A20-1539-CC4A-9BE1-7415FE5A98C6}"/>
+                </a:ext>
+                <a:ext uri="{C183D7F6-B498-43B3-948B-1728B52AA6E4}">
+                  <adec:decorative xmlns:adec="http://schemas.microsoft.com/office/drawing/2017/decorative" val="1"/>
+                </a:ext>
+              </a:extLst>
+            </p:cNvPr>
+            <p:cNvSpPr/>
+            <p:nvPr>
+              <p:extLst>
+                <p:ext uri="{386F3935-93C4-4BCD-93E2-E3B085C9AB24}">
+                  <p16:designElem xmlns:p16="http://schemas.microsoft.com/office/powerpoint/2015/main" val="1"/>
+                </p:ext>
+              </p:extLst>
+            </p:nvPr>
+          </p:nvSpPr>
+          <p:spPr>
+            <a:xfrm>
+              <a:off x="10290315" y="0"/>
+              <a:ext cx="1130724" cy="565573"/>
+            </a:xfrm>
+            <a:custGeom>
+              <a:avLst/>
+              <a:gdLst>
+                <a:gd name="connsiteX0" fmla="*/ 21 w 1130724"/>
+                <a:gd name="connsiteY0" fmla="*/ 0 h 565573"/>
+                <a:gd name="connsiteX1" fmla="*/ 1130703 w 1130724"/>
+                <a:gd name="connsiteY1" fmla="*/ 0 h 565573"/>
+                <a:gd name="connsiteX2" fmla="*/ 1130724 w 1130724"/>
+                <a:gd name="connsiteY2" fmla="*/ 211 h 565573"/>
+                <a:gd name="connsiteX3" fmla="*/ 565362 w 1130724"/>
+                <a:gd name="connsiteY3" fmla="*/ 565573 h 565573"/>
+                <a:gd name="connsiteX4" fmla="*/ 0 w 1130724"/>
+                <a:gd name="connsiteY4" fmla="*/ 211 h 565573"/>
+              </a:gdLst>
+              <a:ahLst/>
+              <a:cxnLst>
+                <a:cxn ang="0">
+                  <a:pos x="connsiteX0" y="connsiteY0"/>
+                </a:cxn>
+                <a:cxn ang="0">
+                  <a:pos x="connsiteX1" y="connsiteY1"/>
+                </a:cxn>
+                <a:cxn ang="0">
+                  <a:pos x="connsiteX2" y="connsiteY2"/>
+                </a:cxn>
+                <a:cxn ang="0">
+                  <a:pos x="connsiteX3" y="connsiteY3"/>
+                </a:cxn>
+                <a:cxn ang="0">
+                  <a:pos x="connsiteX4" y="connsiteY4"/>
+                </a:cxn>
+              </a:cxnLst>
+              <a:rect l="l" t="t" r="r" b="b"/>
+              <a:pathLst>
+                <a:path w="1130724" h="565573">
+                  <a:moveTo>
+                    <a:pt x="21" y="0"/>
+                  </a:moveTo>
+                  <a:lnTo>
+                    <a:pt x="1130703" y="0"/>
+                  </a:lnTo>
+                  <a:lnTo>
+                    <a:pt x="1130724" y="211"/>
+                  </a:lnTo>
+                  <a:cubicBezTo>
+                    <a:pt x="1130724" y="312452"/>
+                    <a:pt x="877603" y="565573"/>
+                    <a:pt x="565362" y="565573"/>
+                  </a:cubicBezTo>
+                  <a:cubicBezTo>
+                    <a:pt x="253121" y="565573"/>
+                    <a:pt x="0" y="312452"/>
+                    <a:pt x="0" y="211"/>
+                  </a:cubicBezTo>
+                  <a:close/>
+                </a:path>
+              </a:pathLst>
+            </a:custGeom>
+            <a:solidFill>
+              <a:schemeClr val="bg2"/>
+            </a:solidFill>
+            <a:ln>
+              <a:noFill/>
+            </a:ln>
+          </p:spPr>
+          <p:style>
+            <a:lnRef idx="2">
+              <a:schemeClr val="accent1">
+                <a:shade val="50000"/>
+              </a:schemeClr>
+            </a:lnRef>
+            <a:fillRef idx="1">
+              <a:schemeClr val="accent1"/>
+            </a:fillRef>
+            <a:effectRef idx="0">
+              <a:schemeClr val="accent1"/>
+            </a:effectRef>
+            <a:fontRef idx="minor">
+              <a:schemeClr val="lt1"/>
+            </a:fontRef>
+          </p:style>
+          <p:txBody>
+            <a:bodyPr wrap="square" rtlCol="0" anchor="ctr">
+              <a:noAutofit/>
+            </a:bodyPr>
+            <a:lstStyle/>
+            <a:p>
+              <a:pPr algn="ctr"/>
+              <a:endParaRPr lang="en-US"/>
+            </a:p>
+          </p:txBody>
+        </p:sp>
+        <p:sp>
+          <p:nvSpPr>
+            <p:cNvPr id="36" name="Freeform 87">
+              <a:extLst>
+                <a:ext uri="{FF2B5EF4-FFF2-40B4-BE49-F238E27FC236}">
+                  <a16:creationId xmlns:a16="http://schemas.microsoft.com/office/drawing/2014/main" id="{44EBCCFB-8EAB-2442-8E02-293F08D50B5C}"/>
+                </a:ext>
+                <a:ext uri="{C183D7F6-B498-43B3-948B-1728B52AA6E4}">
+                  <adec:decorative xmlns:adec="http://schemas.microsoft.com/office/drawing/2017/decorative" val="1"/>
+                </a:ext>
+              </a:extLst>
+            </p:cNvPr>
+            <p:cNvSpPr/>
+            <p:nvPr>
+              <p:extLst>
+                <p:ext uri="{386F3935-93C4-4BCD-93E2-E3B085C9AB24}">
+                  <p16:designElem xmlns:p16="http://schemas.microsoft.com/office/powerpoint/2015/main" val="1"/>
+                </p:ext>
+              </p:extLst>
+            </p:nvPr>
+          </p:nvSpPr>
+          <p:spPr>
+            <a:xfrm>
+              <a:off x="11653180" y="3552066"/>
+              <a:ext cx="538821" cy="1125373"/>
+            </a:xfrm>
+            <a:custGeom>
+              <a:avLst/>
+              <a:gdLst>
+                <a:gd name="connsiteX0" fmla="*/ 538821 w 538821"/>
+                <a:gd name="connsiteY0" fmla="*/ 0 h 1125373"/>
+                <a:gd name="connsiteX1" fmla="*/ 538821 w 538821"/>
+                <a:gd name="connsiteY1" fmla="*/ 1125373 h 1125373"/>
+                <a:gd name="connsiteX2" fmla="*/ 451422 w 538821"/>
+                <a:gd name="connsiteY2" fmla="*/ 1116562 h 1125373"/>
+                <a:gd name="connsiteX3" fmla="*/ 0 w 538821"/>
+                <a:gd name="connsiteY3" fmla="*/ 562686 h 1125373"/>
+                <a:gd name="connsiteX4" fmla="*/ 451422 w 538821"/>
+                <a:gd name="connsiteY4" fmla="*/ 8810 h 1125373"/>
+              </a:gdLst>
+              <a:ahLst/>
+              <a:cxnLst>
+                <a:cxn ang="0">
+                  <a:pos x="connsiteX0" y="connsiteY0"/>
+                </a:cxn>
+                <a:cxn ang="0">
+                  <a:pos x="connsiteX1" y="connsiteY1"/>
+                </a:cxn>
+                <a:cxn ang="0">
+                  <a:pos x="connsiteX2" y="connsiteY2"/>
+                </a:cxn>
+                <a:cxn ang="0">
+                  <a:pos x="connsiteX3" y="connsiteY3"/>
+                </a:cxn>
+                <a:cxn ang="0">
+                  <a:pos x="connsiteX4" y="connsiteY4"/>
+                </a:cxn>
+              </a:cxnLst>
+              <a:rect l="l" t="t" r="r" b="b"/>
+              <a:pathLst>
+                <a:path w="538821" h="1125373">
+                  <a:moveTo>
+                    <a:pt x="538821" y="0"/>
+                  </a:moveTo>
+                  <a:lnTo>
+                    <a:pt x="538821" y="1125373"/>
+                  </a:lnTo>
+                  <a:lnTo>
+                    <a:pt x="451422" y="1116562"/>
+                  </a:lnTo>
+                  <a:cubicBezTo>
+                    <a:pt x="193796" y="1063844"/>
+                    <a:pt x="0" y="835897"/>
+                    <a:pt x="0" y="562686"/>
+                  </a:cubicBezTo>
+                  <a:cubicBezTo>
+                    <a:pt x="0" y="289475"/>
+                    <a:pt x="193796" y="61528"/>
+                    <a:pt x="451422" y="8810"/>
+                  </a:cubicBezTo>
+                  <a:close/>
+                </a:path>
+              </a:pathLst>
+            </a:custGeom>
+            <a:solidFill>
+              <a:schemeClr val="bg2"/>
+            </a:solidFill>
+            <a:ln>
+              <a:noFill/>
+            </a:ln>
+          </p:spPr>
+          <p:style>
+            <a:lnRef idx="2">
+              <a:schemeClr val="accent1">
+                <a:shade val="50000"/>
+              </a:schemeClr>
+            </a:lnRef>
+            <a:fillRef idx="1">
+              <a:schemeClr val="accent1"/>
+            </a:fillRef>
+            <a:effectRef idx="0">
+              <a:schemeClr val="accent1"/>
+            </a:effectRef>
+            <a:fontRef idx="minor">
+              <a:schemeClr val="lt1"/>
+            </a:fontRef>
+          </p:style>
+          <p:txBody>
+            <a:bodyPr wrap="square" rtlCol="0" anchor="ctr">
+              <a:noAutofit/>
+            </a:bodyPr>
+            <a:lstStyle/>
+            <a:p>
+              <a:pPr algn="ctr"/>
+              <a:endParaRPr lang="en-US"/>
+            </a:p>
+          </p:txBody>
+        </p:sp>
+        <p:sp>
+          <p:nvSpPr>
+            <p:cNvPr id="37" name="Freeform 89">
+              <a:extLst>
+                <a:ext uri="{FF2B5EF4-FFF2-40B4-BE49-F238E27FC236}">
+                  <a16:creationId xmlns:a16="http://schemas.microsoft.com/office/drawing/2014/main" id="{AFD14830-CC36-D64E-8173-3980425632A8}"/>
+                </a:ext>
+                <a:ext uri="{C183D7F6-B498-43B3-948B-1728B52AA6E4}">
+                  <adec:decorative xmlns:adec="http://schemas.microsoft.com/office/drawing/2017/decorative" val="1"/>
+                </a:ext>
+              </a:extLst>
+            </p:cNvPr>
+            <p:cNvSpPr/>
+            <p:nvPr>
+              <p:extLst>
+                <p:ext uri="{386F3935-93C4-4BCD-93E2-E3B085C9AB24}">
+                  <p16:designElem xmlns:p16="http://schemas.microsoft.com/office/powerpoint/2015/main" val="1"/>
+                </p:ext>
+              </p:extLst>
+            </p:nvPr>
+          </p:nvSpPr>
+          <p:spPr>
+            <a:xfrm>
+              <a:off x="11653180" y="809039"/>
+              <a:ext cx="538821" cy="1125373"/>
+            </a:xfrm>
+            <a:custGeom>
+              <a:avLst/>
+              <a:gdLst>
+                <a:gd name="connsiteX0" fmla="*/ 538821 w 538821"/>
+                <a:gd name="connsiteY0" fmla="*/ 0 h 1125373"/>
+                <a:gd name="connsiteX1" fmla="*/ 538821 w 538821"/>
+                <a:gd name="connsiteY1" fmla="*/ 1125373 h 1125373"/>
+                <a:gd name="connsiteX2" fmla="*/ 451422 w 538821"/>
+                <a:gd name="connsiteY2" fmla="*/ 1116562 h 1125373"/>
+                <a:gd name="connsiteX3" fmla="*/ 0 w 538821"/>
+                <a:gd name="connsiteY3" fmla="*/ 562686 h 1125373"/>
+                <a:gd name="connsiteX4" fmla="*/ 451422 w 538821"/>
+                <a:gd name="connsiteY4" fmla="*/ 8810 h 1125373"/>
+              </a:gdLst>
+              <a:ahLst/>
+              <a:cxnLst>
+                <a:cxn ang="0">
+                  <a:pos x="connsiteX0" y="connsiteY0"/>
+                </a:cxn>
+                <a:cxn ang="0">
+                  <a:pos x="connsiteX1" y="connsiteY1"/>
+                </a:cxn>
+                <a:cxn ang="0">
+                  <a:pos x="connsiteX2" y="connsiteY2"/>
+                </a:cxn>
+                <a:cxn ang="0">
+                  <a:pos x="connsiteX3" y="connsiteY3"/>
+                </a:cxn>
+                <a:cxn ang="0">
+                  <a:pos x="connsiteX4" y="connsiteY4"/>
+                </a:cxn>
+              </a:cxnLst>
+              <a:rect l="l" t="t" r="r" b="b"/>
+              <a:pathLst>
+                <a:path w="538821" h="1125373">
+                  <a:moveTo>
+                    <a:pt x="538821" y="0"/>
+                  </a:moveTo>
+                  <a:lnTo>
+                    <a:pt x="538821" y="1125373"/>
+                  </a:lnTo>
+                  <a:lnTo>
+                    <a:pt x="451422" y="1116562"/>
+                  </a:lnTo>
+                  <a:cubicBezTo>
+                    <a:pt x="193796" y="1063844"/>
+                    <a:pt x="0" y="835897"/>
+                    <a:pt x="0" y="562686"/>
+                  </a:cubicBezTo>
+                  <a:cubicBezTo>
+                    <a:pt x="0" y="289475"/>
+                    <a:pt x="193796" y="61528"/>
+                    <a:pt x="451422" y="8810"/>
+                  </a:cubicBezTo>
+                  <a:close/>
+                </a:path>
+              </a:pathLst>
+            </a:custGeom>
+            <a:solidFill>
+              <a:schemeClr val="accent1"/>
+            </a:solidFill>
+            <a:ln>
+              <a:noFill/>
+            </a:ln>
+          </p:spPr>
+          <p:style>
+            <a:lnRef idx="2">
+              <a:schemeClr val="accent1">
+                <a:shade val="50000"/>
+              </a:schemeClr>
+            </a:lnRef>
+            <a:fillRef idx="1">
+              <a:schemeClr val="accent1"/>
+            </a:fillRef>
+            <a:effectRef idx="0">
+              <a:schemeClr val="accent1"/>
+            </a:effectRef>
+            <a:fontRef idx="minor">
+              <a:schemeClr val="lt1"/>
+            </a:fontRef>
+          </p:style>
+          <p:txBody>
+            <a:bodyPr wrap="square" rtlCol="0" anchor="ctr">
+              <a:noAutofit/>
+            </a:bodyPr>
+            <a:lstStyle/>
+            <a:p>
+              <a:pPr algn="ctr"/>
+              <a:endParaRPr lang="en-US"/>
+            </a:p>
+          </p:txBody>
+        </p:sp>
+        <p:sp>
+          <p:nvSpPr>
+            <p:cNvPr id="38" name="Freeform 97">
+              <a:extLst>
+                <a:ext uri="{FF2B5EF4-FFF2-40B4-BE49-F238E27FC236}">
+                  <a16:creationId xmlns:a16="http://schemas.microsoft.com/office/drawing/2014/main" id="{FAA40AB8-EB6E-A44D-B3CA-7D25B64F5A4D}"/>
+                </a:ext>
+                <a:ext uri="{C183D7F6-B498-43B3-948B-1728B52AA6E4}">
+                  <adec:decorative xmlns:adec="http://schemas.microsoft.com/office/drawing/2017/decorative" val="1"/>
+                </a:ext>
+              </a:extLst>
+            </p:cNvPr>
+            <p:cNvSpPr/>
+            <p:nvPr>
+              <p:extLst>
+                <p:ext uri="{386F3935-93C4-4BCD-93E2-E3B085C9AB24}">
+                  <p16:designElem xmlns:p16="http://schemas.microsoft.com/office/powerpoint/2015/main" val="1"/>
+                </p:ext>
+              </p:extLst>
+            </p:nvPr>
+          </p:nvSpPr>
+          <p:spPr>
+            <a:xfrm>
+              <a:off x="11653180" y="0"/>
+              <a:ext cx="538821" cy="562898"/>
+            </a:xfrm>
+            <a:custGeom>
+              <a:avLst/>
+              <a:gdLst>
+                <a:gd name="connsiteX0" fmla="*/ 21 w 538821"/>
+                <a:gd name="connsiteY0" fmla="*/ 0 h 562898"/>
+                <a:gd name="connsiteX1" fmla="*/ 538821 w 538821"/>
+                <a:gd name="connsiteY1" fmla="*/ 0 h 562898"/>
+                <a:gd name="connsiteX2" fmla="*/ 538821 w 538821"/>
+                <a:gd name="connsiteY2" fmla="*/ 562898 h 562898"/>
+                <a:gd name="connsiteX3" fmla="*/ 451422 w 538821"/>
+                <a:gd name="connsiteY3" fmla="*/ 554087 h 562898"/>
+                <a:gd name="connsiteX4" fmla="*/ 0 w 538821"/>
+                <a:gd name="connsiteY4" fmla="*/ 211 h 562898"/>
+              </a:gdLst>
+              <a:ahLst/>
+              <a:cxnLst>
+                <a:cxn ang="0">
+                  <a:pos x="connsiteX0" y="connsiteY0"/>
+                </a:cxn>
+                <a:cxn ang="0">
+                  <a:pos x="connsiteX1" y="connsiteY1"/>
+                </a:cxn>
+                <a:cxn ang="0">
+                  <a:pos x="connsiteX2" y="connsiteY2"/>
+                </a:cxn>
+                <a:cxn ang="0">
+                  <a:pos x="connsiteX3" y="connsiteY3"/>
+                </a:cxn>
+                <a:cxn ang="0">
+                  <a:pos x="connsiteX4" y="connsiteY4"/>
+                </a:cxn>
+              </a:cxnLst>
+              <a:rect l="l" t="t" r="r" b="b"/>
+              <a:pathLst>
+                <a:path w="538821" h="562898">
+                  <a:moveTo>
+                    <a:pt x="21" y="0"/>
+                  </a:moveTo>
+                  <a:lnTo>
+                    <a:pt x="538821" y="0"/>
+                  </a:lnTo>
+                  <a:lnTo>
+                    <a:pt x="538821" y="562898"/>
+                  </a:lnTo>
+                  <a:lnTo>
+                    <a:pt x="451422" y="554087"/>
+                  </a:lnTo>
+                  <a:cubicBezTo>
+                    <a:pt x="193796" y="501369"/>
+                    <a:pt x="0" y="273422"/>
+                    <a:pt x="0" y="211"/>
+                  </a:cubicBezTo>
+                  <a:close/>
+                </a:path>
+              </a:pathLst>
+            </a:custGeom>
+            <a:solidFill>
+              <a:schemeClr val="bg2"/>
+            </a:solidFill>
+            <a:ln>
+              <a:noFill/>
+            </a:ln>
+          </p:spPr>
+          <p:style>
+            <a:lnRef idx="2">
+              <a:schemeClr val="accent1">
+                <a:shade val="50000"/>
+              </a:schemeClr>
+            </a:lnRef>
+            <a:fillRef idx="1">
+              <a:schemeClr val="accent1"/>
+            </a:fillRef>
+            <a:effectRef idx="0">
+              <a:schemeClr val="accent1"/>
+            </a:effectRef>
+            <a:fontRef idx="minor">
+              <a:schemeClr val="lt1"/>
+            </a:fontRef>
+          </p:style>
+          <p:txBody>
+            <a:bodyPr wrap="square" rtlCol="0" anchor="ctr">
+              <a:noAutofit/>
+            </a:bodyPr>
+            <a:lstStyle/>
+            <a:p>
+              <a:pPr algn="ctr"/>
+              <a:endParaRPr lang="en-US"/>
+            </a:p>
+          </p:txBody>
+        </p:sp>
+      </p:grpSp>
+      <p:cxnSp>
+        <p:nvCxnSpPr>
+          <p:cNvPr id="39" name="Straight Connector 30">
+            <a:extLst>
+              <a:ext uri="{FF2B5EF4-FFF2-40B4-BE49-F238E27FC236}">
+                <a16:creationId xmlns:a16="http://schemas.microsoft.com/office/drawing/2014/main" id="{EEA70831-9A8D-3B4D-8EA5-EE32F93E94E9}"/>
+              </a:ext>
+              <a:ext uri="{C183D7F6-B498-43B3-948B-1728B52AA6E4}">
+                <adec:decorative xmlns:adec="http://schemas.microsoft.com/office/drawing/2017/decorative" val="1"/>
+              </a:ext>
+            </a:extLst>
+          </p:cNvPr>
+          <p:cNvCxnSpPr>
+            <a:cxnSpLocks noGrp="1" noRot="1" noChangeAspect="1" noMove="1" noResize="1" noEditPoints="1" noAdjustHandles="1" noChangeArrowheads="1" noChangeShapeType="1"/>
+          </p:cNvCxnSpPr>
+          <p:nvPr>
+            <p:extLst>
+              <p:ext uri="{386F3935-93C4-4BCD-93E2-E3B085C9AB24}">
+                <p16:designElem xmlns:p16="http://schemas.microsoft.com/office/powerpoint/2015/main" val="1"/>
+              </p:ext>
+            </p:extLst>
+          </p:nvPr>
+        </p:nvCxnSpPr>
+        <p:spPr>
+          <a:xfrm>
+            <a:off x="565150" y="6087110"/>
+            <a:ext cx="6404372" cy="0"/>
+          </a:xfrm>
+          <a:prstGeom prst="line">
+            <a:avLst/>
+          </a:prstGeom>
+          <a:ln w="12700">
+            <a:solidFill>
+              <a:schemeClr val="bg1">
+                <a:lumMod val="65000"/>
+              </a:schemeClr>
+            </a:solidFill>
+          </a:ln>
+        </p:spPr>
+        <p:style>
+          <a:lnRef idx="1">
+            <a:schemeClr val="accent1"/>
+          </a:lnRef>
+          <a:fillRef idx="0">
+            <a:schemeClr val="accent1"/>
+          </a:fillRef>
+          <a:effectRef idx="0">
+            <a:schemeClr val="accent1"/>
+          </a:effectRef>
+          <a:fontRef idx="minor">
+            <a:schemeClr val="tx1"/>
+          </a:fontRef>
+        </p:style>
+      </p:cxnSp>
+      <p:pic>
+        <p:nvPicPr>
+          <p:cNvPr id="7" name="Graphic 6" descr="Dumbbell">
+            <a:extLst>
+              <a:ext uri="{FF2B5EF4-FFF2-40B4-BE49-F238E27FC236}">
+                <a16:creationId xmlns:a16="http://schemas.microsoft.com/office/drawing/2014/main" id="{121673DC-EDFE-0158-5230-A036E3324309}"/>
+              </a:ext>
+            </a:extLst>
+          </p:cNvPr>
+          <p:cNvPicPr>
+            <a:picLocks noChangeAspect="1"/>
+          </p:cNvPicPr>
+          <p:nvPr/>
+        </p:nvPicPr>
+        <p:blipFill>
+          <a:blip r:embed="rId2">
+            <a:extLst>
+              <a:ext uri="{28A0092B-C50C-407E-A947-70E740481C1C}">
+                <a14:useLocalDpi xmlns:a14="http://schemas.microsoft.com/office/drawing/2010/main" val="0"/>
+              </a:ext>
+              <a:ext uri="{96DAC541-7B7A-43D3-8B79-37D633B846F1}">
+                <asvg:svgBlip xmlns:asvg="http://schemas.microsoft.com/office/drawing/2016/SVG/main" r:embed="rId3"/>
+              </a:ext>
+            </a:extLst>
+          </a:blip>
+          <a:stretch>
+            <a:fillRect/>
+          </a:stretch>
+        </p:blipFill>
+        <p:spPr>
+          <a:xfrm>
+            <a:off x="7534656" y="1423446"/>
+            <a:ext cx="4002456" cy="4002456"/>
+          </a:xfrm>
+          <a:prstGeom prst="rect">
+            <a:avLst/>
+          </a:prstGeom>
+        </p:spPr>
+      </p:pic>
+    </p:spTree>
+    <p:extLst>
+      <p:ext uri="{BB962C8B-B14F-4D97-AF65-F5344CB8AC3E}">
+        <p14:creationId xmlns:p14="http://schemas.microsoft.com/office/powerpoint/2010/main" val="3689134368"/>
+      </p:ext>
+    </p:extLst>
+  </p:cSld>
+  <p:clrMapOvr>
+    <a:masterClrMapping/>
+  </p:clrMapOvr>
+</p:sld>
+</file>
+
+<file path=ppt/slides/slide5.xml><?xml version="1.0" encoding="utf-8"?>
+<p:sld xmlns:a="http://schemas.openxmlformats.org/drawingml/2006/main" xmlns:r="http://schemas.openxmlformats.org/officeDocument/2006/relationships" xmlns:p="http://schemas.openxmlformats.org/presentationml/2006/main">
+  <p:cSld>
+    <p:bg>
+      <p:bgPr>
+        <a:solidFill>
+          <a:schemeClr val="bg1"/>
+        </a:solidFill>
+        <a:effectLst/>
+      </p:bgPr>
+    </p:bg>
+    <p:spTree>
+      <p:nvGrpSpPr>
+        <p:cNvPr id="1" name=""/>
+        <p:cNvGrpSpPr/>
+        <p:nvPr/>
+      </p:nvGrpSpPr>
+      <p:grpSpPr>
+        <a:xfrm>
+          <a:off x="0" y="0"/>
+          <a:ext cx="0" cy="0"/>
+          <a:chOff x="0" y="0"/>
+          <a:chExt cx="0" cy="0"/>
+        </a:xfrm>
+      </p:grpSpPr>
+      <p:sp useBgFill="1">
+        <p:nvSpPr>
+          <p:cNvPr id="44" name="Rectangle 43">
+            <a:extLst>
+              <a:ext uri="{FF2B5EF4-FFF2-40B4-BE49-F238E27FC236}">
+                <a16:creationId xmlns:a16="http://schemas.microsoft.com/office/drawing/2014/main" id="{4EFE82FE-7465-AE46-88DF-34D347E83B84}"/>
+              </a:ext>
+              <a:ext uri="{C183D7F6-B498-43B3-948B-1728B52AA6E4}">
+                <adec:decorative xmlns:adec="http://schemas.microsoft.com/office/drawing/2017/decorative" val="1"/>
+              </a:ext>
+            </a:extLst>
+          </p:cNvPr>
+          <p:cNvSpPr>
+            <a:spLocks noGrp="1" noRot="1" noChangeAspect="1" noMove="1" noResize="1" noEditPoints="1" noAdjustHandles="1" noChangeArrowheads="1" noChangeShapeType="1" noTextEdit="1"/>
+          </p:cNvSpPr>
+          <p:nvPr>
+            <p:extLst>
+              <p:ext uri="{386F3935-93C4-4BCD-93E2-E3B085C9AB24}">
+                <p16:designElem xmlns:p16="http://schemas.microsoft.com/office/powerpoint/2015/main" val="1"/>
+              </p:ext>
+            </p:extLst>
+          </p:nvPr>
+        </p:nvSpPr>
+        <p:spPr>
+          <a:xfrm>
+            <a:off x="0" y="0"/>
+            <a:ext cx="12192000" cy="6858000"/>
+          </a:xfrm>
+          <a:prstGeom prst="rect">
+            <a:avLst/>
+          </a:prstGeom>
+          <a:ln>
+            <a:noFill/>
+          </a:ln>
+        </p:spPr>
+        <p:style>
+          <a:lnRef idx="2">
+            <a:schemeClr val="accent1">
+              <a:shade val="50000"/>
+            </a:schemeClr>
+          </a:lnRef>
+          <a:fillRef idx="1">
+            <a:schemeClr val="accent1"/>
+          </a:fillRef>
+          <a:effectRef idx="0">
+            <a:schemeClr val="accent1"/>
+          </a:effectRef>
+          <a:fontRef idx="minor">
+            <a:schemeClr val="lt1"/>
+          </a:fontRef>
+        </p:style>
+        <p:txBody>
+          <a:bodyPr rtlCol="0" anchor="ctr"/>
+          <a:lstStyle/>
+          <a:p>
+            <a:pPr algn="ctr"/>
+            <a:endParaRPr lang="en-US"/>
+          </a:p>
+        </p:txBody>
+      </p:sp>
+      <p:sp>
+        <p:nvSpPr>
+          <p:cNvPr id="2" name="Title 1">
+            <a:extLst>
+              <a:ext uri="{FF2B5EF4-FFF2-40B4-BE49-F238E27FC236}">
+                <a16:creationId xmlns:a16="http://schemas.microsoft.com/office/drawing/2014/main" id="{1F8E7D4C-DBC7-9FC5-DA8D-3C603F596FD6}"/>
+              </a:ext>
+            </a:extLst>
+          </p:cNvPr>
+          <p:cNvSpPr>
+            <a:spLocks noGrp="1"/>
+          </p:cNvSpPr>
+          <p:nvPr>
+            <p:ph type="title"/>
+          </p:nvPr>
+        </p:nvSpPr>
+        <p:spPr>
+          <a:xfrm>
+            <a:off x="565151" y="770890"/>
+            <a:ext cx="4133559" cy="1268984"/>
+          </a:xfrm>
+        </p:spPr>
+        <p:txBody>
+          <a:bodyPr>
+            <a:normAutofit/>
+          </a:bodyPr>
+          <a:lstStyle/>
+          <a:p>
+            <a:pPr>
+              <a:lnSpc>
+                <a:spcPct val="90000"/>
+              </a:lnSpc>
+            </a:pPr>
+            <a:r>
+              <a:rPr lang="en-US"/>
+              <a:t>Exercises tutorial</a:t>
+            </a:r>
+          </a:p>
+        </p:txBody>
+      </p:sp>
+      <p:sp>
+        <p:nvSpPr>
+          <p:cNvPr id="3" name="Content Placeholder 2">
+            <a:extLst>
+              <a:ext uri="{FF2B5EF4-FFF2-40B4-BE49-F238E27FC236}">
+                <a16:creationId xmlns:a16="http://schemas.microsoft.com/office/drawing/2014/main" id="{8F444A80-F695-E525-8576-C7B0C872E416}"/>
+              </a:ext>
+            </a:extLst>
+          </p:cNvPr>
+          <p:cNvSpPr>
+            <a:spLocks noGrp="1"/>
+          </p:cNvSpPr>
+          <p:nvPr>
+            <p:ph idx="1"/>
+          </p:nvPr>
+        </p:nvSpPr>
+        <p:spPr>
+          <a:xfrm>
+            <a:off x="565151" y="2160016"/>
+            <a:ext cx="4133559" cy="3601212"/>
+          </a:xfrm>
+        </p:spPr>
+        <p:txBody>
+          <a:bodyPr>
+            <a:normAutofit/>
+          </a:bodyPr>
+          <a:lstStyle/>
+          <a:p>
+            <a:pPr marL="0" indent="0">
+              <a:lnSpc>
+                <a:spcPct val="90000"/>
+              </a:lnSpc>
+              <a:buNone/>
+            </a:pPr>
+            <a:r>
+              <a:rPr lang="en-US"/>
+              <a:t>This components enable user to learn basic exercises per muscle group by demonstrating the steps and posture for the exercises. It also helps user suggest you tube videos to learn more about a particular exercise</a:t>
+            </a:r>
+          </a:p>
+          <a:p>
+            <a:pPr marL="0" indent="0">
+              <a:lnSpc>
+                <a:spcPct val="90000"/>
+              </a:lnSpc>
+              <a:buNone/>
+            </a:pPr>
+            <a:r>
+              <a:rPr lang="en-US"/>
+              <a:t>	</a:t>
+            </a:r>
+          </a:p>
+        </p:txBody>
+      </p:sp>
+      <p:pic>
+        <p:nvPicPr>
+          <p:cNvPr id="5" name="Picture 4" descr="A screenshot of a body builder&#10;&#10;Description automatically generated">
+            <a:extLst>
+              <a:ext uri="{FF2B5EF4-FFF2-40B4-BE49-F238E27FC236}">
+                <a16:creationId xmlns:a16="http://schemas.microsoft.com/office/drawing/2014/main" id="{4E6E068E-3240-4A2C-95D2-B2981BF907AB}"/>
+              </a:ext>
+            </a:extLst>
+          </p:cNvPr>
+          <p:cNvPicPr>
+            <a:picLocks noChangeAspect="1"/>
+          </p:cNvPicPr>
+          <p:nvPr/>
+        </p:nvPicPr>
+        <p:blipFill>
+          <a:blip r:embed="rId2"/>
+          <a:stretch>
+            <a:fillRect/>
+          </a:stretch>
+        </p:blipFill>
+        <p:spPr>
+          <a:xfrm>
+            <a:off x="5106596" y="1825085"/>
+            <a:ext cx="6430513" cy="3199179"/>
+          </a:xfrm>
+          <a:prstGeom prst="rect">
+            <a:avLst/>
+          </a:prstGeom>
+        </p:spPr>
+      </p:pic>
+      <p:grpSp>
+        <p:nvGrpSpPr>
+          <p:cNvPr id="46" name="Group 45">
+            <a:extLst>
+              <a:ext uri="{FF2B5EF4-FFF2-40B4-BE49-F238E27FC236}">
+                <a16:creationId xmlns:a16="http://schemas.microsoft.com/office/drawing/2014/main" id="{1B5E71B3-7269-894E-A00B-31D341365FC9}"/>
+              </a:ext>
+              <a:ext uri="{C183D7F6-B498-43B3-948B-1728B52AA6E4}">
+                <adec:decorative xmlns:adec="http://schemas.microsoft.com/office/drawing/2017/decorative" val="1"/>
+              </a:ext>
+            </a:extLst>
+          </p:cNvPr>
+          <p:cNvGrpSpPr>
+            <a:grpSpLocks noGrp="1" noUngrp="1" noRot="1" noChangeAspect="1" noMove="1" noResize="1"/>
+          </p:cNvGrpSpPr>
+          <p:nvPr>
+            <p:extLst>
+              <p:ext uri="{386F3935-93C4-4BCD-93E2-E3B085C9AB24}">
+                <p16:designElem xmlns:p16="http://schemas.microsoft.com/office/powerpoint/2015/main" val="1"/>
+              </p:ext>
+            </p:extLst>
+          </p:nvPr>
+        </p:nvGrpSpPr>
+        <p:grpSpPr>
+          <a:xfrm>
+            <a:off x="10290315" y="0"/>
+            <a:ext cx="1901686" cy="4677439"/>
+            <a:chOff x="10290315" y="0"/>
+            <a:chExt cx="1901686" cy="4677439"/>
+          </a:xfrm>
+        </p:grpSpPr>
+        <p:sp>
+          <p:nvSpPr>
+            <p:cNvPr id="47" name="Freeform 85">
+              <a:extLst>
+                <a:ext uri="{FF2B5EF4-FFF2-40B4-BE49-F238E27FC236}">
+                  <a16:creationId xmlns:a16="http://schemas.microsoft.com/office/drawing/2014/main" id="{FFFA3A20-1539-CC4A-9BE1-7415FE5A98C6}"/>
+                </a:ext>
+                <a:ext uri="{C183D7F6-B498-43B3-948B-1728B52AA6E4}">
+                  <adec:decorative xmlns:adec="http://schemas.microsoft.com/office/drawing/2017/decorative" val="1"/>
+                </a:ext>
+              </a:extLst>
+            </p:cNvPr>
+            <p:cNvSpPr/>
+            <p:nvPr>
+              <p:extLst>
+                <p:ext uri="{386F3935-93C4-4BCD-93E2-E3B085C9AB24}">
+                  <p16:designElem xmlns:p16="http://schemas.microsoft.com/office/powerpoint/2015/main" val="1"/>
+                </p:ext>
+              </p:extLst>
+            </p:nvPr>
+          </p:nvSpPr>
+          <p:spPr>
+            <a:xfrm>
+              <a:off x="10290315" y="0"/>
+              <a:ext cx="1130724" cy="565573"/>
+            </a:xfrm>
+            <a:custGeom>
+              <a:avLst/>
+              <a:gdLst>
+                <a:gd name="connsiteX0" fmla="*/ 21 w 1130724"/>
+                <a:gd name="connsiteY0" fmla="*/ 0 h 565573"/>
+                <a:gd name="connsiteX1" fmla="*/ 1130703 w 1130724"/>
+                <a:gd name="connsiteY1" fmla="*/ 0 h 565573"/>
+                <a:gd name="connsiteX2" fmla="*/ 1130724 w 1130724"/>
+                <a:gd name="connsiteY2" fmla="*/ 211 h 565573"/>
+                <a:gd name="connsiteX3" fmla="*/ 565362 w 1130724"/>
+                <a:gd name="connsiteY3" fmla="*/ 565573 h 565573"/>
+                <a:gd name="connsiteX4" fmla="*/ 0 w 1130724"/>
+                <a:gd name="connsiteY4" fmla="*/ 211 h 565573"/>
+              </a:gdLst>
+              <a:ahLst/>
+              <a:cxnLst>
+                <a:cxn ang="0">
+                  <a:pos x="connsiteX0" y="connsiteY0"/>
+                </a:cxn>
+                <a:cxn ang="0">
+                  <a:pos x="connsiteX1" y="connsiteY1"/>
+                </a:cxn>
+                <a:cxn ang="0">
+                  <a:pos x="connsiteX2" y="connsiteY2"/>
+                </a:cxn>
+                <a:cxn ang="0">
+                  <a:pos x="connsiteX3" y="connsiteY3"/>
+                </a:cxn>
+                <a:cxn ang="0">
+                  <a:pos x="connsiteX4" y="connsiteY4"/>
+                </a:cxn>
+              </a:cxnLst>
+              <a:rect l="l" t="t" r="r" b="b"/>
+              <a:pathLst>
+                <a:path w="1130724" h="565573">
+                  <a:moveTo>
+                    <a:pt x="21" y="0"/>
+                  </a:moveTo>
+                  <a:lnTo>
+                    <a:pt x="1130703" y="0"/>
+                  </a:lnTo>
+                  <a:lnTo>
+                    <a:pt x="1130724" y="211"/>
+                  </a:lnTo>
+                  <a:cubicBezTo>
+                    <a:pt x="1130724" y="312452"/>
+                    <a:pt x="877603" y="565573"/>
+                    <a:pt x="565362" y="565573"/>
+                  </a:cubicBezTo>
+                  <a:cubicBezTo>
+                    <a:pt x="253121" y="565573"/>
+                    <a:pt x="0" y="312452"/>
+                    <a:pt x="0" y="211"/>
+                  </a:cubicBezTo>
+                  <a:close/>
+                </a:path>
+              </a:pathLst>
+            </a:custGeom>
+            <a:solidFill>
+              <a:schemeClr val="bg2"/>
+            </a:solidFill>
+            <a:ln>
+              <a:noFill/>
+            </a:ln>
+          </p:spPr>
+          <p:style>
+            <a:lnRef idx="2">
+              <a:schemeClr val="accent1">
+                <a:shade val="50000"/>
+              </a:schemeClr>
+            </a:lnRef>
+            <a:fillRef idx="1">
+              <a:schemeClr val="accent1"/>
+            </a:fillRef>
+            <a:effectRef idx="0">
+              <a:schemeClr val="accent1"/>
+            </a:effectRef>
+            <a:fontRef idx="minor">
+              <a:schemeClr val="lt1"/>
+            </a:fontRef>
+          </p:style>
+          <p:txBody>
+            <a:bodyPr wrap="square" rtlCol="0" anchor="ctr">
+              <a:noAutofit/>
+            </a:bodyPr>
+            <a:lstStyle/>
+            <a:p>
+              <a:pPr algn="ctr"/>
+              <a:endParaRPr lang="en-US"/>
+            </a:p>
+          </p:txBody>
+        </p:sp>
+        <p:sp>
+          <p:nvSpPr>
+            <p:cNvPr id="48" name="Freeform 87">
+              <a:extLst>
+                <a:ext uri="{FF2B5EF4-FFF2-40B4-BE49-F238E27FC236}">
+                  <a16:creationId xmlns:a16="http://schemas.microsoft.com/office/drawing/2014/main" id="{44EBCCFB-8EAB-2442-8E02-293F08D50B5C}"/>
+                </a:ext>
+                <a:ext uri="{C183D7F6-B498-43B3-948B-1728B52AA6E4}">
+                  <adec:decorative xmlns:adec="http://schemas.microsoft.com/office/drawing/2017/decorative" val="1"/>
+                </a:ext>
+              </a:extLst>
+            </p:cNvPr>
+            <p:cNvSpPr/>
+            <p:nvPr>
+              <p:extLst>
+                <p:ext uri="{386F3935-93C4-4BCD-93E2-E3B085C9AB24}">
+                  <p16:designElem xmlns:p16="http://schemas.microsoft.com/office/powerpoint/2015/main" val="1"/>
+                </p:ext>
+              </p:extLst>
+            </p:nvPr>
+          </p:nvSpPr>
+          <p:spPr>
+            <a:xfrm>
+              <a:off x="11653180" y="3552066"/>
+              <a:ext cx="538821" cy="1125373"/>
+            </a:xfrm>
+            <a:custGeom>
+              <a:avLst/>
+              <a:gdLst>
+                <a:gd name="connsiteX0" fmla="*/ 538821 w 538821"/>
+                <a:gd name="connsiteY0" fmla="*/ 0 h 1125373"/>
+                <a:gd name="connsiteX1" fmla="*/ 538821 w 538821"/>
+                <a:gd name="connsiteY1" fmla="*/ 1125373 h 1125373"/>
+                <a:gd name="connsiteX2" fmla="*/ 451422 w 538821"/>
+                <a:gd name="connsiteY2" fmla="*/ 1116562 h 1125373"/>
+                <a:gd name="connsiteX3" fmla="*/ 0 w 538821"/>
+                <a:gd name="connsiteY3" fmla="*/ 562686 h 1125373"/>
+                <a:gd name="connsiteX4" fmla="*/ 451422 w 538821"/>
+                <a:gd name="connsiteY4" fmla="*/ 8810 h 1125373"/>
+              </a:gdLst>
+              <a:ahLst/>
+              <a:cxnLst>
+                <a:cxn ang="0">
+                  <a:pos x="connsiteX0" y="connsiteY0"/>
+                </a:cxn>
+                <a:cxn ang="0">
+                  <a:pos x="connsiteX1" y="connsiteY1"/>
+                </a:cxn>
+                <a:cxn ang="0">
+                  <a:pos x="connsiteX2" y="connsiteY2"/>
+                </a:cxn>
+                <a:cxn ang="0">
+                  <a:pos x="connsiteX3" y="connsiteY3"/>
+                </a:cxn>
+                <a:cxn ang="0">
+                  <a:pos x="connsiteX4" y="connsiteY4"/>
+                </a:cxn>
+              </a:cxnLst>
+              <a:rect l="l" t="t" r="r" b="b"/>
+              <a:pathLst>
+                <a:path w="538821" h="1125373">
+                  <a:moveTo>
+                    <a:pt x="538821" y="0"/>
+                  </a:moveTo>
+                  <a:lnTo>
+                    <a:pt x="538821" y="1125373"/>
+                  </a:lnTo>
+                  <a:lnTo>
+                    <a:pt x="451422" y="1116562"/>
+                  </a:lnTo>
+                  <a:cubicBezTo>
+                    <a:pt x="193796" y="1063844"/>
+                    <a:pt x="0" y="835897"/>
+                    <a:pt x="0" y="562686"/>
+                  </a:cubicBezTo>
+                  <a:cubicBezTo>
+                    <a:pt x="0" y="289475"/>
+                    <a:pt x="193796" y="61528"/>
+                    <a:pt x="451422" y="8810"/>
+                  </a:cubicBezTo>
+                  <a:close/>
+                </a:path>
+              </a:pathLst>
+            </a:custGeom>
+            <a:solidFill>
+              <a:schemeClr val="bg2"/>
+            </a:solidFill>
+            <a:ln>
+              <a:noFill/>
+            </a:ln>
+          </p:spPr>
+          <p:style>
+            <a:lnRef idx="2">
+              <a:schemeClr val="accent1">
+                <a:shade val="50000"/>
+              </a:schemeClr>
+            </a:lnRef>
+            <a:fillRef idx="1">
+              <a:schemeClr val="accent1"/>
+            </a:fillRef>
+            <a:effectRef idx="0">
+              <a:schemeClr val="accent1"/>
+            </a:effectRef>
+            <a:fontRef idx="minor">
+              <a:schemeClr val="lt1"/>
+            </a:fontRef>
+          </p:style>
+          <p:txBody>
+            <a:bodyPr wrap="square" rtlCol="0" anchor="ctr">
+              <a:noAutofit/>
+            </a:bodyPr>
+            <a:lstStyle/>
+            <a:p>
+              <a:pPr algn="ctr"/>
+              <a:endParaRPr lang="en-US"/>
+            </a:p>
+          </p:txBody>
+        </p:sp>
+        <p:sp>
+          <p:nvSpPr>
+            <p:cNvPr id="49" name="Freeform 89">
+              <a:extLst>
+                <a:ext uri="{FF2B5EF4-FFF2-40B4-BE49-F238E27FC236}">
+                  <a16:creationId xmlns:a16="http://schemas.microsoft.com/office/drawing/2014/main" id="{AFD14830-CC36-D64E-8173-3980425632A8}"/>
+                </a:ext>
+                <a:ext uri="{C183D7F6-B498-43B3-948B-1728B52AA6E4}">
+                  <adec:decorative xmlns:adec="http://schemas.microsoft.com/office/drawing/2017/decorative" val="1"/>
+                </a:ext>
+              </a:extLst>
+            </p:cNvPr>
+            <p:cNvSpPr/>
+            <p:nvPr>
+              <p:extLst>
+                <p:ext uri="{386F3935-93C4-4BCD-93E2-E3B085C9AB24}">
+                  <p16:designElem xmlns:p16="http://schemas.microsoft.com/office/powerpoint/2015/main" val="1"/>
+                </p:ext>
+              </p:extLst>
+            </p:nvPr>
+          </p:nvSpPr>
+          <p:spPr>
+            <a:xfrm>
+              <a:off x="11653180" y="809039"/>
+              <a:ext cx="538821" cy="1125373"/>
+            </a:xfrm>
+            <a:custGeom>
+              <a:avLst/>
+              <a:gdLst>
+                <a:gd name="connsiteX0" fmla="*/ 538821 w 538821"/>
+                <a:gd name="connsiteY0" fmla="*/ 0 h 1125373"/>
+                <a:gd name="connsiteX1" fmla="*/ 538821 w 538821"/>
+                <a:gd name="connsiteY1" fmla="*/ 1125373 h 1125373"/>
+                <a:gd name="connsiteX2" fmla="*/ 451422 w 538821"/>
+                <a:gd name="connsiteY2" fmla="*/ 1116562 h 1125373"/>
+                <a:gd name="connsiteX3" fmla="*/ 0 w 538821"/>
+                <a:gd name="connsiteY3" fmla="*/ 562686 h 1125373"/>
+                <a:gd name="connsiteX4" fmla="*/ 451422 w 538821"/>
+                <a:gd name="connsiteY4" fmla="*/ 8810 h 1125373"/>
+              </a:gdLst>
+              <a:ahLst/>
+              <a:cxnLst>
+                <a:cxn ang="0">
+                  <a:pos x="connsiteX0" y="connsiteY0"/>
+                </a:cxn>
+                <a:cxn ang="0">
+                  <a:pos x="connsiteX1" y="connsiteY1"/>
+                </a:cxn>
+                <a:cxn ang="0">
+                  <a:pos x="connsiteX2" y="connsiteY2"/>
+                </a:cxn>
+                <a:cxn ang="0">
+                  <a:pos x="connsiteX3" y="connsiteY3"/>
+                </a:cxn>
+                <a:cxn ang="0">
+                  <a:pos x="connsiteX4" y="connsiteY4"/>
+                </a:cxn>
+              </a:cxnLst>
+              <a:rect l="l" t="t" r="r" b="b"/>
+              <a:pathLst>
+                <a:path w="538821" h="1125373">
+                  <a:moveTo>
+                    <a:pt x="538821" y="0"/>
+                  </a:moveTo>
+                  <a:lnTo>
+                    <a:pt x="538821" y="1125373"/>
+                  </a:lnTo>
+                  <a:lnTo>
+                    <a:pt x="451422" y="1116562"/>
+                  </a:lnTo>
+                  <a:cubicBezTo>
+                    <a:pt x="193796" y="1063844"/>
+                    <a:pt x="0" y="835897"/>
+                    <a:pt x="0" y="562686"/>
+                  </a:cubicBezTo>
+                  <a:cubicBezTo>
+                    <a:pt x="0" y="289475"/>
+                    <a:pt x="193796" y="61528"/>
+                    <a:pt x="451422" y="8810"/>
+                  </a:cubicBezTo>
+                  <a:close/>
+                </a:path>
+              </a:pathLst>
+            </a:custGeom>
+            <a:solidFill>
+              <a:schemeClr val="accent1"/>
+            </a:solidFill>
+            <a:ln>
+              <a:noFill/>
+            </a:ln>
+          </p:spPr>
+          <p:style>
+            <a:lnRef idx="2">
+              <a:schemeClr val="accent1">
+                <a:shade val="50000"/>
+              </a:schemeClr>
+            </a:lnRef>
+            <a:fillRef idx="1">
+              <a:schemeClr val="accent1"/>
+            </a:fillRef>
+            <a:effectRef idx="0">
+              <a:schemeClr val="accent1"/>
+            </a:effectRef>
+            <a:fontRef idx="minor">
+              <a:schemeClr val="lt1"/>
+            </a:fontRef>
+          </p:style>
+          <p:txBody>
+            <a:bodyPr wrap="square" rtlCol="0" anchor="ctr">
+              <a:noAutofit/>
+            </a:bodyPr>
+            <a:lstStyle/>
+            <a:p>
+              <a:pPr algn="ctr"/>
+              <a:endParaRPr lang="en-US"/>
+            </a:p>
+          </p:txBody>
+        </p:sp>
+        <p:sp>
+          <p:nvSpPr>
+            <p:cNvPr id="50" name="Freeform 97">
+              <a:extLst>
+                <a:ext uri="{FF2B5EF4-FFF2-40B4-BE49-F238E27FC236}">
+                  <a16:creationId xmlns:a16="http://schemas.microsoft.com/office/drawing/2014/main" id="{FAA40AB8-EB6E-A44D-B3CA-7D25B64F5A4D}"/>
+                </a:ext>
+                <a:ext uri="{C183D7F6-B498-43B3-948B-1728B52AA6E4}">
+                  <adec:decorative xmlns:adec="http://schemas.microsoft.com/office/drawing/2017/decorative" val="1"/>
+                </a:ext>
+              </a:extLst>
+            </p:cNvPr>
+            <p:cNvSpPr/>
+            <p:nvPr>
+              <p:extLst>
+                <p:ext uri="{386F3935-93C4-4BCD-93E2-E3B085C9AB24}">
+                  <p16:designElem xmlns:p16="http://schemas.microsoft.com/office/powerpoint/2015/main" val="1"/>
+                </p:ext>
+              </p:extLst>
+            </p:nvPr>
+          </p:nvSpPr>
+          <p:spPr>
+            <a:xfrm>
+              <a:off x="11653180" y="0"/>
+              <a:ext cx="538821" cy="562898"/>
+            </a:xfrm>
+            <a:custGeom>
+              <a:avLst/>
+              <a:gdLst>
+                <a:gd name="connsiteX0" fmla="*/ 21 w 538821"/>
+                <a:gd name="connsiteY0" fmla="*/ 0 h 562898"/>
+                <a:gd name="connsiteX1" fmla="*/ 538821 w 538821"/>
+                <a:gd name="connsiteY1" fmla="*/ 0 h 562898"/>
+                <a:gd name="connsiteX2" fmla="*/ 538821 w 538821"/>
+                <a:gd name="connsiteY2" fmla="*/ 562898 h 562898"/>
+                <a:gd name="connsiteX3" fmla="*/ 451422 w 538821"/>
+                <a:gd name="connsiteY3" fmla="*/ 554087 h 562898"/>
+                <a:gd name="connsiteX4" fmla="*/ 0 w 538821"/>
+                <a:gd name="connsiteY4" fmla="*/ 211 h 562898"/>
+              </a:gdLst>
+              <a:ahLst/>
+              <a:cxnLst>
+                <a:cxn ang="0">
+                  <a:pos x="connsiteX0" y="connsiteY0"/>
+                </a:cxn>
+                <a:cxn ang="0">
+                  <a:pos x="connsiteX1" y="connsiteY1"/>
+                </a:cxn>
+                <a:cxn ang="0">
+                  <a:pos x="connsiteX2" y="connsiteY2"/>
+                </a:cxn>
+                <a:cxn ang="0">
+                  <a:pos x="connsiteX3" y="connsiteY3"/>
+                </a:cxn>
+                <a:cxn ang="0">
+                  <a:pos x="connsiteX4" y="connsiteY4"/>
+                </a:cxn>
+              </a:cxnLst>
+              <a:rect l="l" t="t" r="r" b="b"/>
+              <a:pathLst>
+                <a:path w="538821" h="562898">
+                  <a:moveTo>
+                    <a:pt x="21" y="0"/>
+                  </a:moveTo>
+                  <a:lnTo>
+                    <a:pt x="538821" y="0"/>
+                  </a:lnTo>
+                  <a:lnTo>
+                    <a:pt x="538821" y="562898"/>
+                  </a:lnTo>
+                  <a:lnTo>
+                    <a:pt x="451422" y="554087"/>
+                  </a:lnTo>
+                  <a:cubicBezTo>
+                    <a:pt x="193796" y="501369"/>
+                    <a:pt x="0" y="273422"/>
+                    <a:pt x="0" y="211"/>
+                  </a:cubicBezTo>
+                  <a:close/>
+                </a:path>
+              </a:pathLst>
+            </a:custGeom>
+            <a:solidFill>
+              <a:schemeClr val="bg2"/>
+            </a:solidFill>
+            <a:ln>
+              <a:noFill/>
+            </a:ln>
+          </p:spPr>
+          <p:style>
+            <a:lnRef idx="2">
+              <a:schemeClr val="accent1">
+                <a:shade val="50000"/>
+              </a:schemeClr>
+            </a:lnRef>
+            <a:fillRef idx="1">
+              <a:schemeClr val="accent1"/>
+            </a:fillRef>
+            <a:effectRef idx="0">
+              <a:schemeClr val="accent1"/>
+            </a:effectRef>
+            <a:fontRef idx="minor">
+              <a:schemeClr val="lt1"/>
+            </a:fontRef>
+          </p:style>
+          <p:txBody>
+            <a:bodyPr wrap="square" rtlCol="0" anchor="ctr">
+              <a:noAutofit/>
+            </a:bodyPr>
+            <a:lstStyle/>
+            <a:p>
+              <a:pPr algn="ctr"/>
+              <a:endParaRPr lang="en-US"/>
+            </a:p>
+          </p:txBody>
+        </p:sp>
+      </p:grpSp>
+      <p:cxnSp>
+        <p:nvCxnSpPr>
+          <p:cNvPr id="52" name="Straight Connector 51">
+            <a:extLst>
+              <a:ext uri="{FF2B5EF4-FFF2-40B4-BE49-F238E27FC236}">
+                <a16:creationId xmlns:a16="http://schemas.microsoft.com/office/drawing/2014/main" id="{A0A01F17-907D-3541-BBAF-A33828880DCE}"/>
+              </a:ext>
+              <a:ext uri="{C183D7F6-B498-43B3-948B-1728B52AA6E4}">
+                <adec:decorative xmlns:adec="http://schemas.microsoft.com/office/drawing/2017/decorative" val="1"/>
+              </a:ext>
+            </a:extLst>
+          </p:cNvPr>
+          <p:cNvCxnSpPr>
+            <a:cxnSpLocks noGrp="1" noRot="1" noChangeAspect="1" noMove="1" noResize="1" noEditPoints="1" noAdjustHandles="1" noChangeArrowheads="1" noChangeShapeType="1"/>
+          </p:cNvCxnSpPr>
+          <p:nvPr>
+            <p:extLst>
+              <p:ext uri="{386F3935-93C4-4BCD-93E2-E3B085C9AB24}">
+                <p16:designElem xmlns:p16="http://schemas.microsoft.com/office/powerpoint/2015/main" val="1"/>
+              </p:ext>
+            </p:extLst>
+          </p:nvPr>
+        </p:nvCxnSpPr>
+        <p:spPr>
+          <a:xfrm>
+            <a:off x="565150" y="6087110"/>
+            <a:ext cx="4133560" cy="0"/>
+          </a:xfrm>
+          <a:prstGeom prst="line">
+            <a:avLst/>
+          </a:prstGeom>
+          <a:ln w="12700">
+            <a:solidFill>
+              <a:schemeClr val="bg1">
+                <a:lumMod val="65000"/>
+              </a:schemeClr>
+            </a:solidFill>
+          </a:ln>
+        </p:spPr>
+        <p:style>
+          <a:lnRef idx="1">
+            <a:schemeClr val="accent1"/>
+          </a:lnRef>
+          <a:fillRef idx="0">
+            <a:schemeClr val="accent1"/>
+          </a:fillRef>
+          <a:effectRef idx="0">
+            <a:schemeClr val="accent1"/>
+          </a:effectRef>
+          <a:fontRef idx="minor">
+            <a:schemeClr val="tx1"/>
+          </a:fontRef>
+        </p:style>
+      </p:cxnSp>
+    </p:spTree>
+    <p:extLst>
+      <p:ext uri="{BB962C8B-B14F-4D97-AF65-F5344CB8AC3E}">
+        <p14:creationId xmlns:p14="http://schemas.microsoft.com/office/powerpoint/2010/main" val="3734983486"/>
+      </p:ext>
+    </p:extLst>
+  </p:cSld>
+  <p:clrMapOvr>
+    <a:masterClrMapping/>
+  </p:clrMapOvr>
+</p:sld>
+</file>
+
+<file path=ppt/slides/slide6.xml><?xml version="1.0" encoding="utf-8"?>
+<p:sld xmlns:a="http://schemas.openxmlformats.org/drawingml/2006/main" xmlns:r="http://schemas.openxmlformats.org/officeDocument/2006/relationships" xmlns:p="http://schemas.openxmlformats.org/presentationml/2006/main">
+  <p:cSld>
+    <p:bg>
+      <p:bgPr>
+        <a:solidFill>
+          <a:schemeClr val="bg1"/>
+        </a:solidFill>
+        <a:effectLst/>
+      </p:bgPr>
+    </p:bg>
+    <p:spTree>
+      <p:nvGrpSpPr>
+        <p:cNvPr id="1" name=""/>
+        <p:cNvGrpSpPr/>
+        <p:nvPr/>
+      </p:nvGrpSpPr>
+      <p:grpSpPr>
+        <a:xfrm>
+          <a:off x="0" y="0"/>
+          <a:ext cx="0" cy="0"/>
+          <a:chOff x="0" y="0"/>
+          <a:chExt cx="0" cy="0"/>
+        </a:xfrm>
+      </p:grpSpPr>
+      <p:sp useBgFill="1">
+        <p:nvSpPr>
+          <p:cNvPr id="22" name="Rectangle 11">
+            <a:extLst>
+              <a:ext uri="{FF2B5EF4-FFF2-40B4-BE49-F238E27FC236}">
+                <a16:creationId xmlns:a16="http://schemas.microsoft.com/office/drawing/2014/main" id="{C7F2E4D6-EF46-1C43-8F3E-3620C3C83F36}"/>
+              </a:ext>
+              <a:ext uri="{C183D7F6-B498-43B3-948B-1728B52AA6E4}">
+                <adec:decorative xmlns:adec="http://schemas.microsoft.com/office/drawing/2017/decorative" val="1"/>
+              </a:ext>
+            </a:extLst>
+          </p:cNvPr>
+          <p:cNvSpPr>
+            <a:spLocks noGrp="1" noRot="1" noChangeAspect="1" noMove="1" noResize="1" noEditPoints="1" noAdjustHandles="1" noChangeArrowheads="1" noChangeShapeType="1" noTextEdit="1"/>
+          </p:cNvSpPr>
+          <p:nvPr>
+            <p:extLst>
+              <p:ext uri="{386F3935-93C4-4BCD-93E2-E3B085C9AB24}">
+                <p16:designElem xmlns:p16="http://schemas.microsoft.com/office/powerpoint/2015/main" val="1"/>
+              </p:ext>
+            </p:extLst>
+          </p:nvPr>
+        </p:nvSpPr>
+        <p:spPr>
+          <a:xfrm>
+            <a:off x="0" y="0"/>
+            <a:ext cx="12192000" cy="6858000"/>
+          </a:xfrm>
+          <a:prstGeom prst="rect">
+            <a:avLst/>
+          </a:prstGeom>
+          <a:ln>
+            <a:noFill/>
+          </a:ln>
+        </p:spPr>
+        <p:style>
+          <a:lnRef idx="2">
+            <a:schemeClr val="accent1">
+              <a:shade val="50000"/>
+            </a:schemeClr>
+          </a:lnRef>
+          <a:fillRef idx="1">
+            <a:schemeClr val="accent1"/>
+          </a:fillRef>
+          <a:effectRef idx="0">
+            <a:schemeClr val="accent1"/>
+          </a:effectRef>
+          <a:fontRef idx="minor">
+            <a:schemeClr val="lt1"/>
+          </a:fontRef>
+        </p:style>
+        <p:txBody>
+          <a:bodyPr rtlCol="0" anchor="ctr"/>
+          <a:lstStyle/>
+          <a:p>
+            <a:pPr algn="ctr"/>
+            <a:endParaRPr lang="en-US"/>
+          </a:p>
+        </p:txBody>
+      </p:sp>
+      <p:sp>
+        <p:nvSpPr>
+          <p:cNvPr id="2" name="Title 1">
+            <a:extLst>
+              <a:ext uri="{FF2B5EF4-FFF2-40B4-BE49-F238E27FC236}">
+                <a16:creationId xmlns:a16="http://schemas.microsoft.com/office/drawing/2014/main" id="{A6556D41-894E-6D27-E385-4C32E4F2088A}"/>
+              </a:ext>
+            </a:extLst>
+          </p:cNvPr>
+          <p:cNvSpPr>
+            <a:spLocks noGrp="1"/>
+          </p:cNvSpPr>
+          <p:nvPr>
+            <p:ph type="title"/>
+          </p:nvPr>
+        </p:nvSpPr>
+        <p:spPr>
+          <a:xfrm>
+            <a:off x="565150" y="770890"/>
+            <a:ext cx="6400999" cy="1268984"/>
+          </a:xfrm>
+        </p:spPr>
+        <p:txBody>
+          <a:bodyPr>
+            <a:normAutofit/>
+          </a:bodyPr>
+          <a:lstStyle/>
+          <a:p>
+            <a:pPr>
+              <a:lnSpc>
+                <a:spcPct val="90000"/>
+              </a:lnSpc>
+            </a:pPr>
+            <a:r>
+              <a:rPr lang="en-US"/>
+              <a:t>Meal and workout plan generator</a:t>
+            </a:r>
+          </a:p>
+        </p:txBody>
+      </p:sp>
+      <p:sp>
+        <p:nvSpPr>
+          <p:cNvPr id="3" name="Content Placeholder 2">
+            <a:extLst>
+              <a:ext uri="{FF2B5EF4-FFF2-40B4-BE49-F238E27FC236}">
+                <a16:creationId xmlns:a16="http://schemas.microsoft.com/office/drawing/2014/main" id="{F879E74F-EEC9-58C3-17FA-5A3E59BB2ADD}"/>
+              </a:ext>
+            </a:extLst>
+          </p:cNvPr>
+          <p:cNvSpPr>
+            <a:spLocks noGrp="1"/>
+          </p:cNvSpPr>
+          <p:nvPr>
+            <p:ph idx="1"/>
+          </p:nvPr>
+        </p:nvSpPr>
+        <p:spPr>
+          <a:xfrm>
+            <a:off x="565150" y="2160016"/>
+            <a:ext cx="6400999" cy="3601212"/>
+          </a:xfrm>
+        </p:spPr>
+        <p:txBody>
+          <a:bodyPr>
+            <a:normAutofit/>
+          </a:bodyPr>
+          <a:lstStyle/>
+          <a:p>
+            <a:pPr>
+              <a:lnSpc>
+                <a:spcPct val="90000"/>
+              </a:lnSpc>
+            </a:pPr>
+            <a:r>
+              <a:rPr lang="en-US" sz="1900" b="1" i="0">
+                <a:effectLst/>
+                <a:latin typeface="Söhne"/>
+              </a:rPr>
+              <a:t>Adaptive Programs:</a:t>
+            </a:r>
+            <a:r>
+              <a:rPr lang="en-US" sz="1900" b="0" i="0">
+                <a:effectLst/>
+                <a:latin typeface="Söhne"/>
+              </a:rPr>
+              <a:t> Based on the user's fitness level, goals (e.g., weight loss, muscle gain, endurance training), and any physical limitations or medical conditions, the AI suggests a tailored workout plan.</a:t>
+            </a:r>
+          </a:p>
+          <a:p>
+            <a:pPr>
+              <a:lnSpc>
+                <a:spcPct val="90000"/>
+              </a:lnSpc>
+              <a:buFont typeface="Arial" panose="020B0604020202020204" pitchFamily="34" charset="0"/>
+              <a:buChar char="•"/>
+            </a:pPr>
+            <a:r>
+              <a:rPr lang="en-US" sz="1900" b="1" i="0">
+                <a:effectLst/>
+                <a:latin typeface="Söhne"/>
+              </a:rPr>
+              <a:t>Dietary Preferences &amp; Restrictions:</a:t>
+            </a:r>
+            <a:r>
+              <a:rPr lang="en-US" sz="1900" b="0" i="0">
+                <a:effectLst/>
+                <a:latin typeface="Söhne"/>
+              </a:rPr>
+              <a:t> The AI can generate meal plans based on user preferences, such as vegetarian, vegan, keto, or gluten-free diets, and can consider any allergies or intolerances.</a:t>
+            </a:r>
+          </a:p>
+          <a:p>
+            <a:pPr>
+              <a:lnSpc>
+                <a:spcPct val="90000"/>
+              </a:lnSpc>
+              <a:buFont typeface="Arial" panose="020B0604020202020204" pitchFamily="34" charset="0"/>
+              <a:buChar char="•"/>
+            </a:pPr>
+            <a:r>
+              <a:rPr lang="en-US" sz="1900" b="1" i="0">
+                <a:effectLst/>
+                <a:latin typeface="Söhne"/>
+              </a:rPr>
+              <a:t>Recipe Suggestions:</a:t>
+            </a:r>
+            <a:r>
+              <a:rPr lang="en-US" sz="1900" b="0" i="0">
+                <a:effectLst/>
+                <a:latin typeface="Söhne"/>
+              </a:rPr>
+              <a:t> Based on the ingredients users have on hand and their nutritional needs, the AI can suggest recipes, making meal planning easier.</a:t>
+            </a:r>
+            <a:br>
+              <a:rPr lang="en-US" sz="1900"/>
+            </a:br>
+            <a:endParaRPr lang="en-US" sz="1900"/>
+          </a:p>
+        </p:txBody>
+      </p:sp>
+      <p:grpSp>
+        <p:nvGrpSpPr>
+          <p:cNvPr id="23" name="Group 13">
+            <a:extLst>
+              <a:ext uri="{FF2B5EF4-FFF2-40B4-BE49-F238E27FC236}">
+                <a16:creationId xmlns:a16="http://schemas.microsoft.com/office/drawing/2014/main" id="{2ACBB827-9A2D-D449-9686-F47D2A20EFE1}"/>
+              </a:ext>
+              <a:ext uri="{C183D7F6-B498-43B3-948B-1728B52AA6E4}">
+                <adec:decorative xmlns:adec="http://schemas.microsoft.com/office/drawing/2017/decorative" val="1"/>
+              </a:ext>
+            </a:extLst>
+          </p:cNvPr>
+          <p:cNvGrpSpPr>
+            <a:grpSpLocks noGrp="1" noUngrp="1" noRot="1" noChangeAspect="1" noMove="1" noResize="1"/>
+          </p:cNvGrpSpPr>
+          <p:nvPr>
+            <p:extLst>
+              <p:ext uri="{386F3935-93C4-4BCD-93E2-E3B085C9AB24}">
+                <p16:designElem xmlns:p16="http://schemas.microsoft.com/office/powerpoint/2015/main" val="1"/>
+              </p:ext>
+            </p:extLst>
+          </p:nvPr>
+        </p:nvGrpSpPr>
+        <p:grpSpPr>
+          <a:xfrm>
+            <a:off x="10290315" y="0"/>
+            <a:ext cx="1901686" cy="4677439"/>
+            <a:chOff x="10290315" y="0"/>
+            <a:chExt cx="1901686" cy="4677439"/>
+          </a:xfrm>
+        </p:grpSpPr>
+        <p:sp>
+          <p:nvSpPr>
+            <p:cNvPr id="24" name="Freeform 21">
+              <a:extLst>
+                <a:ext uri="{FF2B5EF4-FFF2-40B4-BE49-F238E27FC236}">
+                  <a16:creationId xmlns:a16="http://schemas.microsoft.com/office/drawing/2014/main" id="{9B921EC8-AD62-E940-80A2-682AC7104E09}"/>
+                </a:ext>
+                <a:ext uri="{C183D7F6-B498-43B3-948B-1728B52AA6E4}">
+                  <adec:decorative xmlns:adec="http://schemas.microsoft.com/office/drawing/2017/decorative" val="1"/>
+                </a:ext>
+              </a:extLst>
+            </p:cNvPr>
+            <p:cNvSpPr/>
+            <p:nvPr>
+              <p:extLst>
+                <p:ext uri="{386F3935-93C4-4BCD-93E2-E3B085C9AB24}">
+                  <p16:designElem xmlns:p16="http://schemas.microsoft.com/office/powerpoint/2015/main" val="1"/>
+                </p:ext>
+              </p:extLst>
+            </p:nvPr>
+          </p:nvSpPr>
+          <p:spPr>
+            <a:xfrm>
+              <a:off x="10290315" y="0"/>
+              <a:ext cx="1130724" cy="565573"/>
+            </a:xfrm>
+            <a:custGeom>
+              <a:avLst/>
+              <a:gdLst>
+                <a:gd name="connsiteX0" fmla="*/ 21 w 1130724"/>
+                <a:gd name="connsiteY0" fmla="*/ 0 h 565573"/>
+                <a:gd name="connsiteX1" fmla="*/ 1130703 w 1130724"/>
+                <a:gd name="connsiteY1" fmla="*/ 0 h 565573"/>
+                <a:gd name="connsiteX2" fmla="*/ 1130724 w 1130724"/>
+                <a:gd name="connsiteY2" fmla="*/ 211 h 565573"/>
+                <a:gd name="connsiteX3" fmla="*/ 565362 w 1130724"/>
+                <a:gd name="connsiteY3" fmla="*/ 565573 h 565573"/>
+                <a:gd name="connsiteX4" fmla="*/ 0 w 1130724"/>
+                <a:gd name="connsiteY4" fmla="*/ 211 h 565573"/>
+              </a:gdLst>
+              <a:ahLst/>
+              <a:cxnLst>
+                <a:cxn ang="0">
+                  <a:pos x="connsiteX0" y="connsiteY0"/>
+                </a:cxn>
+                <a:cxn ang="0">
+                  <a:pos x="connsiteX1" y="connsiteY1"/>
+                </a:cxn>
+                <a:cxn ang="0">
+                  <a:pos x="connsiteX2" y="connsiteY2"/>
+                </a:cxn>
+                <a:cxn ang="0">
+                  <a:pos x="connsiteX3" y="connsiteY3"/>
+                </a:cxn>
+                <a:cxn ang="0">
+                  <a:pos x="connsiteX4" y="connsiteY4"/>
+                </a:cxn>
+              </a:cxnLst>
+              <a:rect l="l" t="t" r="r" b="b"/>
+              <a:pathLst>
+                <a:path w="1130724" h="565573">
+                  <a:moveTo>
+                    <a:pt x="21" y="0"/>
+                  </a:moveTo>
+                  <a:lnTo>
+                    <a:pt x="1130703" y="0"/>
+                  </a:lnTo>
+                  <a:lnTo>
+                    <a:pt x="1130724" y="211"/>
+                  </a:lnTo>
+                  <a:cubicBezTo>
+                    <a:pt x="1130724" y="312452"/>
+                    <a:pt x="877603" y="565573"/>
+                    <a:pt x="565362" y="565573"/>
+                  </a:cubicBezTo>
+                  <a:cubicBezTo>
+                    <a:pt x="253121" y="565573"/>
+                    <a:pt x="0" y="312452"/>
+                    <a:pt x="0" y="211"/>
+                  </a:cubicBezTo>
+                  <a:close/>
+                </a:path>
+              </a:pathLst>
+            </a:custGeom>
+            <a:solidFill>
+              <a:schemeClr val="bg2"/>
+            </a:solidFill>
+            <a:ln>
+              <a:noFill/>
+            </a:ln>
+          </p:spPr>
+          <p:style>
+            <a:lnRef idx="2">
+              <a:schemeClr val="accent1">
+                <a:shade val="50000"/>
+              </a:schemeClr>
+            </a:lnRef>
+            <a:fillRef idx="1">
+              <a:schemeClr val="accent1"/>
+            </a:fillRef>
+            <a:effectRef idx="0">
+              <a:schemeClr val="accent1"/>
+            </a:effectRef>
+            <a:fontRef idx="minor">
+              <a:schemeClr val="lt1"/>
+            </a:fontRef>
+          </p:style>
+          <p:txBody>
+            <a:bodyPr wrap="square" rtlCol="0" anchor="ctr">
+              <a:noAutofit/>
+            </a:bodyPr>
+            <a:lstStyle/>
+            <a:p>
+              <a:pPr algn="ctr"/>
+              <a:endParaRPr lang="en-US"/>
+            </a:p>
+          </p:txBody>
+        </p:sp>
+        <p:sp>
+          <p:nvSpPr>
+            <p:cNvPr id="25" name="Freeform 23">
+              <a:extLst>
+                <a:ext uri="{FF2B5EF4-FFF2-40B4-BE49-F238E27FC236}">
+                  <a16:creationId xmlns:a16="http://schemas.microsoft.com/office/drawing/2014/main" id="{6DBDC735-9A9C-6340-B1E4-3576B27EDDC1}"/>
+                </a:ext>
+                <a:ext uri="{C183D7F6-B498-43B3-948B-1728B52AA6E4}">
+                  <adec:decorative xmlns:adec="http://schemas.microsoft.com/office/drawing/2017/decorative" val="1"/>
+                </a:ext>
+              </a:extLst>
+            </p:cNvPr>
+            <p:cNvSpPr/>
+            <p:nvPr>
+              <p:extLst>
+                <p:ext uri="{386F3935-93C4-4BCD-93E2-E3B085C9AB24}">
+                  <p16:designElem xmlns:p16="http://schemas.microsoft.com/office/powerpoint/2015/main" val="1"/>
+                </p:ext>
+              </p:extLst>
+            </p:nvPr>
+          </p:nvSpPr>
+          <p:spPr>
+            <a:xfrm>
+              <a:off x="11653180" y="3552066"/>
+              <a:ext cx="538821" cy="1125373"/>
+            </a:xfrm>
+            <a:custGeom>
+              <a:avLst/>
+              <a:gdLst>
+                <a:gd name="connsiteX0" fmla="*/ 538821 w 538821"/>
+                <a:gd name="connsiteY0" fmla="*/ 0 h 1125373"/>
+                <a:gd name="connsiteX1" fmla="*/ 538821 w 538821"/>
+                <a:gd name="connsiteY1" fmla="*/ 1125373 h 1125373"/>
+                <a:gd name="connsiteX2" fmla="*/ 451422 w 538821"/>
+                <a:gd name="connsiteY2" fmla="*/ 1116562 h 1125373"/>
+                <a:gd name="connsiteX3" fmla="*/ 0 w 538821"/>
+                <a:gd name="connsiteY3" fmla="*/ 562686 h 1125373"/>
+                <a:gd name="connsiteX4" fmla="*/ 451422 w 538821"/>
+                <a:gd name="connsiteY4" fmla="*/ 8810 h 1125373"/>
+              </a:gdLst>
+              <a:ahLst/>
+              <a:cxnLst>
+                <a:cxn ang="0">
+                  <a:pos x="connsiteX0" y="connsiteY0"/>
+                </a:cxn>
+                <a:cxn ang="0">
+                  <a:pos x="connsiteX1" y="connsiteY1"/>
+                </a:cxn>
+                <a:cxn ang="0">
+                  <a:pos x="connsiteX2" y="connsiteY2"/>
+                </a:cxn>
+                <a:cxn ang="0">
+                  <a:pos x="connsiteX3" y="connsiteY3"/>
+                </a:cxn>
+                <a:cxn ang="0">
+                  <a:pos x="connsiteX4" y="connsiteY4"/>
+                </a:cxn>
+              </a:cxnLst>
+              <a:rect l="l" t="t" r="r" b="b"/>
+              <a:pathLst>
+                <a:path w="538821" h="1125373">
+                  <a:moveTo>
+                    <a:pt x="538821" y="0"/>
+                  </a:moveTo>
+                  <a:lnTo>
+                    <a:pt x="538821" y="1125373"/>
+                  </a:lnTo>
+                  <a:lnTo>
+                    <a:pt x="451422" y="1116562"/>
+                  </a:lnTo>
+                  <a:cubicBezTo>
+                    <a:pt x="193796" y="1063844"/>
+                    <a:pt x="0" y="835897"/>
+                    <a:pt x="0" y="562686"/>
+                  </a:cubicBezTo>
+                  <a:cubicBezTo>
+                    <a:pt x="0" y="289475"/>
+                    <a:pt x="193796" y="61528"/>
+                    <a:pt x="451422" y="8810"/>
+                  </a:cubicBezTo>
+                  <a:close/>
+                </a:path>
+              </a:pathLst>
+            </a:custGeom>
+            <a:solidFill>
+              <a:schemeClr val="bg2"/>
+            </a:solidFill>
+            <a:ln>
+              <a:noFill/>
+            </a:ln>
+          </p:spPr>
+          <p:style>
+            <a:lnRef idx="2">
+              <a:schemeClr val="accent1">
+                <a:shade val="50000"/>
+              </a:schemeClr>
+            </a:lnRef>
+            <a:fillRef idx="1">
+              <a:schemeClr val="accent1"/>
+            </a:fillRef>
+            <a:effectRef idx="0">
+              <a:schemeClr val="accent1"/>
+            </a:effectRef>
+            <a:fontRef idx="minor">
+              <a:schemeClr val="lt1"/>
+            </a:fontRef>
+          </p:style>
+          <p:txBody>
+            <a:bodyPr wrap="square" rtlCol="0" anchor="ctr">
+              <a:noAutofit/>
+            </a:bodyPr>
+            <a:lstStyle/>
+            <a:p>
+              <a:pPr algn="ctr"/>
+              <a:endParaRPr lang="en-US"/>
+            </a:p>
+          </p:txBody>
+        </p:sp>
+        <p:sp>
+          <p:nvSpPr>
+            <p:cNvPr id="26" name="Freeform 25">
+              <a:extLst>
+                <a:ext uri="{FF2B5EF4-FFF2-40B4-BE49-F238E27FC236}">
+                  <a16:creationId xmlns:a16="http://schemas.microsoft.com/office/drawing/2014/main" id="{E3F399C2-198A-1347-8B48-1B1D50805EFB}"/>
+                </a:ext>
+                <a:ext uri="{C183D7F6-B498-43B3-948B-1728B52AA6E4}">
+                  <adec:decorative xmlns:adec="http://schemas.microsoft.com/office/drawing/2017/decorative" val="1"/>
+                </a:ext>
+              </a:extLst>
+            </p:cNvPr>
+            <p:cNvSpPr/>
+            <p:nvPr>
+              <p:extLst>
+                <p:ext uri="{386F3935-93C4-4BCD-93E2-E3B085C9AB24}">
+                  <p16:designElem xmlns:p16="http://schemas.microsoft.com/office/powerpoint/2015/main" val="1"/>
+                </p:ext>
+              </p:extLst>
+            </p:nvPr>
+          </p:nvSpPr>
+          <p:spPr>
+            <a:xfrm>
+              <a:off x="11653180" y="809039"/>
+              <a:ext cx="538821" cy="1125373"/>
+            </a:xfrm>
+            <a:custGeom>
+              <a:avLst/>
+              <a:gdLst>
+                <a:gd name="connsiteX0" fmla="*/ 538821 w 538821"/>
+                <a:gd name="connsiteY0" fmla="*/ 0 h 1125373"/>
+                <a:gd name="connsiteX1" fmla="*/ 538821 w 538821"/>
+                <a:gd name="connsiteY1" fmla="*/ 1125373 h 1125373"/>
+                <a:gd name="connsiteX2" fmla="*/ 451422 w 538821"/>
+                <a:gd name="connsiteY2" fmla="*/ 1116562 h 1125373"/>
+                <a:gd name="connsiteX3" fmla="*/ 0 w 538821"/>
+                <a:gd name="connsiteY3" fmla="*/ 562686 h 1125373"/>
+                <a:gd name="connsiteX4" fmla="*/ 451422 w 538821"/>
+                <a:gd name="connsiteY4" fmla="*/ 8810 h 1125373"/>
+              </a:gdLst>
+              <a:ahLst/>
+              <a:cxnLst>
+                <a:cxn ang="0">
+                  <a:pos x="connsiteX0" y="connsiteY0"/>
+                </a:cxn>
+                <a:cxn ang="0">
+                  <a:pos x="connsiteX1" y="connsiteY1"/>
+                </a:cxn>
+                <a:cxn ang="0">
+                  <a:pos x="connsiteX2" y="connsiteY2"/>
+                </a:cxn>
+                <a:cxn ang="0">
+                  <a:pos x="connsiteX3" y="connsiteY3"/>
+                </a:cxn>
+                <a:cxn ang="0">
+                  <a:pos x="connsiteX4" y="connsiteY4"/>
+                </a:cxn>
+              </a:cxnLst>
+              <a:rect l="l" t="t" r="r" b="b"/>
+              <a:pathLst>
+                <a:path w="538821" h="1125373">
+                  <a:moveTo>
+                    <a:pt x="538821" y="0"/>
+                  </a:moveTo>
+                  <a:lnTo>
+                    <a:pt x="538821" y="1125373"/>
+                  </a:lnTo>
+                  <a:lnTo>
+                    <a:pt x="451422" y="1116562"/>
+                  </a:lnTo>
+                  <a:cubicBezTo>
+                    <a:pt x="193796" y="1063844"/>
+                    <a:pt x="0" y="835897"/>
+                    <a:pt x="0" y="562686"/>
+                  </a:cubicBezTo>
+                  <a:cubicBezTo>
+                    <a:pt x="0" y="289475"/>
+                    <a:pt x="193796" y="61528"/>
+                    <a:pt x="451422" y="8810"/>
+                  </a:cubicBezTo>
+                  <a:close/>
+                </a:path>
+              </a:pathLst>
+            </a:custGeom>
+            <a:solidFill>
+              <a:schemeClr val="accent1"/>
+            </a:solidFill>
+            <a:ln>
+              <a:noFill/>
+            </a:ln>
+          </p:spPr>
+          <p:style>
+            <a:lnRef idx="2">
+              <a:schemeClr val="accent1">
+                <a:shade val="50000"/>
+              </a:schemeClr>
+            </a:lnRef>
+            <a:fillRef idx="1">
+              <a:schemeClr val="accent1"/>
+            </a:fillRef>
+            <a:effectRef idx="0">
+              <a:schemeClr val="accent1"/>
+            </a:effectRef>
+            <a:fontRef idx="minor">
+              <a:schemeClr val="lt1"/>
+            </a:fontRef>
+          </p:style>
+          <p:txBody>
+            <a:bodyPr wrap="square" rtlCol="0" anchor="ctr">
+              <a:noAutofit/>
+            </a:bodyPr>
+            <a:lstStyle/>
+            <a:p>
+              <a:pPr algn="ctr"/>
+              <a:endParaRPr lang="en-US"/>
+            </a:p>
+          </p:txBody>
+        </p:sp>
+        <p:sp>
+          <p:nvSpPr>
+            <p:cNvPr id="27" name="Freeform 26">
+              <a:extLst>
+                <a:ext uri="{FF2B5EF4-FFF2-40B4-BE49-F238E27FC236}">
+                  <a16:creationId xmlns:a16="http://schemas.microsoft.com/office/drawing/2014/main" id="{4AB3593B-CA05-1845-839E-90B9B70ECE96}"/>
+                </a:ext>
+                <a:ext uri="{C183D7F6-B498-43B3-948B-1728B52AA6E4}">
+                  <adec:decorative xmlns:adec="http://schemas.microsoft.com/office/drawing/2017/decorative" val="1"/>
+                </a:ext>
+              </a:extLst>
+            </p:cNvPr>
+            <p:cNvSpPr/>
+            <p:nvPr>
+              <p:extLst>
+                <p:ext uri="{386F3935-93C4-4BCD-93E2-E3B085C9AB24}">
+                  <p16:designElem xmlns:p16="http://schemas.microsoft.com/office/powerpoint/2015/main" val="1"/>
+                </p:ext>
+              </p:extLst>
+            </p:nvPr>
+          </p:nvSpPr>
+          <p:spPr>
+            <a:xfrm>
+              <a:off x="11653180" y="0"/>
+              <a:ext cx="538821" cy="562898"/>
+            </a:xfrm>
+            <a:custGeom>
+              <a:avLst/>
+              <a:gdLst>
+                <a:gd name="connsiteX0" fmla="*/ 21 w 538821"/>
+                <a:gd name="connsiteY0" fmla="*/ 0 h 562898"/>
+                <a:gd name="connsiteX1" fmla="*/ 538821 w 538821"/>
+                <a:gd name="connsiteY1" fmla="*/ 0 h 562898"/>
+                <a:gd name="connsiteX2" fmla="*/ 538821 w 538821"/>
+                <a:gd name="connsiteY2" fmla="*/ 562898 h 562898"/>
+                <a:gd name="connsiteX3" fmla="*/ 451422 w 538821"/>
+                <a:gd name="connsiteY3" fmla="*/ 554087 h 562898"/>
+                <a:gd name="connsiteX4" fmla="*/ 0 w 538821"/>
+                <a:gd name="connsiteY4" fmla="*/ 211 h 562898"/>
+              </a:gdLst>
+              <a:ahLst/>
+              <a:cxnLst>
+                <a:cxn ang="0">
+                  <a:pos x="connsiteX0" y="connsiteY0"/>
+                </a:cxn>
+                <a:cxn ang="0">
+                  <a:pos x="connsiteX1" y="connsiteY1"/>
+                </a:cxn>
+                <a:cxn ang="0">
+                  <a:pos x="connsiteX2" y="connsiteY2"/>
+                </a:cxn>
+                <a:cxn ang="0">
+                  <a:pos x="connsiteX3" y="connsiteY3"/>
+                </a:cxn>
+                <a:cxn ang="0">
+                  <a:pos x="connsiteX4" y="connsiteY4"/>
+                </a:cxn>
+              </a:cxnLst>
+              <a:rect l="l" t="t" r="r" b="b"/>
+              <a:pathLst>
+                <a:path w="538821" h="562898">
+                  <a:moveTo>
+                    <a:pt x="21" y="0"/>
+                  </a:moveTo>
+                  <a:lnTo>
+                    <a:pt x="538821" y="0"/>
+                  </a:lnTo>
+                  <a:lnTo>
+                    <a:pt x="538821" y="562898"/>
+                  </a:lnTo>
+                  <a:lnTo>
+                    <a:pt x="451422" y="554087"/>
+                  </a:lnTo>
+                  <a:cubicBezTo>
+                    <a:pt x="193796" y="501369"/>
+                    <a:pt x="0" y="273422"/>
+                    <a:pt x="0" y="211"/>
+                  </a:cubicBezTo>
+                  <a:close/>
+                </a:path>
+              </a:pathLst>
+            </a:custGeom>
+            <a:solidFill>
+              <a:schemeClr val="bg2"/>
+            </a:solidFill>
+            <a:ln>
+              <a:noFill/>
+            </a:ln>
+          </p:spPr>
+          <p:style>
+            <a:lnRef idx="2">
+              <a:schemeClr val="accent1">
+                <a:shade val="50000"/>
+              </a:schemeClr>
+            </a:lnRef>
+            <a:fillRef idx="1">
+              <a:schemeClr val="accent1"/>
+            </a:fillRef>
+            <a:effectRef idx="0">
+              <a:schemeClr val="accent1"/>
+            </a:effectRef>
+            <a:fontRef idx="minor">
+              <a:schemeClr val="lt1"/>
+            </a:fontRef>
+          </p:style>
+          <p:txBody>
+            <a:bodyPr wrap="square" rtlCol="0" anchor="ctr">
+              <a:noAutofit/>
+            </a:bodyPr>
+            <a:lstStyle/>
+            <a:p>
+              <a:pPr algn="ctr"/>
+              <a:endParaRPr lang="en-US"/>
+            </a:p>
+          </p:txBody>
+        </p:sp>
+      </p:grpSp>
+      <p:pic>
+        <p:nvPicPr>
+          <p:cNvPr id="7" name="Picture 6" descr="A menu of a diet plan&#10;&#10;Description automatically generated">
+            <a:extLst>
+              <a:ext uri="{FF2B5EF4-FFF2-40B4-BE49-F238E27FC236}">
+                <a16:creationId xmlns:a16="http://schemas.microsoft.com/office/drawing/2014/main" id="{95FE11AA-23BE-5FFD-8A01-FDFEE6F7DDD9}"/>
+              </a:ext>
+            </a:extLst>
+          </p:cNvPr>
+          <p:cNvPicPr>
+            <a:picLocks noChangeAspect="1"/>
+          </p:cNvPicPr>
+          <p:nvPr/>
+        </p:nvPicPr>
+        <p:blipFill>
+          <a:blip r:embed="rId2"/>
+          <a:stretch>
+            <a:fillRect/>
+          </a:stretch>
+        </p:blipFill>
+        <p:spPr>
+          <a:xfrm>
+            <a:off x="8434466" y="3361797"/>
+            <a:ext cx="2289216" cy="2631283"/>
+          </a:xfrm>
+          <a:prstGeom prst="rect">
+            <a:avLst/>
+          </a:prstGeom>
+        </p:spPr>
+      </p:pic>
+      <p:cxnSp>
+        <p:nvCxnSpPr>
+          <p:cNvPr id="28" name="Straight Connector 19">
+            <a:extLst>
+              <a:ext uri="{FF2B5EF4-FFF2-40B4-BE49-F238E27FC236}">
+                <a16:creationId xmlns:a16="http://schemas.microsoft.com/office/drawing/2014/main" id="{BF3CF3DF-4809-5B42-9F22-981391379297}"/>
+              </a:ext>
+              <a:ext uri="{C183D7F6-B498-43B3-948B-1728B52AA6E4}">
+                <adec:decorative xmlns:adec="http://schemas.microsoft.com/office/drawing/2017/decorative" val="1"/>
+              </a:ext>
+            </a:extLst>
+          </p:cNvPr>
+          <p:cNvCxnSpPr>
+            <a:cxnSpLocks noGrp="1" noRot="1" noChangeAspect="1" noMove="1" noResize="1" noEditPoints="1" noAdjustHandles="1" noChangeArrowheads="1" noChangeShapeType="1"/>
+          </p:cNvCxnSpPr>
+          <p:nvPr>
+            <p:extLst>
+              <p:ext uri="{386F3935-93C4-4BCD-93E2-E3B085C9AB24}">
+                <p16:designElem xmlns:p16="http://schemas.microsoft.com/office/powerpoint/2015/main" val="1"/>
+              </p:ext>
+            </p:extLst>
+          </p:nvPr>
+        </p:nvCxnSpPr>
+        <p:spPr>
+          <a:xfrm>
+            <a:off x="565150" y="6087110"/>
+            <a:ext cx="6400999" cy="0"/>
+          </a:xfrm>
+          <a:prstGeom prst="line">
+            <a:avLst/>
+          </a:prstGeom>
+          <a:ln w="12700">
+            <a:solidFill>
+              <a:schemeClr val="bg1">
+                <a:lumMod val="65000"/>
+              </a:schemeClr>
+            </a:solidFill>
+          </a:ln>
+        </p:spPr>
+        <p:style>
+          <a:lnRef idx="1">
+            <a:schemeClr val="accent1"/>
+          </a:lnRef>
+          <a:fillRef idx="0">
+            <a:schemeClr val="accent1"/>
+          </a:fillRef>
+          <a:effectRef idx="0">
+            <a:schemeClr val="accent1"/>
+          </a:effectRef>
+          <a:fontRef idx="minor">
+            <a:schemeClr val="tx1"/>
+          </a:fontRef>
+        </p:style>
+      </p:cxnSp>
+      <p:pic>
+        <p:nvPicPr>
+          <p:cNvPr id="5" name="Picture 4" descr="A screenshot of a computer&#10;&#10;Description automatically generated">
+            <a:extLst>
+              <a:ext uri="{FF2B5EF4-FFF2-40B4-BE49-F238E27FC236}">
+                <a16:creationId xmlns:a16="http://schemas.microsoft.com/office/drawing/2014/main" id="{AB3C99CF-31A7-C6A4-0481-CA7A8D7C9276}"/>
+              </a:ext>
+            </a:extLst>
+          </p:cNvPr>
+          <p:cNvPicPr>
+            <a:picLocks noChangeAspect="1"/>
+          </p:cNvPicPr>
+          <p:nvPr/>
+        </p:nvPicPr>
+        <p:blipFill>
+          <a:blip r:embed="rId3"/>
+          <a:stretch>
+            <a:fillRect/>
+          </a:stretch>
+        </p:blipFill>
+        <p:spPr>
+          <a:xfrm>
+            <a:off x="7287262" y="1023617"/>
+            <a:ext cx="4044804" cy="2032514"/>
+          </a:xfrm>
+          <a:prstGeom prst="rect">
+            <a:avLst/>
+          </a:prstGeom>
+        </p:spPr>
+      </p:pic>
+    </p:spTree>
+    <p:extLst>
+      <p:ext uri="{BB962C8B-B14F-4D97-AF65-F5344CB8AC3E}">
+        <p14:creationId xmlns:p14="http://schemas.microsoft.com/office/powerpoint/2010/main" val="1942619016"/>
+      </p:ext>
+    </p:extLst>
+  </p:cSld>
+  <p:clrMapOvr>
+    <a:masterClrMapping/>
+  </p:clrMapOvr>
+</p:sld>
+</file>
+
+<file path=ppt/slides/slide7.xml><?xml version="1.0" encoding="utf-8"?>
+<p:sld xmlns:a="http://schemas.openxmlformats.org/drawingml/2006/main" xmlns:r="http://schemas.openxmlformats.org/officeDocument/2006/relationships" xmlns:p="http://schemas.openxmlformats.org/presentationml/2006/main">
+  <p:cSld>
+    <p:spTree>
+      <p:nvGrpSpPr>
+        <p:cNvPr id="1" name=""/>
+        <p:cNvGrpSpPr/>
+        <p:nvPr/>
+      </p:nvGrpSpPr>
+      <p:grpSpPr>
+        <a:xfrm>
+          <a:off x="0" y="0"/>
+          <a:ext cx="0" cy="0"/>
+          <a:chOff x="0" y="0"/>
+          <a:chExt cx="0" cy="0"/>
+        </a:xfrm>
+      </p:grpSpPr>
+      <p:sp>
+        <p:nvSpPr>
+          <p:cNvPr id="2" name="Title 1">
+            <a:extLst>
+              <a:ext uri="{FF2B5EF4-FFF2-40B4-BE49-F238E27FC236}">
+                <a16:creationId xmlns:a16="http://schemas.microsoft.com/office/drawing/2014/main" id="{0EDCAD81-9C08-C01B-F96A-7452C75EF79D}"/>
+              </a:ext>
+            </a:extLst>
+          </p:cNvPr>
+          <p:cNvSpPr>
+            <a:spLocks noGrp="1"/>
+          </p:cNvSpPr>
+          <p:nvPr>
+            <p:ph type="title"/>
+          </p:nvPr>
+        </p:nvSpPr>
+        <p:spPr/>
+        <p:txBody>
+          <a:bodyPr/>
+          <a:lstStyle/>
+          <a:p>
+            <a:r>
+              <a:rPr lang="en-US" dirty="0"/>
+              <a:t>Progress Record Feature</a:t>
+            </a:r>
+          </a:p>
+        </p:txBody>
+      </p:sp>
+      <p:sp>
+        <p:nvSpPr>
+          <p:cNvPr id="3" name="Content Placeholder 2">
+            <a:extLst>
+              <a:ext uri="{FF2B5EF4-FFF2-40B4-BE49-F238E27FC236}">
+                <a16:creationId xmlns:a16="http://schemas.microsoft.com/office/drawing/2014/main" id="{E469C8F4-2700-69F1-A410-8103B31BFF2E}"/>
+              </a:ext>
+            </a:extLst>
+          </p:cNvPr>
+          <p:cNvSpPr>
+            <a:spLocks noGrp="1"/>
+          </p:cNvSpPr>
+          <p:nvPr>
+            <p:ph idx="1"/>
+          </p:nvPr>
+        </p:nvSpPr>
+        <p:spPr/>
+        <p:txBody>
+          <a:bodyPr>
+            <a:normAutofit fontScale="92500" lnSpcReduction="10000"/>
+          </a:bodyPr>
+          <a:lstStyle/>
+          <a:p>
+            <a:r>
+              <a:rPr lang="en-US" dirty="0"/>
+              <a:t>This feature plays the most essential role for CRUD operations in our application. The Form is responsible to prompt the user daily to enter his nutritional as well his training details.</a:t>
+            </a:r>
+          </a:p>
+          <a:p>
+            <a:r>
+              <a:rPr lang="en-US" dirty="0"/>
+              <a:t>Makes use of state management to store Nutritional Values for Breakfast, Lunch, Dinner to be stored in state till the “Calculate Total Calories” button is clicked. </a:t>
+            </a:r>
+          </a:p>
+          <a:p>
+            <a:r>
+              <a:rPr lang="en-US" dirty="0"/>
+              <a:t>Future Scope : Add a carousel for Date and a visually pleasing variation of Workout Category menu. </a:t>
+            </a:r>
+          </a:p>
+          <a:p>
+            <a:endParaRPr lang="en-US" dirty="0"/>
+          </a:p>
+        </p:txBody>
+      </p:sp>
+    </p:spTree>
+    <p:extLst>
+      <p:ext uri="{BB962C8B-B14F-4D97-AF65-F5344CB8AC3E}">
+        <p14:creationId xmlns:p14="http://schemas.microsoft.com/office/powerpoint/2010/main" val="2633167806"/>
+      </p:ext>
+    </p:extLst>
+  </p:cSld>
+  <p:clrMapOvr>
+    <a:masterClrMapping/>
+  </p:clrMapOvr>
+</p:sld>
+</file>
+
+<file path=ppt/slides/slide8.xml><?xml version="1.0" encoding="utf-8"?>
+<p:sld xmlns:a="http://schemas.openxmlformats.org/drawingml/2006/main" xmlns:r="http://schemas.openxmlformats.org/officeDocument/2006/relationships" xmlns:p="http://schemas.openxmlformats.org/presentationml/2006/main">
+  <p:cSld>
+    <p:spTree>
+      <p:nvGrpSpPr>
+        <p:cNvPr id="1" name=""/>
+        <p:cNvGrpSpPr/>
+        <p:nvPr/>
+      </p:nvGrpSpPr>
+      <p:grpSpPr>
+        <a:xfrm>
+          <a:off x="0" y="0"/>
+          <a:ext cx="0" cy="0"/>
+          <a:chOff x="0" y="0"/>
+          <a:chExt cx="0" cy="0"/>
+        </a:xfrm>
+      </p:grpSpPr>
+      <p:pic>
+        <p:nvPicPr>
+          <p:cNvPr id="5" name="Picture 4" descr="A screenshot of a computer&#10;&#10;Description automatically generated">
+            <a:extLst>
+              <a:ext uri="{FF2B5EF4-FFF2-40B4-BE49-F238E27FC236}">
+                <a16:creationId xmlns:a16="http://schemas.microsoft.com/office/drawing/2014/main" id="{40C9B86F-352D-B872-3ED3-73A79DA1A6DE}"/>
+              </a:ext>
+            </a:extLst>
+          </p:cNvPr>
+          <p:cNvPicPr>
+            <a:picLocks noChangeAspect="1"/>
+          </p:cNvPicPr>
+          <p:nvPr/>
+        </p:nvPicPr>
+        <p:blipFill rotWithShape="1">
+          <a:blip r:embed="rId2"/>
+          <a:srcRect l="18297" t="1" r="17912" b="-1073"/>
+          <a:stretch/>
+        </p:blipFill>
+        <p:spPr>
+          <a:xfrm>
+            <a:off x="482599" y="1430625"/>
+            <a:ext cx="4394036" cy="3584720"/>
+          </a:xfrm>
+          <a:prstGeom prst="rect">
+            <a:avLst/>
+          </a:prstGeom>
+        </p:spPr>
+      </p:pic>
+      <p:pic>
+        <p:nvPicPr>
+          <p:cNvPr id="7" name="Picture 6" descr="A screenshot of a computer&#10;&#10;Description automatically generated">
+            <a:extLst>
+              <a:ext uri="{FF2B5EF4-FFF2-40B4-BE49-F238E27FC236}">
+                <a16:creationId xmlns:a16="http://schemas.microsoft.com/office/drawing/2014/main" id="{47602CD7-EE3E-EA5D-01BE-195ED5D4B190}"/>
+              </a:ext>
+            </a:extLst>
+          </p:cNvPr>
+          <p:cNvPicPr>
+            <a:picLocks noChangeAspect="1"/>
+          </p:cNvPicPr>
+          <p:nvPr/>
+        </p:nvPicPr>
+        <p:blipFill>
+          <a:blip r:embed="rId3"/>
+          <a:stretch>
+            <a:fillRect/>
+          </a:stretch>
+        </p:blipFill>
+        <p:spPr>
+          <a:xfrm>
+            <a:off x="5040822" y="1430625"/>
+            <a:ext cx="4549090" cy="3584720"/>
+          </a:xfrm>
+          <a:prstGeom prst="rect">
+            <a:avLst/>
+          </a:prstGeom>
+        </p:spPr>
+      </p:pic>
+      <p:sp>
+        <p:nvSpPr>
+          <p:cNvPr id="2" name="TextBox 1">
+            <a:extLst>
+              <a:ext uri="{FF2B5EF4-FFF2-40B4-BE49-F238E27FC236}">
+                <a16:creationId xmlns:a16="http://schemas.microsoft.com/office/drawing/2014/main" id="{A071F518-D1F2-2EC5-C9D0-6F9547051A0E}"/>
+              </a:ext>
+            </a:extLst>
+          </p:cNvPr>
+          <p:cNvSpPr txBox="1"/>
+          <p:nvPr/>
+        </p:nvSpPr>
+        <p:spPr>
+          <a:xfrm>
+            <a:off x="784553" y="320040"/>
+            <a:ext cx="4092082" cy="646331"/>
+          </a:xfrm>
+          <a:prstGeom prst="rect">
+            <a:avLst/>
+          </a:prstGeom>
+          <a:noFill/>
+        </p:spPr>
+        <p:txBody>
+          <a:bodyPr wrap="none" rtlCol="0">
+            <a:spAutoFit/>
+          </a:bodyPr>
+          <a:lstStyle/>
+          <a:p>
+            <a:r>
+              <a:rPr lang="en-US" sz="3600" dirty="0">
+                <a:latin typeface="+mj-lt"/>
+              </a:rPr>
+              <a:t>Record Data Page</a:t>
+            </a:r>
+          </a:p>
+        </p:txBody>
+      </p:sp>
+    </p:spTree>
+    <p:extLst>
+      <p:ext uri="{BB962C8B-B14F-4D97-AF65-F5344CB8AC3E}">
+        <p14:creationId xmlns:p14="http://schemas.microsoft.com/office/powerpoint/2010/main" val="425193708"/>
+      </p:ext>
+    </p:extLst>
+  </p:cSld>
+  <p:clrMapOvr>
+    <a:masterClrMapping/>
+  </p:clrMapOvr>
+</p:sld>
+</file>
+
+<file path=ppt/slides/slide9.xml><?xml version="1.0" encoding="utf-8"?>
+<p:sld xmlns:a="http://schemas.openxmlformats.org/drawingml/2006/main" xmlns:r="http://schemas.openxmlformats.org/officeDocument/2006/relationships" xmlns:p="http://schemas.openxmlformats.org/presentationml/2006/main">
+  <p:cSld>
+    <p:bg>
+      <p:bgPr>
+        <a:solidFill>
+          <a:schemeClr val="bg1"/>
+        </a:solidFill>
+        <a:effectLst/>
+      </p:bgPr>
+    </p:bg>
+    <p:spTree>
+      <p:nvGrpSpPr>
+        <p:cNvPr id="1" name=""/>
+        <p:cNvGrpSpPr/>
+        <p:nvPr/>
+      </p:nvGrpSpPr>
+      <p:grpSpPr>
+        <a:xfrm>
+          <a:off x="0" y="0"/>
+          <a:ext cx="0" cy="0"/>
+          <a:chOff x="0" y="0"/>
+          <a:chExt cx="0" cy="0"/>
+        </a:xfrm>
+      </p:grpSpPr>
+      <p:sp useBgFill="1">
+        <p:nvSpPr>
+          <p:cNvPr id="33" name="Rectangle 22">
+            <a:extLst>
+              <a:ext uri="{FF2B5EF4-FFF2-40B4-BE49-F238E27FC236}">
+                <a16:creationId xmlns:a16="http://schemas.microsoft.com/office/drawing/2014/main" id="{C7F2E4D6-EF46-1C43-8F3E-3620C3C83F36}"/>
+              </a:ext>
+              <a:ext uri="{C183D7F6-B498-43B3-948B-1728B52AA6E4}">
+                <adec:decorative xmlns:adec="http://schemas.microsoft.com/office/drawing/2017/decorative" val="1"/>
+              </a:ext>
+            </a:extLst>
+          </p:cNvPr>
+          <p:cNvSpPr>
+            <a:spLocks noGrp="1" noRot="1" noChangeAspect="1" noMove="1" noResize="1" noEditPoints="1" noAdjustHandles="1" noChangeArrowheads="1" noChangeShapeType="1" noTextEdit="1"/>
+          </p:cNvSpPr>
+          <p:nvPr>
+            <p:extLst>
+              <p:ext uri="{386F3935-93C4-4BCD-93E2-E3B085C9AB24}">
+                <p16:designElem xmlns:p16="http://schemas.microsoft.com/office/powerpoint/2015/main" val="1"/>
+              </p:ext>
+            </p:extLst>
+          </p:nvPr>
+        </p:nvSpPr>
+        <p:spPr>
+          <a:xfrm>
+            <a:off x="0" y="0"/>
+            <a:ext cx="12192000" cy="6858000"/>
+          </a:xfrm>
+          <a:prstGeom prst="rect">
+            <a:avLst/>
+          </a:prstGeom>
+          <a:ln>
+            <a:noFill/>
+          </a:ln>
+        </p:spPr>
+        <p:style>
+          <a:lnRef idx="2">
+            <a:schemeClr val="accent1">
+              <a:shade val="50000"/>
+            </a:schemeClr>
+          </a:lnRef>
+          <a:fillRef idx="1">
+            <a:schemeClr val="accent1"/>
+          </a:fillRef>
+          <a:effectRef idx="0">
+            <a:schemeClr val="accent1"/>
+          </a:effectRef>
+          <a:fontRef idx="minor">
+            <a:schemeClr val="lt1"/>
+          </a:fontRef>
+        </p:style>
+        <p:txBody>
+          <a:bodyPr rtlCol="0" anchor="ctr"/>
+          <a:lstStyle/>
+          <a:p>
+            <a:pPr algn="ctr"/>
+            <a:endParaRPr lang="en-US"/>
+          </a:p>
+        </p:txBody>
+      </p:sp>
+      <p:sp>
+        <p:nvSpPr>
+          <p:cNvPr id="2" name="Title 1">
+            <a:extLst>
+              <a:ext uri="{FF2B5EF4-FFF2-40B4-BE49-F238E27FC236}">
+                <a16:creationId xmlns:a16="http://schemas.microsoft.com/office/drawing/2014/main" id="{546EA510-6537-1BA1-B263-6D84A9ACB85C}"/>
+              </a:ext>
+            </a:extLst>
+          </p:cNvPr>
+          <p:cNvSpPr>
+            <a:spLocks noGrp="1"/>
+          </p:cNvSpPr>
+          <p:nvPr>
+            <p:ph type="title"/>
+          </p:nvPr>
+        </p:nvSpPr>
+        <p:spPr>
+          <a:xfrm>
+            <a:off x="565151" y="770890"/>
+            <a:ext cx="4133560" cy="1268984"/>
+          </a:xfrm>
+        </p:spPr>
+        <p:txBody>
+          <a:bodyPr>
+            <a:normAutofit/>
+          </a:bodyPr>
+          <a:lstStyle/>
+          <a:p>
+            <a:pPr>
+              <a:lnSpc>
+                <a:spcPct val="90000"/>
+              </a:lnSpc>
+            </a:pPr>
+            <a:r>
+              <a:rPr lang="en-US"/>
+              <a:t>Progress Tracker</a:t>
+            </a:r>
+          </a:p>
+        </p:txBody>
+      </p:sp>
+      <p:sp>
+        <p:nvSpPr>
+          <p:cNvPr id="3" name="Content Placeholder 2">
+            <a:extLst>
+              <a:ext uri="{FF2B5EF4-FFF2-40B4-BE49-F238E27FC236}">
+                <a16:creationId xmlns:a16="http://schemas.microsoft.com/office/drawing/2014/main" id="{E6FA3834-1BD9-4B4C-102D-F96847E00A7B}"/>
+              </a:ext>
+            </a:extLst>
+          </p:cNvPr>
+          <p:cNvSpPr>
+            <a:spLocks noGrp="1"/>
+          </p:cNvSpPr>
+          <p:nvPr>
+            <p:ph idx="1"/>
+          </p:nvPr>
+        </p:nvSpPr>
+        <p:spPr>
+          <a:xfrm>
+            <a:off x="565151" y="2160016"/>
+            <a:ext cx="4133560" cy="3601212"/>
+          </a:xfrm>
+        </p:spPr>
+        <p:txBody>
+          <a:bodyPr>
+            <a:normAutofit/>
+          </a:bodyPr>
+          <a:lstStyle/>
+          <a:p>
+            <a:pPr marL="0" indent="0">
+              <a:lnSpc>
+                <a:spcPct val="90000"/>
+              </a:lnSpc>
+              <a:buNone/>
+            </a:pPr>
+            <a:r>
+              <a:rPr lang="en-US" sz="2000" dirty="0"/>
+              <a:t>This feature lets the user have a wholistic view of his/her progress by analyzing the trend of the calorie intake and workout over a period. The user can track and monitor the progress across 3 time durations of a week, fortnight and a month so as to see if he’s moving towards his goal or not.</a:t>
+            </a:r>
+          </a:p>
+          <a:p>
+            <a:pPr marL="0" indent="0">
+              <a:lnSpc>
+                <a:spcPct val="90000"/>
+              </a:lnSpc>
+              <a:buNone/>
+            </a:pPr>
+            <a:r>
+              <a:rPr lang="en-US" sz="2000" dirty="0"/>
+              <a:t>    </a:t>
+            </a:r>
+          </a:p>
+        </p:txBody>
+      </p:sp>
+      <p:cxnSp>
+        <p:nvCxnSpPr>
+          <p:cNvPr id="34" name="Straight Connector 24">
+            <a:extLst>
+              <a:ext uri="{FF2B5EF4-FFF2-40B4-BE49-F238E27FC236}">
+                <a16:creationId xmlns:a16="http://schemas.microsoft.com/office/drawing/2014/main" id="{BF3CF3DF-4809-5B42-9F22-981391379297}"/>
+              </a:ext>
+              <a:ext uri="{C183D7F6-B498-43B3-948B-1728B52AA6E4}">
+                <adec:decorative xmlns:adec="http://schemas.microsoft.com/office/drawing/2017/decorative" val="1"/>
+              </a:ext>
+            </a:extLst>
+          </p:cNvPr>
+          <p:cNvCxnSpPr>
+            <a:cxnSpLocks noGrp="1" noRot="1" noChangeAspect="1" noMove="1" noResize="1" noEditPoints="1" noAdjustHandles="1" noChangeArrowheads="1" noChangeShapeType="1"/>
+          </p:cNvCxnSpPr>
+          <p:nvPr>
+            <p:extLst>
+              <p:ext uri="{386F3935-93C4-4BCD-93E2-E3B085C9AB24}">
+                <p16:designElem xmlns:p16="http://schemas.microsoft.com/office/powerpoint/2015/main" val="1"/>
+              </p:ext>
+            </p:extLst>
+          </p:nvPr>
+        </p:nvCxnSpPr>
+        <p:spPr>
+          <a:xfrm>
+            <a:off x="565150" y="6087110"/>
+            <a:ext cx="4133560" cy="0"/>
+          </a:xfrm>
+          <a:prstGeom prst="line">
+            <a:avLst/>
+          </a:prstGeom>
+          <a:ln w="12700">
+            <a:solidFill>
+              <a:schemeClr val="bg1">
+                <a:lumMod val="65000"/>
+              </a:schemeClr>
+            </a:solidFill>
+          </a:ln>
+        </p:spPr>
+        <p:style>
+          <a:lnRef idx="1">
+            <a:schemeClr val="accent1"/>
+          </a:lnRef>
+          <a:fillRef idx="0">
+            <a:schemeClr val="accent1"/>
+          </a:fillRef>
+          <a:effectRef idx="0">
+            <a:schemeClr val="accent1"/>
+          </a:effectRef>
+          <a:fontRef idx="minor">
+            <a:schemeClr val="tx1"/>
+          </a:fontRef>
+        </p:style>
+      </p:cxnSp>
+      <p:pic>
+        <p:nvPicPr>
+          <p:cNvPr id="5" name="Picture 4" descr="A screenshot of a graph&#10;&#10;Description automatically generated">
+            <a:extLst>
+              <a:ext uri="{FF2B5EF4-FFF2-40B4-BE49-F238E27FC236}">
+                <a16:creationId xmlns:a16="http://schemas.microsoft.com/office/drawing/2014/main" id="{F27B7589-7987-3732-C802-D94DF5397A79}"/>
+              </a:ext>
+            </a:extLst>
+          </p:cNvPr>
+          <p:cNvPicPr>
+            <a:picLocks noChangeAspect="1"/>
+          </p:cNvPicPr>
+          <p:nvPr/>
+        </p:nvPicPr>
+        <p:blipFill rotWithShape="1">
+          <a:blip r:embed="rId2"/>
+          <a:srcRect r="2801" b="-3"/>
+          <a:stretch/>
+        </p:blipFill>
+        <p:spPr>
+          <a:xfrm>
+            <a:off x="5263860" y="681645"/>
+            <a:ext cx="6273249" cy="5486057"/>
+          </a:xfrm>
+          <a:prstGeom prst="rect">
+            <a:avLst/>
+          </a:prstGeom>
+        </p:spPr>
+      </p:pic>
+      <p:grpSp>
+        <p:nvGrpSpPr>
+          <p:cNvPr id="35" name="Group 26">
+            <a:extLst>
+              <a:ext uri="{FF2B5EF4-FFF2-40B4-BE49-F238E27FC236}">
+                <a16:creationId xmlns:a16="http://schemas.microsoft.com/office/drawing/2014/main" id="{0D40C408-1C95-CC45-87A7-61CE8B1F9362}"/>
+              </a:ext>
+              <a:ext uri="{C183D7F6-B498-43B3-948B-1728B52AA6E4}">
+                <adec:decorative xmlns:adec="http://schemas.microsoft.com/office/drawing/2017/decorative" val="1"/>
+              </a:ext>
+            </a:extLst>
+          </p:cNvPr>
+          <p:cNvGrpSpPr>
+            <a:grpSpLocks noGrp="1" noUngrp="1" noRot="1" noChangeAspect="1" noMove="1" noResize="1"/>
+          </p:cNvGrpSpPr>
+          <p:nvPr>
+            <p:extLst>
+              <p:ext uri="{386F3935-93C4-4BCD-93E2-E3B085C9AB24}">
+                <p16:designElem xmlns:p16="http://schemas.microsoft.com/office/powerpoint/2015/main" val="1"/>
+              </p:ext>
+            </p:extLst>
+          </p:nvPr>
+        </p:nvGrpSpPr>
+        <p:grpSpPr>
+          <a:xfrm>
+            <a:off x="10290315" y="0"/>
+            <a:ext cx="1901686" cy="4677439"/>
+            <a:chOff x="10290315" y="0"/>
+            <a:chExt cx="1901686" cy="4677439"/>
+          </a:xfrm>
+        </p:grpSpPr>
+        <p:sp>
+          <p:nvSpPr>
+            <p:cNvPr id="36" name="Freeform 22">
+              <a:extLst>
+                <a:ext uri="{FF2B5EF4-FFF2-40B4-BE49-F238E27FC236}">
+                  <a16:creationId xmlns:a16="http://schemas.microsoft.com/office/drawing/2014/main" id="{064C34AA-742A-4849-8CD3-EBD627656C3C}"/>
+                </a:ext>
+                <a:ext uri="{C183D7F6-B498-43B3-948B-1728B52AA6E4}">
+                  <adec:decorative xmlns:adec="http://schemas.microsoft.com/office/drawing/2017/decorative" val="1"/>
+                </a:ext>
+              </a:extLst>
+            </p:cNvPr>
+            <p:cNvSpPr/>
+            <p:nvPr>
+              <p:extLst>
+                <p:ext uri="{386F3935-93C4-4BCD-93E2-E3B085C9AB24}">
+                  <p16:designElem xmlns:p16="http://schemas.microsoft.com/office/powerpoint/2015/main" val="1"/>
+                </p:ext>
+              </p:extLst>
+            </p:nvPr>
+          </p:nvSpPr>
+          <p:spPr>
+            <a:xfrm>
+              <a:off x="10290315" y="0"/>
+              <a:ext cx="1130724" cy="565573"/>
+            </a:xfrm>
+            <a:custGeom>
+              <a:avLst/>
+              <a:gdLst>
+                <a:gd name="connsiteX0" fmla="*/ 21 w 1130724"/>
+                <a:gd name="connsiteY0" fmla="*/ 0 h 565573"/>
+                <a:gd name="connsiteX1" fmla="*/ 1130703 w 1130724"/>
+                <a:gd name="connsiteY1" fmla="*/ 0 h 565573"/>
+                <a:gd name="connsiteX2" fmla="*/ 1130724 w 1130724"/>
+                <a:gd name="connsiteY2" fmla="*/ 211 h 565573"/>
+                <a:gd name="connsiteX3" fmla="*/ 565362 w 1130724"/>
+                <a:gd name="connsiteY3" fmla="*/ 565573 h 565573"/>
+                <a:gd name="connsiteX4" fmla="*/ 0 w 1130724"/>
+                <a:gd name="connsiteY4" fmla="*/ 211 h 565573"/>
+              </a:gdLst>
+              <a:ahLst/>
+              <a:cxnLst>
+                <a:cxn ang="0">
+                  <a:pos x="connsiteX0" y="connsiteY0"/>
+                </a:cxn>
+                <a:cxn ang="0">
+                  <a:pos x="connsiteX1" y="connsiteY1"/>
+                </a:cxn>
+                <a:cxn ang="0">
+                  <a:pos x="connsiteX2" y="connsiteY2"/>
+                </a:cxn>
+                <a:cxn ang="0">
+                  <a:pos x="connsiteX3" y="connsiteY3"/>
+                </a:cxn>
+                <a:cxn ang="0">
+                  <a:pos x="connsiteX4" y="connsiteY4"/>
+                </a:cxn>
+              </a:cxnLst>
+              <a:rect l="l" t="t" r="r" b="b"/>
+              <a:pathLst>
+                <a:path w="1130724" h="565573">
+                  <a:moveTo>
+                    <a:pt x="21" y="0"/>
+                  </a:moveTo>
+                  <a:lnTo>
+                    <a:pt x="1130703" y="0"/>
+                  </a:lnTo>
+                  <a:lnTo>
+                    <a:pt x="1130724" y="211"/>
+                  </a:lnTo>
+                  <a:cubicBezTo>
+                    <a:pt x="1130724" y="312452"/>
+                    <a:pt x="877603" y="565573"/>
+                    <a:pt x="565362" y="565573"/>
+                  </a:cubicBezTo>
+                  <a:cubicBezTo>
+                    <a:pt x="253121" y="565573"/>
+                    <a:pt x="0" y="312452"/>
+                    <a:pt x="0" y="211"/>
+                  </a:cubicBezTo>
+                  <a:close/>
+                </a:path>
+              </a:pathLst>
+            </a:custGeom>
+            <a:solidFill>
+              <a:schemeClr val="bg2"/>
+            </a:solidFill>
+            <a:ln>
+              <a:noFill/>
+            </a:ln>
+          </p:spPr>
+          <p:style>
+            <a:lnRef idx="2">
+              <a:schemeClr val="accent1">
+                <a:shade val="50000"/>
+              </a:schemeClr>
+            </a:lnRef>
+            <a:fillRef idx="1">
+              <a:schemeClr val="accent1"/>
+            </a:fillRef>
+            <a:effectRef idx="0">
+              <a:schemeClr val="accent1"/>
+            </a:effectRef>
+            <a:fontRef idx="minor">
+              <a:schemeClr val="lt1"/>
+            </a:fontRef>
+          </p:style>
+          <p:txBody>
+            <a:bodyPr wrap="square" rtlCol="0" anchor="ctr">
+              <a:noAutofit/>
+            </a:bodyPr>
+            <a:lstStyle/>
+            <a:p>
+              <a:pPr algn="ctr"/>
+              <a:endParaRPr lang="en-US"/>
+            </a:p>
+          </p:txBody>
+        </p:sp>
+        <p:sp>
+          <p:nvSpPr>
+            <p:cNvPr id="37" name="Freeform 24">
+              <a:extLst>
+                <a:ext uri="{FF2B5EF4-FFF2-40B4-BE49-F238E27FC236}">
+                  <a16:creationId xmlns:a16="http://schemas.microsoft.com/office/drawing/2014/main" id="{EC6ED33D-9A7B-5247-BA45-456AE5F3B432}"/>
+                </a:ext>
+                <a:ext uri="{C183D7F6-B498-43B3-948B-1728B52AA6E4}">
+                  <adec:decorative xmlns:adec="http://schemas.microsoft.com/office/drawing/2017/decorative" val="1"/>
+                </a:ext>
+              </a:extLst>
+            </p:cNvPr>
+            <p:cNvSpPr/>
+            <p:nvPr>
+              <p:extLst>
+                <p:ext uri="{386F3935-93C4-4BCD-93E2-E3B085C9AB24}">
+                  <p16:designElem xmlns:p16="http://schemas.microsoft.com/office/powerpoint/2015/main" val="1"/>
+                </p:ext>
+              </p:extLst>
+            </p:nvPr>
+          </p:nvSpPr>
+          <p:spPr>
+            <a:xfrm>
+              <a:off x="11653180" y="3552066"/>
+              <a:ext cx="538821" cy="1125373"/>
+            </a:xfrm>
+            <a:custGeom>
+              <a:avLst/>
+              <a:gdLst>
+                <a:gd name="connsiteX0" fmla="*/ 538821 w 538821"/>
+                <a:gd name="connsiteY0" fmla="*/ 0 h 1125373"/>
+                <a:gd name="connsiteX1" fmla="*/ 538821 w 538821"/>
+                <a:gd name="connsiteY1" fmla="*/ 1125373 h 1125373"/>
+                <a:gd name="connsiteX2" fmla="*/ 451422 w 538821"/>
+                <a:gd name="connsiteY2" fmla="*/ 1116562 h 1125373"/>
+                <a:gd name="connsiteX3" fmla="*/ 0 w 538821"/>
+                <a:gd name="connsiteY3" fmla="*/ 562686 h 1125373"/>
+                <a:gd name="connsiteX4" fmla="*/ 451422 w 538821"/>
+                <a:gd name="connsiteY4" fmla="*/ 8810 h 1125373"/>
+              </a:gdLst>
+              <a:ahLst/>
+              <a:cxnLst>
+                <a:cxn ang="0">
+                  <a:pos x="connsiteX0" y="connsiteY0"/>
+                </a:cxn>
+                <a:cxn ang="0">
+                  <a:pos x="connsiteX1" y="connsiteY1"/>
+                </a:cxn>
+                <a:cxn ang="0">
+                  <a:pos x="connsiteX2" y="connsiteY2"/>
+                </a:cxn>
+                <a:cxn ang="0">
+                  <a:pos x="connsiteX3" y="connsiteY3"/>
+                </a:cxn>
+                <a:cxn ang="0">
+                  <a:pos x="connsiteX4" y="connsiteY4"/>
+                </a:cxn>
+              </a:cxnLst>
+              <a:rect l="l" t="t" r="r" b="b"/>
+              <a:pathLst>
+                <a:path w="538821" h="1125373">
+                  <a:moveTo>
+                    <a:pt x="538821" y="0"/>
+                  </a:moveTo>
+                  <a:lnTo>
+                    <a:pt x="538821" y="1125373"/>
+                  </a:lnTo>
+                  <a:lnTo>
+                    <a:pt x="451422" y="1116562"/>
+                  </a:lnTo>
+                  <a:cubicBezTo>
+                    <a:pt x="193796" y="1063844"/>
+                    <a:pt x="0" y="835897"/>
+                    <a:pt x="0" y="562686"/>
+                  </a:cubicBezTo>
+                  <a:cubicBezTo>
+                    <a:pt x="0" y="289475"/>
+                    <a:pt x="193796" y="61528"/>
+                    <a:pt x="451422" y="8810"/>
+                  </a:cubicBezTo>
+                  <a:close/>
+                </a:path>
+              </a:pathLst>
+            </a:custGeom>
+            <a:solidFill>
+              <a:schemeClr val="bg2"/>
+            </a:solidFill>
+            <a:ln>
+              <a:noFill/>
+            </a:ln>
+          </p:spPr>
+          <p:style>
+            <a:lnRef idx="2">
+              <a:schemeClr val="accent1">
+                <a:shade val="50000"/>
+              </a:schemeClr>
+            </a:lnRef>
+            <a:fillRef idx="1">
+              <a:schemeClr val="accent1"/>
+            </a:fillRef>
+            <a:effectRef idx="0">
+              <a:schemeClr val="accent1"/>
+            </a:effectRef>
+            <a:fontRef idx="minor">
+              <a:schemeClr val="lt1"/>
+            </a:fontRef>
+          </p:style>
+          <p:txBody>
+            <a:bodyPr wrap="square" rtlCol="0" anchor="ctr">
+              <a:noAutofit/>
+            </a:bodyPr>
+            <a:lstStyle/>
+            <a:p>
+              <a:pPr algn="ctr"/>
+              <a:endParaRPr lang="en-US"/>
+            </a:p>
+          </p:txBody>
+        </p:sp>
+        <p:sp>
+          <p:nvSpPr>
+            <p:cNvPr id="30" name="Freeform 26">
+              <a:extLst>
+                <a:ext uri="{FF2B5EF4-FFF2-40B4-BE49-F238E27FC236}">
+                  <a16:creationId xmlns:a16="http://schemas.microsoft.com/office/drawing/2014/main" id="{143DF02F-6797-8A48-8141-360A16A57556}"/>
+                </a:ext>
+                <a:ext uri="{C183D7F6-B498-43B3-948B-1728B52AA6E4}">
+                  <adec:decorative xmlns:adec="http://schemas.microsoft.com/office/drawing/2017/decorative" val="1"/>
+                </a:ext>
+              </a:extLst>
+            </p:cNvPr>
+            <p:cNvSpPr/>
+            <p:nvPr>
+              <p:extLst>
+                <p:ext uri="{386F3935-93C4-4BCD-93E2-E3B085C9AB24}">
+                  <p16:designElem xmlns:p16="http://schemas.microsoft.com/office/powerpoint/2015/main" val="1"/>
+                </p:ext>
+              </p:extLst>
+            </p:nvPr>
+          </p:nvSpPr>
+          <p:spPr>
+            <a:xfrm>
+              <a:off x="11653180" y="809039"/>
+              <a:ext cx="538821" cy="1125373"/>
+            </a:xfrm>
+            <a:custGeom>
+              <a:avLst/>
+              <a:gdLst>
+                <a:gd name="connsiteX0" fmla="*/ 538821 w 538821"/>
+                <a:gd name="connsiteY0" fmla="*/ 0 h 1125373"/>
+                <a:gd name="connsiteX1" fmla="*/ 538821 w 538821"/>
+                <a:gd name="connsiteY1" fmla="*/ 1125373 h 1125373"/>
+                <a:gd name="connsiteX2" fmla="*/ 451422 w 538821"/>
+                <a:gd name="connsiteY2" fmla="*/ 1116562 h 1125373"/>
+                <a:gd name="connsiteX3" fmla="*/ 0 w 538821"/>
+                <a:gd name="connsiteY3" fmla="*/ 562686 h 1125373"/>
+                <a:gd name="connsiteX4" fmla="*/ 451422 w 538821"/>
+                <a:gd name="connsiteY4" fmla="*/ 8810 h 1125373"/>
+              </a:gdLst>
+              <a:ahLst/>
+              <a:cxnLst>
+                <a:cxn ang="0">
+                  <a:pos x="connsiteX0" y="connsiteY0"/>
+                </a:cxn>
+                <a:cxn ang="0">
+                  <a:pos x="connsiteX1" y="connsiteY1"/>
+                </a:cxn>
+                <a:cxn ang="0">
+                  <a:pos x="connsiteX2" y="connsiteY2"/>
+                </a:cxn>
+                <a:cxn ang="0">
+                  <a:pos x="connsiteX3" y="connsiteY3"/>
+                </a:cxn>
+                <a:cxn ang="0">
+                  <a:pos x="connsiteX4" y="connsiteY4"/>
+                </a:cxn>
+              </a:cxnLst>
+              <a:rect l="l" t="t" r="r" b="b"/>
+              <a:pathLst>
+                <a:path w="538821" h="1125373">
+                  <a:moveTo>
+                    <a:pt x="538821" y="0"/>
+                  </a:moveTo>
+                  <a:lnTo>
+                    <a:pt x="538821" y="1125373"/>
+                  </a:lnTo>
+                  <a:lnTo>
+                    <a:pt x="451422" y="1116562"/>
+                  </a:lnTo>
+                  <a:cubicBezTo>
+                    <a:pt x="193796" y="1063844"/>
+                    <a:pt x="0" y="835897"/>
+                    <a:pt x="0" y="562686"/>
+                  </a:cubicBezTo>
+                  <a:cubicBezTo>
+                    <a:pt x="0" y="289475"/>
+                    <a:pt x="193796" y="61528"/>
+                    <a:pt x="451422" y="8810"/>
+                  </a:cubicBezTo>
+                  <a:close/>
+                </a:path>
+              </a:pathLst>
+            </a:custGeom>
+            <a:solidFill>
+              <a:schemeClr val="accent1"/>
+            </a:solidFill>
+            <a:ln>
+              <a:noFill/>
+            </a:ln>
+          </p:spPr>
+          <p:style>
+            <a:lnRef idx="2">
+              <a:schemeClr val="accent1">
+                <a:shade val="50000"/>
+              </a:schemeClr>
+            </a:lnRef>
+            <a:fillRef idx="1">
+              <a:schemeClr val="accent1"/>
+            </a:fillRef>
+            <a:effectRef idx="0">
+              <a:schemeClr val="accent1"/>
+            </a:effectRef>
+            <a:fontRef idx="minor">
+              <a:schemeClr val="lt1"/>
+            </a:fontRef>
+          </p:style>
+          <p:txBody>
+            <a:bodyPr wrap="square" rtlCol="0" anchor="ctr">
+              <a:noAutofit/>
+            </a:bodyPr>
+            <a:lstStyle/>
+            <a:p>
+              <a:pPr algn="ctr"/>
+              <a:endParaRPr lang="en-US"/>
+            </a:p>
+          </p:txBody>
+        </p:sp>
+        <p:sp>
+          <p:nvSpPr>
+            <p:cNvPr id="38" name="Freeform 27">
+              <a:extLst>
+                <a:ext uri="{FF2B5EF4-FFF2-40B4-BE49-F238E27FC236}">
+                  <a16:creationId xmlns:a16="http://schemas.microsoft.com/office/drawing/2014/main" id="{FDD14875-9EDB-984E-9EDE-3C3A422D9660}"/>
+                </a:ext>
+                <a:ext uri="{C183D7F6-B498-43B3-948B-1728B52AA6E4}">
+                  <adec:decorative xmlns:adec="http://schemas.microsoft.com/office/drawing/2017/decorative" val="1"/>
+                </a:ext>
+              </a:extLst>
+            </p:cNvPr>
+            <p:cNvSpPr/>
+            <p:nvPr>
+              <p:extLst>
+                <p:ext uri="{386F3935-93C4-4BCD-93E2-E3B085C9AB24}">
+                  <p16:designElem xmlns:p16="http://schemas.microsoft.com/office/powerpoint/2015/main" val="1"/>
+                </p:ext>
+              </p:extLst>
+            </p:nvPr>
+          </p:nvSpPr>
+          <p:spPr>
+            <a:xfrm>
+              <a:off x="11653180" y="0"/>
+              <a:ext cx="538821" cy="562898"/>
+            </a:xfrm>
+            <a:custGeom>
+              <a:avLst/>
+              <a:gdLst>
+                <a:gd name="connsiteX0" fmla="*/ 21 w 538821"/>
+                <a:gd name="connsiteY0" fmla="*/ 0 h 562898"/>
+                <a:gd name="connsiteX1" fmla="*/ 538821 w 538821"/>
+                <a:gd name="connsiteY1" fmla="*/ 0 h 562898"/>
+                <a:gd name="connsiteX2" fmla="*/ 538821 w 538821"/>
+                <a:gd name="connsiteY2" fmla="*/ 562898 h 562898"/>
+                <a:gd name="connsiteX3" fmla="*/ 451422 w 538821"/>
+                <a:gd name="connsiteY3" fmla="*/ 554087 h 562898"/>
+                <a:gd name="connsiteX4" fmla="*/ 0 w 538821"/>
+                <a:gd name="connsiteY4" fmla="*/ 211 h 562898"/>
+              </a:gdLst>
+              <a:ahLst/>
+              <a:cxnLst>
+                <a:cxn ang="0">
+                  <a:pos x="connsiteX0" y="connsiteY0"/>
+                </a:cxn>
+                <a:cxn ang="0">
+                  <a:pos x="connsiteX1" y="connsiteY1"/>
+                </a:cxn>
+                <a:cxn ang="0">
+                  <a:pos x="connsiteX2" y="connsiteY2"/>
+                </a:cxn>
+                <a:cxn ang="0">
+                  <a:pos x="connsiteX3" y="connsiteY3"/>
+                </a:cxn>
+                <a:cxn ang="0">
+                  <a:pos x="connsiteX4" y="connsiteY4"/>
+                </a:cxn>
+              </a:cxnLst>
+              <a:rect l="l" t="t" r="r" b="b"/>
+              <a:pathLst>
+                <a:path w="538821" h="562898">
+                  <a:moveTo>
+                    <a:pt x="21" y="0"/>
+                  </a:moveTo>
+                  <a:lnTo>
+                    <a:pt x="538821" y="0"/>
+                  </a:lnTo>
+                  <a:lnTo>
+                    <a:pt x="538821" y="562898"/>
+                  </a:lnTo>
+                  <a:lnTo>
+                    <a:pt x="451422" y="554087"/>
+                  </a:lnTo>
+                  <a:cubicBezTo>
+                    <a:pt x="193796" y="501369"/>
+                    <a:pt x="0" y="273422"/>
+                    <a:pt x="0" y="211"/>
+                  </a:cubicBezTo>
+                  <a:close/>
+                </a:path>
+              </a:pathLst>
+            </a:custGeom>
+            <a:solidFill>
+              <a:schemeClr val="bg2"/>
+            </a:solidFill>
+            <a:ln>
+              <a:noFill/>
+            </a:ln>
+          </p:spPr>
+          <p:style>
+            <a:lnRef idx="2">
+              <a:schemeClr val="accent1">
+                <a:shade val="50000"/>
+              </a:schemeClr>
+            </a:lnRef>
+            <a:fillRef idx="1">
+              <a:schemeClr val="accent1"/>
+            </a:fillRef>
+            <a:effectRef idx="0">
+              <a:schemeClr val="accent1"/>
+            </a:effectRef>
+            <a:fontRef idx="minor">
+              <a:schemeClr val="lt1"/>
+            </a:fontRef>
+          </p:style>
+          <p:txBody>
+            <a:bodyPr wrap="square" rtlCol="0" anchor="ctr">
+              <a:noAutofit/>
+            </a:bodyPr>
+            <a:lstStyle/>
+            <a:p>
+              <a:pPr algn="ctr"/>
+              <a:endParaRPr lang="en-US"/>
+            </a:p>
+          </p:txBody>
+        </p:sp>
+      </p:grpSp>
+    </p:spTree>
+    <p:extLst>
+      <p:ext uri="{BB962C8B-B14F-4D97-AF65-F5344CB8AC3E}">
+        <p14:creationId xmlns:p14="http://schemas.microsoft.com/office/powerpoint/2010/main" val="615831255"/>
       </p:ext>
     </p:extLst>
   </p:cSld>

--- a/FitTrackPresentationFinal.pptx
+++ b/FitTrackPresentationFinal.pptx
@@ -5,7 +5,7 @@
     <p:sldMasterId id="2147483725" r:id="rId1"/>
   </p:sldMasterIdLst>
   <p:notesMasterIdLst>
-    <p:notesMasterId r:id="rId13"/>
+    <p:notesMasterId r:id="rId14"/>
   </p:notesMasterIdLst>
   <p:sldIdLst>
     <p:sldId id="256" r:id="rId2"/>
@@ -19,6 +19,7 @@
     <p:sldId id="261" r:id="rId10"/>
     <p:sldId id="263" r:id="rId11"/>
     <p:sldId id="264" r:id="rId12"/>
+    <p:sldId id="267" r:id="rId13"/>
   </p:sldIdLst>
   <p:sldSz cx="12192000" cy="6858000"/>
   <p:notesSz cx="6858000" cy="9144000"/>
@@ -18217,6 +18218,148 @@
 </p:sld>
 </file>
 
+<file path=ppt/slides/slide12.xml><?xml version="1.0" encoding="utf-8"?>
+<p:sld xmlns:a="http://schemas.openxmlformats.org/drawingml/2006/main" xmlns:r="http://schemas.openxmlformats.org/officeDocument/2006/relationships" xmlns:p="http://schemas.openxmlformats.org/presentationml/2006/main">
+  <p:cSld>
+    <p:spTree>
+      <p:nvGrpSpPr>
+        <p:cNvPr id="1" name=""/>
+        <p:cNvGrpSpPr/>
+        <p:nvPr/>
+      </p:nvGrpSpPr>
+      <p:grpSpPr>
+        <a:xfrm>
+          <a:off x="0" y="0"/>
+          <a:ext cx="0" cy="0"/>
+          <a:chOff x="0" y="0"/>
+          <a:chExt cx="0" cy="0"/>
+        </a:xfrm>
+      </p:grpSpPr>
+      <p:sp>
+        <p:nvSpPr>
+          <p:cNvPr id="2" name="Title 1">
+            <a:extLst>
+              <a:ext uri="{FF2B5EF4-FFF2-40B4-BE49-F238E27FC236}">
+                <a16:creationId xmlns:a16="http://schemas.microsoft.com/office/drawing/2014/main" id="{4C9C44E6-3D99-B65F-BADC-CE3E76BD4828}"/>
+              </a:ext>
+            </a:extLst>
+          </p:cNvPr>
+          <p:cNvSpPr>
+            <a:spLocks noGrp="1"/>
+          </p:cNvSpPr>
+          <p:nvPr>
+            <p:ph type="title"/>
+          </p:nvPr>
+        </p:nvSpPr>
+        <p:spPr/>
+        <p:txBody>
+          <a:bodyPr>
+            <a:normAutofit/>
+          </a:bodyPr>
+          <a:lstStyle/>
+          <a:p>
+            <a:r>
+              <a:rPr lang="en-US" sz="3200" dirty="0"/>
+              <a:t>Thank you for using </a:t>
+            </a:r>
+            <a:r>
+              <a:rPr lang="en-US" sz="3200" dirty="0" err="1"/>
+              <a:t>Fittrack</a:t>
+            </a:r>
+            <a:r>
+              <a:rPr lang="en-US" sz="3200" dirty="0"/>
+              <a:t>!</a:t>
+            </a:r>
+          </a:p>
+        </p:txBody>
+      </p:sp>
+      <p:sp>
+        <p:nvSpPr>
+          <p:cNvPr id="5" name="Content Placeholder 4">
+            <a:extLst>
+              <a:ext uri="{FF2B5EF4-FFF2-40B4-BE49-F238E27FC236}">
+                <a16:creationId xmlns:a16="http://schemas.microsoft.com/office/drawing/2014/main" id="{F335C443-1589-820A-8541-4B8E8D2B5B9D}"/>
+              </a:ext>
+            </a:extLst>
+          </p:cNvPr>
+          <p:cNvSpPr>
+            <a:spLocks noGrp="1"/>
+          </p:cNvSpPr>
+          <p:nvPr>
+            <p:ph idx="1"/>
+          </p:nvPr>
+        </p:nvSpPr>
+        <p:spPr/>
+        <p:txBody>
+          <a:bodyPr/>
+          <a:lstStyle/>
+          <a:p>
+            <a:r>
+              <a:rPr lang="en-US" dirty="0"/>
+              <a:t>References </a:t>
+            </a:r>
+          </a:p>
+          <a:p>
+            <a:pPr marL="514350" indent="-514350">
+              <a:buFont typeface="+mj-lt"/>
+              <a:buAutoNum type="romanUcPeriod"/>
+            </a:pPr>
+            <a:r>
+              <a:rPr lang="en-US" dirty="0">
+                <a:hlinkClick r:id="rId2"/>
+              </a:rPr>
+              <a:t>https://rapidapi.com/justin-WFnsXH_t6/api/exercise</a:t>
+            </a:r>
+            <a:endParaRPr lang="en-US" dirty="0"/>
+          </a:p>
+          <a:p>
+            <a:pPr marL="514350" indent="-514350">
+              <a:buFont typeface="+mj-lt"/>
+              <a:buAutoNum type="romanUcPeriod"/>
+            </a:pPr>
+            <a:r>
+              <a:rPr lang="en-US" dirty="0">
+                <a:hlinkClick r:id="rId3"/>
+              </a:rPr>
+              <a:t>https://rapidapi.com/h0p3rwe/api/youtube-search-and-download/</a:t>
+            </a:r>
+            <a:endParaRPr lang="en-US" dirty="0"/>
+          </a:p>
+          <a:p>
+            <a:pPr marL="514350" indent="-514350">
+              <a:buFont typeface="+mj-lt"/>
+              <a:buAutoNum type="romanUcPeriod"/>
+            </a:pPr>
+            <a:r>
+              <a:rPr lang="en-US" dirty="0">
+                <a:hlinkClick r:id="rId4"/>
+              </a:rPr>
+              <a:t>https://rapidapi.com/yourdevmail/api/chatgpt-ai-chat-bot</a:t>
+            </a:r>
+            <a:endParaRPr lang="en-US" dirty="0"/>
+          </a:p>
+          <a:p>
+            <a:pPr marL="514350" indent="-514350">
+              <a:buFont typeface="+mj-lt"/>
+              <a:buAutoNum type="romanUcPeriod"/>
+            </a:pPr>
+            <a:endParaRPr lang="en-US" dirty="0"/>
+          </a:p>
+        </p:txBody>
+      </p:sp>
+    </p:spTree>
+    <p:extLst>
+      <p:ext uri="{BB962C8B-B14F-4D97-AF65-F5344CB8AC3E}">
+        <p14:creationId xmlns:p14="http://schemas.microsoft.com/office/powerpoint/2010/main" val="2522423161"/>
+      </p:ext>
+    </p:extLst>
+  </p:cSld>
+  <p:clrMapOvr>
+    <a:masterClrMapping/>
+  </p:clrMapOvr>
+</p:sld>
+</file>
+
 <file path=ppt/slides/slide2.xml><?xml version="1.0" encoding="utf-8"?>
 <p:sld xmlns:a="http://schemas.openxmlformats.org/drawingml/2006/main" xmlns:r="http://schemas.openxmlformats.org/officeDocument/2006/relationships" xmlns:p="http://schemas.openxmlformats.org/presentationml/2006/main">
   <p:cSld>
@@ -20095,7 +20238,7 @@
               </a:lnSpc>
             </a:pPr>
             <a:r>
-              <a:rPr lang="en-US"/>
+              <a:rPr lang="en-US" dirty="0"/>
               <a:t>Meal and workout plan generator</a:t>
             </a:r>
           </a:p>
@@ -20135,14 +20278,14 @@
               </a:lnSpc>
             </a:pPr>
             <a:r>
-              <a:rPr lang="en-US" sz="1900" b="1" i="0">
+              <a:rPr lang="en-US" sz="1900" b="1" dirty="0">
                 <a:effectLst/>
                 <a:latin typeface="Söhne"/>
               </a:rPr>
               <a:t>Adaptive Programs:</a:t>
             </a:r>
             <a:r>
-              <a:rPr lang="en-US" sz="1900" b="0" i="0">
+              <a:rPr lang="en-US" sz="1900" dirty="0">
                 <a:effectLst/>
                 <a:latin typeface="Söhne"/>
               </a:rPr>
@@ -20158,14 +20301,14 @@
               <a:buChar char="•"/>
             </a:pPr>
             <a:r>
-              <a:rPr lang="en-US" sz="1900" b="1" i="0">
+              <a:rPr lang="en-US" sz="1900" b="1" dirty="0">
                 <a:effectLst/>
                 <a:latin typeface="Söhne"/>
               </a:rPr>
               <a:t>Dietary Preferences &amp; Restrictions:</a:t>
             </a:r>
             <a:r>
-              <a:rPr lang="en-US" sz="1900" b="0" i="0">
+              <a:rPr lang="en-US" sz="1900" dirty="0">
                 <a:effectLst/>
                 <a:latin typeface="Söhne"/>
               </a:rPr>
@@ -20181,23 +20324,23 @@
               <a:buChar char="•"/>
             </a:pPr>
             <a:r>
-              <a:rPr lang="en-US" sz="1900" b="1" i="0">
+              <a:rPr lang="en-US" sz="1900" b="1" dirty="0">
                 <a:effectLst/>
                 <a:latin typeface="Söhne"/>
               </a:rPr>
               <a:t>Recipe Suggestions:</a:t>
             </a:r>
             <a:r>
-              <a:rPr lang="en-US" sz="1900" b="0" i="0">
+              <a:rPr lang="en-US" sz="1900" dirty="0">
                 <a:effectLst/>
                 <a:latin typeface="Söhne"/>
               </a:rPr>
               <a:t> Based on the ingredients users have on hand and their nutritional needs, the AI can suggest recipes, making meal planning easier.</a:t>
             </a:r>
             <a:br>
-              <a:rPr lang="en-US" sz="1900"/>
+              <a:rPr lang="en-US" sz="1900" dirty="0"/>
             </a:br>
-            <a:endParaRPr lang="en-US" sz="1900"/>
+            <a:endParaRPr lang="en-US" sz="1900" dirty="0"/>
           </a:p>
         </p:txBody>
       </p:sp>
